--- a/宣道詩/(宣道詩14)昨日今日直到永遠.pptx
+++ b/宣道詩/(宣道詩14)昨日今日直到永遠.pptx
@@ -295,7 +295,8 @@
           <a:p>
             <a:fld id="{BD6AA7B1-114F-4841-8E40-5FBB5EDE436C}" type="datetimeFigureOut">
               <a:rPr lang="vi-VN" smtClean="0"/>
-              <a:t>29/08/2020</a:t>
+              <a:pPr/>
+              <a:t>30/08/2020</a:t>
             </a:fld>
             <a:endParaRPr lang="vi-VN"/>
           </a:p>
@@ -337,6 +338,7 @@
           <a:p>
             <a:fld id="{1C67174D-2A15-49A4-846B-06FD049B25A3}" type="slidenum">
               <a:rPr lang="vi-VN" smtClean="0"/>
+              <a:pPr/>
               <a:t>‹#›</a:t>
             </a:fld>
             <a:endParaRPr lang="vi-VN"/>
@@ -346,7 +348,7 @@
     </p:spTree>
     <p:extLst>
       <p:ext uri="{BB962C8B-B14F-4D97-AF65-F5344CB8AC3E}">
-        <p14:creationId xmlns:p14="http://schemas.microsoft.com/office/powerpoint/2010/main" val="4118343001"/>
+        <p14:creationId xmlns:p14="http://schemas.microsoft.com/office/powerpoint/2010/main" xmlns="" val="4118343001"/>
       </p:ext>
     </p:extLst>
   </p:cSld>
@@ -465,7 +467,8 @@
           <a:p>
             <a:fld id="{BD6AA7B1-114F-4841-8E40-5FBB5EDE436C}" type="datetimeFigureOut">
               <a:rPr lang="vi-VN" smtClean="0"/>
-              <a:t>29/08/2020</a:t>
+              <a:pPr/>
+              <a:t>30/08/2020</a:t>
             </a:fld>
             <a:endParaRPr lang="vi-VN"/>
           </a:p>
@@ -507,6 +510,7 @@
           <a:p>
             <a:fld id="{1C67174D-2A15-49A4-846B-06FD049B25A3}" type="slidenum">
               <a:rPr lang="vi-VN" smtClean="0"/>
+              <a:pPr/>
               <a:t>‹#›</a:t>
             </a:fld>
             <a:endParaRPr lang="vi-VN"/>
@@ -516,7 +520,7 @@
     </p:spTree>
     <p:extLst>
       <p:ext uri="{BB962C8B-B14F-4D97-AF65-F5344CB8AC3E}">
-        <p14:creationId xmlns:p14="http://schemas.microsoft.com/office/powerpoint/2010/main" val="55033400"/>
+        <p14:creationId xmlns:p14="http://schemas.microsoft.com/office/powerpoint/2010/main" xmlns="" val="55033400"/>
       </p:ext>
     </p:extLst>
   </p:cSld>
@@ -645,7 +649,8 @@
           <a:p>
             <a:fld id="{BD6AA7B1-114F-4841-8E40-5FBB5EDE436C}" type="datetimeFigureOut">
               <a:rPr lang="vi-VN" smtClean="0"/>
-              <a:t>29/08/2020</a:t>
+              <a:pPr/>
+              <a:t>30/08/2020</a:t>
             </a:fld>
             <a:endParaRPr lang="vi-VN"/>
           </a:p>
@@ -687,6 +692,7 @@
           <a:p>
             <a:fld id="{1C67174D-2A15-49A4-846B-06FD049B25A3}" type="slidenum">
               <a:rPr lang="vi-VN" smtClean="0"/>
+              <a:pPr/>
               <a:t>‹#›</a:t>
             </a:fld>
             <a:endParaRPr lang="vi-VN"/>
@@ -696,7 +702,7 @@
     </p:spTree>
     <p:extLst>
       <p:ext uri="{BB962C8B-B14F-4D97-AF65-F5344CB8AC3E}">
-        <p14:creationId xmlns:p14="http://schemas.microsoft.com/office/powerpoint/2010/main" val="3114986861"/>
+        <p14:creationId xmlns:p14="http://schemas.microsoft.com/office/powerpoint/2010/main" xmlns="" val="3114986861"/>
       </p:ext>
     </p:extLst>
   </p:cSld>
@@ -815,7 +821,8 @@
           <a:p>
             <a:fld id="{BD6AA7B1-114F-4841-8E40-5FBB5EDE436C}" type="datetimeFigureOut">
               <a:rPr lang="vi-VN" smtClean="0"/>
-              <a:t>29/08/2020</a:t>
+              <a:pPr/>
+              <a:t>30/08/2020</a:t>
             </a:fld>
             <a:endParaRPr lang="vi-VN"/>
           </a:p>
@@ -857,6 +864,7 @@
           <a:p>
             <a:fld id="{1C67174D-2A15-49A4-846B-06FD049B25A3}" type="slidenum">
               <a:rPr lang="vi-VN" smtClean="0"/>
+              <a:pPr/>
               <a:t>‹#›</a:t>
             </a:fld>
             <a:endParaRPr lang="vi-VN"/>
@@ -866,7 +874,7 @@
     </p:spTree>
     <p:extLst>
       <p:ext uri="{BB962C8B-B14F-4D97-AF65-F5344CB8AC3E}">
-        <p14:creationId xmlns:p14="http://schemas.microsoft.com/office/powerpoint/2010/main" val="1287477252"/>
+        <p14:creationId xmlns:p14="http://schemas.microsoft.com/office/powerpoint/2010/main" xmlns="" val="1287477252"/>
       </p:ext>
     </p:extLst>
   </p:cSld>
@@ -1061,7 +1069,8 @@
           <a:p>
             <a:fld id="{BD6AA7B1-114F-4841-8E40-5FBB5EDE436C}" type="datetimeFigureOut">
               <a:rPr lang="vi-VN" smtClean="0"/>
-              <a:t>29/08/2020</a:t>
+              <a:pPr/>
+              <a:t>30/08/2020</a:t>
             </a:fld>
             <a:endParaRPr lang="vi-VN"/>
           </a:p>
@@ -1103,6 +1112,7 @@
           <a:p>
             <a:fld id="{1C67174D-2A15-49A4-846B-06FD049B25A3}" type="slidenum">
               <a:rPr lang="vi-VN" smtClean="0"/>
+              <a:pPr/>
               <a:t>‹#›</a:t>
             </a:fld>
             <a:endParaRPr lang="vi-VN"/>
@@ -1112,7 +1122,7 @@
     </p:spTree>
     <p:extLst>
       <p:ext uri="{BB962C8B-B14F-4D97-AF65-F5344CB8AC3E}">
-        <p14:creationId xmlns:p14="http://schemas.microsoft.com/office/powerpoint/2010/main" val="3782729323"/>
+        <p14:creationId xmlns:p14="http://schemas.microsoft.com/office/powerpoint/2010/main" xmlns="" val="3782729323"/>
       </p:ext>
     </p:extLst>
   </p:cSld>
@@ -1349,7 +1359,8 @@
           <a:p>
             <a:fld id="{BD6AA7B1-114F-4841-8E40-5FBB5EDE436C}" type="datetimeFigureOut">
               <a:rPr lang="vi-VN" smtClean="0"/>
-              <a:t>29/08/2020</a:t>
+              <a:pPr/>
+              <a:t>30/08/2020</a:t>
             </a:fld>
             <a:endParaRPr lang="vi-VN"/>
           </a:p>
@@ -1391,6 +1402,7 @@
           <a:p>
             <a:fld id="{1C67174D-2A15-49A4-846B-06FD049B25A3}" type="slidenum">
               <a:rPr lang="vi-VN" smtClean="0"/>
+              <a:pPr/>
               <a:t>‹#›</a:t>
             </a:fld>
             <a:endParaRPr lang="vi-VN"/>
@@ -1400,7 +1412,7 @@
     </p:spTree>
     <p:extLst>
       <p:ext uri="{BB962C8B-B14F-4D97-AF65-F5344CB8AC3E}">
-        <p14:creationId xmlns:p14="http://schemas.microsoft.com/office/powerpoint/2010/main" val="4198982242"/>
+        <p14:creationId xmlns:p14="http://schemas.microsoft.com/office/powerpoint/2010/main" xmlns="" val="4198982242"/>
       </p:ext>
     </p:extLst>
   </p:cSld>
@@ -1771,7 +1783,8 @@
           <a:p>
             <a:fld id="{BD6AA7B1-114F-4841-8E40-5FBB5EDE436C}" type="datetimeFigureOut">
               <a:rPr lang="vi-VN" smtClean="0"/>
-              <a:t>29/08/2020</a:t>
+              <a:pPr/>
+              <a:t>30/08/2020</a:t>
             </a:fld>
             <a:endParaRPr lang="vi-VN"/>
           </a:p>
@@ -1813,6 +1826,7 @@
           <a:p>
             <a:fld id="{1C67174D-2A15-49A4-846B-06FD049B25A3}" type="slidenum">
               <a:rPr lang="vi-VN" smtClean="0"/>
+              <a:pPr/>
               <a:t>‹#›</a:t>
             </a:fld>
             <a:endParaRPr lang="vi-VN"/>
@@ -1822,7 +1836,7 @@
     </p:spTree>
     <p:extLst>
       <p:ext uri="{BB962C8B-B14F-4D97-AF65-F5344CB8AC3E}">
-        <p14:creationId xmlns:p14="http://schemas.microsoft.com/office/powerpoint/2010/main" val="2014800249"/>
+        <p14:creationId xmlns:p14="http://schemas.microsoft.com/office/powerpoint/2010/main" xmlns="" val="2014800249"/>
       </p:ext>
     </p:extLst>
   </p:cSld>
@@ -1889,7 +1903,8 @@
           <a:p>
             <a:fld id="{BD6AA7B1-114F-4841-8E40-5FBB5EDE436C}" type="datetimeFigureOut">
               <a:rPr lang="vi-VN" smtClean="0"/>
-              <a:t>29/08/2020</a:t>
+              <a:pPr/>
+              <a:t>30/08/2020</a:t>
             </a:fld>
             <a:endParaRPr lang="vi-VN"/>
           </a:p>
@@ -1931,6 +1946,7 @@
           <a:p>
             <a:fld id="{1C67174D-2A15-49A4-846B-06FD049B25A3}" type="slidenum">
               <a:rPr lang="vi-VN" smtClean="0"/>
+              <a:pPr/>
               <a:t>‹#›</a:t>
             </a:fld>
             <a:endParaRPr lang="vi-VN"/>
@@ -1940,7 +1956,7 @@
     </p:spTree>
     <p:extLst>
       <p:ext uri="{BB962C8B-B14F-4D97-AF65-F5344CB8AC3E}">
-        <p14:creationId xmlns:p14="http://schemas.microsoft.com/office/powerpoint/2010/main" val="3605221816"/>
+        <p14:creationId xmlns:p14="http://schemas.microsoft.com/office/powerpoint/2010/main" xmlns="" val="3605221816"/>
       </p:ext>
     </p:extLst>
   </p:cSld>
@@ -1984,7 +2000,8 @@
           <a:p>
             <a:fld id="{BD6AA7B1-114F-4841-8E40-5FBB5EDE436C}" type="datetimeFigureOut">
               <a:rPr lang="vi-VN" smtClean="0"/>
-              <a:t>29/08/2020</a:t>
+              <a:pPr/>
+              <a:t>30/08/2020</a:t>
             </a:fld>
             <a:endParaRPr lang="vi-VN"/>
           </a:p>
@@ -2026,6 +2043,7 @@
           <a:p>
             <a:fld id="{1C67174D-2A15-49A4-846B-06FD049B25A3}" type="slidenum">
               <a:rPr lang="vi-VN" smtClean="0"/>
+              <a:pPr/>
               <a:t>‹#›</a:t>
             </a:fld>
             <a:endParaRPr lang="vi-VN"/>
@@ -2035,7 +2053,7 @@
     </p:spTree>
     <p:extLst>
       <p:ext uri="{BB962C8B-B14F-4D97-AF65-F5344CB8AC3E}">
-        <p14:creationId xmlns:p14="http://schemas.microsoft.com/office/powerpoint/2010/main" val="4033859240"/>
+        <p14:creationId xmlns:p14="http://schemas.microsoft.com/office/powerpoint/2010/main" xmlns="" val="4033859240"/>
       </p:ext>
     </p:extLst>
   </p:cSld>
@@ -2261,7 +2279,8 @@
           <a:p>
             <a:fld id="{BD6AA7B1-114F-4841-8E40-5FBB5EDE436C}" type="datetimeFigureOut">
               <a:rPr lang="vi-VN" smtClean="0"/>
-              <a:t>29/08/2020</a:t>
+              <a:pPr/>
+              <a:t>30/08/2020</a:t>
             </a:fld>
             <a:endParaRPr lang="vi-VN"/>
           </a:p>
@@ -2303,6 +2322,7 @@
           <a:p>
             <a:fld id="{1C67174D-2A15-49A4-846B-06FD049B25A3}" type="slidenum">
               <a:rPr lang="vi-VN" smtClean="0"/>
+              <a:pPr/>
               <a:t>‹#›</a:t>
             </a:fld>
             <a:endParaRPr lang="vi-VN"/>
@@ -2312,7 +2332,7 @@
     </p:spTree>
     <p:extLst>
       <p:ext uri="{BB962C8B-B14F-4D97-AF65-F5344CB8AC3E}">
-        <p14:creationId xmlns:p14="http://schemas.microsoft.com/office/powerpoint/2010/main" val="3092675198"/>
+        <p14:creationId xmlns:p14="http://schemas.microsoft.com/office/powerpoint/2010/main" xmlns="" val="3092675198"/>
       </p:ext>
     </p:extLst>
   </p:cSld>
@@ -2518,7 +2538,8 @@
           <a:p>
             <a:fld id="{BD6AA7B1-114F-4841-8E40-5FBB5EDE436C}" type="datetimeFigureOut">
               <a:rPr lang="vi-VN" smtClean="0"/>
-              <a:t>29/08/2020</a:t>
+              <a:pPr/>
+              <a:t>30/08/2020</a:t>
             </a:fld>
             <a:endParaRPr lang="vi-VN"/>
           </a:p>
@@ -2560,6 +2581,7 @@
           <a:p>
             <a:fld id="{1C67174D-2A15-49A4-846B-06FD049B25A3}" type="slidenum">
               <a:rPr lang="vi-VN" smtClean="0"/>
+              <a:pPr/>
               <a:t>‹#›</a:t>
             </a:fld>
             <a:endParaRPr lang="vi-VN"/>
@@ -2569,7 +2591,7 @@
     </p:spTree>
     <p:extLst>
       <p:ext uri="{BB962C8B-B14F-4D97-AF65-F5344CB8AC3E}">
-        <p14:creationId xmlns:p14="http://schemas.microsoft.com/office/powerpoint/2010/main" val="2558489657"/>
+        <p14:creationId xmlns:p14="http://schemas.microsoft.com/office/powerpoint/2010/main" xmlns="" val="2558489657"/>
       </p:ext>
     </p:extLst>
   </p:cSld>
@@ -2736,7 +2758,8 @@
           <a:p>
             <a:fld id="{BD6AA7B1-114F-4841-8E40-5FBB5EDE436C}" type="datetimeFigureOut">
               <a:rPr lang="vi-VN" smtClean="0"/>
-              <a:t>29/08/2020</a:t>
+              <a:pPr/>
+              <a:t>30/08/2020</a:t>
             </a:fld>
             <a:endParaRPr lang="vi-VN"/>
           </a:p>
@@ -2814,6 +2837,7 @@
           <a:p>
             <a:fld id="{1C67174D-2A15-49A4-846B-06FD049B25A3}" type="slidenum">
               <a:rPr lang="vi-VN" smtClean="0"/>
+              <a:pPr/>
               <a:t>‹#›</a:t>
             </a:fld>
             <a:endParaRPr lang="vi-VN"/>
@@ -2823,7 +2847,7 @@
     </p:spTree>
     <p:extLst>
       <p:ext uri="{BB962C8B-B14F-4D97-AF65-F5344CB8AC3E}">
-        <p14:creationId xmlns:p14="http://schemas.microsoft.com/office/powerpoint/2010/main" val="3838981165"/>
+        <p14:creationId xmlns:p14="http://schemas.microsoft.com/office/powerpoint/2010/main" xmlns="" val="3838981165"/>
       </p:ext>
     </p:extLst>
   </p:cSld>
@@ -3130,12 +3154,18 @@
           <a:p>
             <a:r>
               <a:rPr lang="zh-CN" altLang="en-US" sz="4800" b="1" dirty="0" smtClean="0">
+                <a:solidFill>
+                  <a:srgbClr val="002060"/>
+                </a:solidFill>
                 <a:latin typeface="Microsoft JhengHei" panose="020B0604030504040204" pitchFamily="34" charset="-120"/>
                 <a:ea typeface="Microsoft JhengHei" panose="020B0604030504040204" pitchFamily="34" charset="-120"/>
               </a:rPr>
               <a:t>昨日今日直到永遠</a:t>
             </a:r>
             <a:endParaRPr lang="vi-VN" sz="4800" b="1" dirty="0">
+              <a:solidFill>
+                <a:srgbClr val="002060"/>
+              </a:solidFill>
               <a:ea typeface="Microsoft JhengHei" panose="020B0604030504040204" pitchFamily="34" charset="-120"/>
             </a:endParaRPr>
           </a:p>
@@ -3163,12 +3193,18 @@
             </a:pPr>
             <a:r>
               <a:rPr lang="zh-CN" altLang="en-US" sz="5400" b="1" dirty="0" smtClean="0">
+                <a:solidFill>
+                  <a:srgbClr val="002060"/>
+                </a:solidFill>
                 <a:latin typeface="Microsoft JhengHei" panose="020B0604030504040204" pitchFamily="34" charset="-120"/>
                 <a:ea typeface="Microsoft JhengHei" panose="020B0604030504040204" pitchFamily="34" charset="-120"/>
               </a:rPr>
               <a:t>奇哉榮哉美好消息  放懷自聽見</a:t>
             </a:r>
             <a:endParaRPr lang="en-US" altLang="zh-CN" sz="5400" b="1" dirty="0" smtClean="0">
+              <a:solidFill>
+                <a:srgbClr val="002060"/>
+              </a:solidFill>
               <a:latin typeface="Microsoft JhengHei" panose="020B0604030504040204" pitchFamily="34" charset="-120"/>
               <a:ea typeface="Microsoft JhengHei" panose="020B0604030504040204" pitchFamily="34" charset="-120"/>
             </a:endParaRPr>
@@ -3179,6 +3215,9 @@
             </a:pPr>
             <a:r>
               <a:rPr lang="zh-CN" altLang="en-US" sz="5400" b="1" dirty="0">
+                <a:solidFill>
+                  <a:srgbClr val="002060"/>
+                </a:solidFill>
                 <a:latin typeface="Microsoft JhengHei" panose="020B0604030504040204" pitchFamily="34" charset="-120"/>
                 <a:ea typeface="Microsoft JhengHei" panose="020B0604030504040204" pitchFamily="34" charset="-120"/>
               </a:rPr>
@@ -3186,12 +3225,18 @@
             </a:r>
             <a:r>
               <a:rPr lang="zh-CN" altLang="en-US" sz="5400" b="1" dirty="0" smtClean="0">
+                <a:solidFill>
+                  <a:srgbClr val="002060"/>
+                </a:solidFill>
                 <a:latin typeface="Microsoft JhengHei" panose="020B0604030504040204" pitchFamily="34" charset="-120"/>
                 <a:ea typeface="Microsoft JhengHei" panose="020B0604030504040204" pitchFamily="34" charset="-120"/>
               </a:rPr>
               <a:t>遠  耶穌不改變</a:t>
             </a:r>
             <a:endParaRPr lang="en-US" altLang="zh-CN" sz="5400" b="1" dirty="0" smtClean="0">
+              <a:solidFill>
+                <a:srgbClr val="002060"/>
+              </a:solidFill>
               <a:latin typeface="Microsoft JhengHei" panose="020B0604030504040204" pitchFamily="34" charset="-120"/>
               <a:ea typeface="Microsoft JhengHei" panose="020B0604030504040204" pitchFamily="34" charset="-120"/>
             </a:endParaRPr>
@@ -3202,6 +3247,9 @@
             </a:pPr>
             <a:r>
               <a:rPr lang="zh-CN" altLang="en-US" sz="5400" b="1" dirty="0">
+                <a:solidFill>
+                  <a:srgbClr val="002060"/>
+                </a:solidFill>
                 <a:latin typeface="Microsoft JhengHei" panose="020B0604030504040204" pitchFamily="34" charset="-120"/>
                 <a:ea typeface="Microsoft JhengHei" panose="020B0604030504040204" pitchFamily="34" charset="-120"/>
               </a:rPr>
@@ -3209,12 +3257,18 @@
             </a:r>
             <a:r>
               <a:rPr lang="zh-CN" altLang="en-US" sz="5400" b="1" dirty="0" smtClean="0">
+                <a:solidFill>
+                  <a:srgbClr val="002060"/>
+                </a:solidFill>
                 <a:latin typeface="Microsoft JhengHei" panose="020B0604030504040204" pitchFamily="34" charset="-120"/>
                 <a:ea typeface="Microsoft JhengHei" panose="020B0604030504040204" pitchFamily="34" charset="-120"/>
               </a:rPr>
               <a:t>然願意拯救罪人  並治諸疾病</a:t>
             </a:r>
             <a:endParaRPr lang="en-US" altLang="zh-CN" sz="5400" b="1" dirty="0" smtClean="0">
+              <a:solidFill>
+                <a:srgbClr val="002060"/>
+              </a:solidFill>
               <a:latin typeface="Microsoft JhengHei" panose="020B0604030504040204" pitchFamily="34" charset="-120"/>
               <a:ea typeface="Microsoft JhengHei" panose="020B0604030504040204" pitchFamily="34" charset="-120"/>
             </a:endParaRPr>
@@ -3225,6 +3279,9 @@
             </a:pPr>
             <a:r>
               <a:rPr lang="zh-CN" altLang="en-US" sz="5400" b="1" dirty="0">
+                <a:solidFill>
+                  <a:srgbClr val="002060"/>
+                </a:solidFill>
                 <a:latin typeface="Microsoft JhengHei" panose="020B0604030504040204" pitchFamily="34" charset="-120"/>
                 <a:ea typeface="Microsoft JhengHei" panose="020B0604030504040204" pitchFamily="34" charset="-120"/>
               </a:rPr>
@@ -3232,12 +3289,18 @@
             </a:r>
             <a:r>
               <a:rPr lang="zh-CN" altLang="en-US" sz="5400" b="1" dirty="0" smtClean="0">
+                <a:solidFill>
+                  <a:srgbClr val="002060"/>
+                </a:solidFill>
                 <a:latin typeface="Microsoft JhengHei" panose="020B0604030504040204" pitchFamily="34" charset="-120"/>
                 <a:ea typeface="Microsoft JhengHei" panose="020B0604030504040204" pitchFamily="34" charset="-120"/>
               </a:rPr>
               <a:t>慰傷者平靜風浪  榮耀歸主名</a:t>
             </a:r>
             <a:endParaRPr lang="vi-VN" sz="5400" b="1" dirty="0">
+              <a:solidFill>
+                <a:srgbClr val="002060"/>
+              </a:solidFill>
               <a:ea typeface="Microsoft JhengHei" panose="020B0604030504040204" pitchFamily="34" charset="-120"/>
             </a:endParaRPr>
           </a:p>
@@ -3266,17 +3329,25 @@
           <a:lstStyle/>
           <a:p>
             <a:r>
-              <a:rPr lang="en-US" sz="5400" b="1" dirty="0" smtClean="0"/>
+              <a:rPr lang="en-US" sz="5400" b="1" dirty="0" smtClean="0">
+                <a:solidFill>
+                  <a:srgbClr val="002060"/>
+                </a:solidFill>
+              </a:rPr>
               <a:t>1.</a:t>
             </a:r>
-            <a:endParaRPr lang="vi-VN" sz="5400" b="1" dirty="0"/>
+            <a:endParaRPr lang="vi-VN" sz="5400" b="1" dirty="0">
+              <a:solidFill>
+                <a:srgbClr val="002060"/>
+              </a:solidFill>
+            </a:endParaRPr>
           </a:p>
         </p:txBody>
       </p:sp>
     </p:spTree>
     <p:extLst>
       <p:ext uri="{BB962C8B-B14F-4D97-AF65-F5344CB8AC3E}">
-        <p14:creationId xmlns:p14="http://schemas.microsoft.com/office/powerpoint/2010/main" val="3615714497"/>
+        <p14:creationId xmlns:p14="http://schemas.microsoft.com/office/powerpoint/2010/main" xmlns="" val="3615714497"/>
       </p:ext>
     </p:extLst>
   </p:cSld>
@@ -3322,12 +3393,18 @@
           <a:p>
             <a:r>
               <a:rPr lang="zh-CN" altLang="en-US" sz="4800" b="1" dirty="0" smtClean="0">
+                <a:solidFill>
+                  <a:srgbClr val="002060"/>
+                </a:solidFill>
                 <a:latin typeface="Microsoft JhengHei" panose="020B0604030504040204" pitchFamily="34" charset="-120"/>
                 <a:ea typeface="Microsoft JhengHei" panose="020B0604030504040204" pitchFamily="34" charset="-120"/>
               </a:rPr>
               <a:t>昨日今日直到永遠</a:t>
             </a:r>
             <a:endParaRPr lang="vi-VN" sz="4800" b="1" dirty="0">
+              <a:solidFill>
+                <a:srgbClr val="002060"/>
+              </a:solidFill>
               <a:ea typeface="Microsoft JhengHei" panose="020B0604030504040204" pitchFamily="34" charset="-120"/>
             </a:endParaRPr>
           </a:p>
@@ -3360,6 +3437,9 @@
             </a:pPr>
             <a:r>
               <a:rPr lang="zh-CN" altLang="en-US" sz="5400" b="1" dirty="0">
+                <a:solidFill>
+                  <a:srgbClr val="002060"/>
+                </a:solidFill>
                 <a:latin typeface="Microsoft JhengHei" panose="020B0604030504040204" pitchFamily="34" charset="-120"/>
                 <a:ea typeface="Microsoft JhengHei" panose="020B0604030504040204" pitchFamily="34" charset="-120"/>
               </a:rPr>
@@ -3367,6 +3447,9 @@
             </a:r>
             <a:r>
               <a:rPr lang="zh-CN" altLang="en-US" sz="5400" b="1" dirty="0" smtClean="0">
+                <a:solidFill>
+                  <a:srgbClr val="002060"/>
+                </a:solidFill>
                 <a:latin typeface="Microsoft JhengHei" panose="020B0604030504040204" pitchFamily="34" charset="-120"/>
                 <a:ea typeface="Microsoft JhengHei" panose="020B0604030504040204" pitchFamily="34" charset="-120"/>
               </a:rPr>
@@ -3374,6 +3457,9 @@
             </a:r>
             <a:r>
               <a:rPr lang="zh-CN" altLang="en-US" sz="5400" b="1" dirty="0">
+                <a:solidFill>
+                  <a:srgbClr val="002060"/>
+                </a:solidFill>
                 <a:latin typeface="Microsoft JhengHei" panose="020B0604030504040204" pitchFamily="34" charset="-120"/>
                 <a:ea typeface="Microsoft JhengHei" panose="020B0604030504040204" pitchFamily="34" charset="-120"/>
               </a:rPr>
@@ -3381,12 +3467,18 @@
             </a:r>
             <a:r>
               <a:rPr lang="zh-CN" altLang="en-US" sz="5400" b="1" dirty="0" smtClean="0">
+                <a:solidFill>
+                  <a:srgbClr val="002060"/>
+                </a:solidFill>
                 <a:latin typeface="Microsoft JhengHei" panose="020B0604030504040204" pitchFamily="34" charset="-120"/>
                 <a:ea typeface="Microsoft JhengHei" panose="020B0604030504040204" pitchFamily="34" charset="-120"/>
               </a:rPr>
               <a:t>變</a:t>
             </a:r>
             <a:endParaRPr lang="en-US" altLang="zh-CN" sz="5400" b="1" dirty="0" smtClean="0">
+              <a:solidFill>
+                <a:srgbClr val="002060"/>
+              </a:solidFill>
               <a:latin typeface="Microsoft JhengHei" panose="020B0604030504040204" pitchFamily="34" charset="-120"/>
               <a:ea typeface="Microsoft JhengHei" panose="020B0604030504040204" pitchFamily="34" charset="-120"/>
             </a:endParaRPr>
@@ -3397,6 +3489,9 @@
             </a:pPr>
             <a:r>
               <a:rPr lang="zh-CN" altLang="en-US" sz="5400" b="1" dirty="0">
+                <a:solidFill>
+                  <a:srgbClr val="002060"/>
+                </a:solidFill>
                 <a:latin typeface="Microsoft JhengHei" panose="020B0604030504040204" pitchFamily="34" charset="-120"/>
                 <a:ea typeface="Microsoft JhengHei" panose="020B0604030504040204" pitchFamily="34" charset="-120"/>
               </a:rPr>
@@ -3404,6 +3499,9 @@
             </a:r>
             <a:r>
               <a:rPr lang="zh-CN" altLang="en-US" sz="5400" b="1" dirty="0" smtClean="0">
+                <a:solidFill>
+                  <a:srgbClr val="002060"/>
+                </a:solidFill>
                 <a:latin typeface="Microsoft JhengHei" panose="020B0604030504040204" pitchFamily="34" charset="-120"/>
                 <a:ea typeface="Microsoft JhengHei" panose="020B0604030504040204" pitchFamily="34" charset="-120"/>
               </a:rPr>
@@ -3411,6 +3509,9 @@
             </a:r>
             <a:r>
               <a:rPr lang="zh-CN" altLang="en-US" sz="5400" b="1" dirty="0">
+                <a:solidFill>
+                  <a:srgbClr val="002060"/>
+                </a:solidFill>
                 <a:latin typeface="Microsoft JhengHei" panose="020B0604030504040204" pitchFamily="34" charset="-120"/>
                 <a:ea typeface="Microsoft JhengHei" panose="020B0604030504040204" pitchFamily="34" charset="-120"/>
               </a:rPr>
@@ -3418,12 +3519,18 @@
             </a:r>
             <a:r>
               <a:rPr lang="zh-CN" altLang="en-US" sz="5400" b="1" dirty="0" smtClean="0">
+                <a:solidFill>
+                  <a:srgbClr val="002060"/>
+                </a:solidFill>
                 <a:latin typeface="Microsoft JhengHei" panose="020B0604030504040204" pitchFamily="34" charset="-120"/>
                 <a:ea typeface="Microsoft JhengHei" panose="020B0604030504040204" pitchFamily="34" charset="-120"/>
               </a:rPr>
               <a:t>變</a:t>
             </a:r>
             <a:endParaRPr lang="en-US" altLang="zh-CN" sz="5400" b="1" dirty="0" smtClean="0">
+              <a:solidFill>
+                <a:srgbClr val="002060"/>
+              </a:solidFill>
               <a:latin typeface="Microsoft JhengHei" panose="020B0604030504040204" pitchFamily="34" charset="-120"/>
               <a:ea typeface="Microsoft JhengHei" panose="020B0604030504040204" pitchFamily="34" charset="-120"/>
             </a:endParaRPr>
@@ -3434,6 +3541,9 @@
             </a:pPr>
             <a:r>
               <a:rPr lang="zh-CN" altLang="en-US" sz="5400" b="1" dirty="0">
+                <a:solidFill>
+                  <a:srgbClr val="002060"/>
+                </a:solidFill>
                 <a:latin typeface="Microsoft JhengHei" panose="020B0604030504040204" pitchFamily="34" charset="-120"/>
                 <a:ea typeface="Microsoft JhengHei" panose="020B0604030504040204" pitchFamily="34" charset="-120"/>
               </a:rPr>
@@ -3441,6 +3551,9 @@
             </a:r>
             <a:r>
               <a:rPr lang="zh-CN" altLang="en-US" sz="5400" b="1" dirty="0" smtClean="0">
+                <a:solidFill>
+                  <a:srgbClr val="002060"/>
+                </a:solidFill>
                 <a:latin typeface="Microsoft JhengHei" panose="020B0604030504040204" pitchFamily="34" charset="-120"/>
                 <a:ea typeface="Microsoft JhengHei" panose="020B0604030504040204" pitchFamily="34" charset="-120"/>
               </a:rPr>
@@ -3448,6 +3561,9 @@
             </a:r>
             <a:r>
               <a:rPr lang="zh-CN" altLang="en-US" sz="5400" b="1" dirty="0">
+                <a:solidFill>
+                  <a:srgbClr val="002060"/>
+                </a:solidFill>
                 <a:latin typeface="Microsoft JhengHei" panose="020B0604030504040204" pitchFamily="34" charset="-120"/>
                 <a:ea typeface="Microsoft JhengHei" panose="020B0604030504040204" pitchFamily="34" charset="-120"/>
               </a:rPr>
@@ -3455,12 +3571,18 @@
             </a:r>
             <a:r>
               <a:rPr lang="zh-CN" altLang="en-US" sz="5400" b="1" dirty="0" smtClean="0">
+                <a:solidFill>
+                  <a:srgbClr val="002060"/>
+                </a:solidFill>
                 <a:latin typeface="Microsoft JhengHei" panose="020B0604030504040204" pitchFamily="34" charset="-120"/>
                 <a:ea typeface="Microsoft JhengHei" panose="020B0604030504040204" pitchFamily="34" charset="-120"/>
               </a:rPr>
               <a:t>變</a:t>
             </a:r>
             <a:endParaRPr lang="en-US" altLang="zh-CN" sz="5400" b="1" dirty="0" smtClean="0">
+              <a:solidFill>
+                <a:srgbClr val="002060"/>
+              </a:solidFill>
               <a:latin typeface="Microsoft JhengHei" panose="020B0604030504040204" pitchFamily="34" charset="-120"/>
               <a:ea typeface="Microsoft JhengHei" panose="020B0604030504040204" pitchFamily="34" charset="-120"/>
             </a:endParaRPr>
@@ -3471,6 +3593,9 @@
             </a:pPr>
             <a:r>
               <a:rPr lang="zh-CN" altLang="en-US" sz="5400" b="1" dirty="0" smtClean="0">
+                <a:solidFill>
+                  <a:srgbClr val="002060"/>
+                </a:solidFill>
                 <a:latin typeface="Microsoft JhengHei" panose="020B0604030504040204" pitchFamily="34" charset="-120"/>
                 <a:ea typeface="Microsoft JhengHei" panose="020B0604030504040204" pitchFamily="34" charset="-120"/>
               </a:rPr>
@@ -3478,6 +3603,9 @@
             </a:r>
             <a:r>
               <a:rPr lang="en-US" altLang="zh-CN" sz="5400" b="1" dirty="0">
+                <a:solidFill>
+                  <a:srgbClr val="002060"/>
+                </a:solidFill>
                 <a:latin typeface="Microsoft JhengHei" panose="020B0604030504040204" pitchFamily="34" charset="-120"/>
                 <a:ea typeface="Microsoft JhengHei" panose="020B0604030504040204" pitchFamily="34" charset="-120"/>
               </a:rPr>
@@ -3485,6 +3613,9 @@
             </a:r>
             <a:r>
               <a:rPr lang="en-US" altLang="zh-CN" sz="5400" b="1" dirty="0" smtClean="0">
+                <a:solidFill>
+                  <a:srgbClr val="002060"/>
+                </a:solidFill>
                 <a:latin typeface="Microsoft JhengHei" panose="020B0604030504040204" pitchFamily="34" charset="-120"/>
                 <a:ea typeface="Microsoft JhengHei" panose="020B0604030504040204" pitchFamily="34" charset="-120"/>
               </a:rPr>
@@ -3492,6 +3623,9 @@
             </a:r>
             <a:r>
               <a:rPr lang="zh-CN" altLang="en-US" sz="5400" b="1" dirty="0" smtClean="0">
+                <a:solidFill>
+                  <a:srgbClr val="002060"/>
+                </a:solidFill>
                 <a:latin typeface="Microsoft JhengHei" panose="020B0604030504040204" pitchFamily="34" charset="-120"/>
                 <a:ea typeface="Microsoft JhengHei" panose="020B0604030504040204" pitchFamily="34" charset="-120"/>
               </a:rPr>
@@ -3499,12 +3633,18 @@
             </a:r>
             <a:r>
               <a:rPr lang="zh-CN" altLang="en-US" sz="5400" b="1" dirty="0">
+                <a:solidFill>
+                  <a:srgbClr val="002060"/>
+                </a:solidFill>
                 <a:latin typeface="Microsoft JhengHei" panose="020B0604030504040204" pitchFamily="34" charset="-120"/>
                 <a:ea typeface="Microsoft JhengHei" panose="020B0604030504040204" pitchFamily="34" charset="-120"/>
               </a:rPr>
               <a:t>穌不改變</a:t>
             </a:r>
             <a:endParaRPr lang="vi-VN" sz="5400" b="1" dirty="0">
+              <a:solidFill>
+                <a:srgbClr val="002060"/>
+              </a:solidFill>
               <a:ea typeface="Microsoft JhengHei" panose="020B0604030504040204" pitchFamily="34" charset="-120"/>
             </a:endParaRPr>
           </a:p>
@@ -3513,7 +3653,7 @@
     </p:spTree>
     <p:extLst>
       <p:ext uri="{BB962C8B-B14F-4D97-AF65-F5344CB8AC3E}">
-        <p14:creationId xmlns:p14="http://schemas.microsoft.com/office/powerpoint/2010/main" val="917798722"/>
+        <p14:creationId xmlns:p14="http://schemas.microsoft.com/office/powerpoint/2010/main" xmlns="" val="917798722"/>
       </p:ext>
     </p:extLst>
   </p:cSld>
@@ -3559,12 +3699,18 @@
           <a:p>
             <a:r>
               <a:rPr lang="zh-CN" altLang="en-US" sz="4800" b="1" dirty="0" smtClean="0">
+                <a:solidFill>
+                  <a:srgbClr val="002060"/>
+                </a:solidFill>
                 <a:latin typeface="Microsoft JhengHei" panose="020B0604030504040204" pitchFamily="34" charset="-120"/>
                 <a:ea typeface="Microsoft JhengHei" panose="020B0604030504040204" pitchFamily="34" charset="-120"/>
               </a:rPr>
               <a:t>昨日今日直到永遠</a:t>
             </a:r>
             <a:endParaRPr lang="vi-VN" sz="4800" b="1" dirty="0">
+              <a:solidFill>
+                <a:srgbClr val="002060"/>
+              </a:solidFill>
               <a:ea typeface="Microsoft JhengHei" panose="020B0604030504040204" pitchFamily="34" charset="-120"/>
             </a:endParaRPr>
           </a:p>
@@ -3592,11 +3738,17 @@
             </a:pPr>
             <a:r>
               <a:rPr lang="zh-CN" altLang="en-US" sz="5400" b="1" dirty="0" smtClean="0">
+                <a:solidFill>
+                  <a:srgbClr val="002060"/>
+                </a:solidFill>
                 <a:ea typeface="Microsoft JhengHei" panose="020B0604030504040204" pitchFamily="34" charset="-120"/>
               </a:rPr>
               <a:t>救主耶穌罪人良友  尋找喪失者</a:t>
             </a:r>
             <a:endParaRPr lang="en-US" altLang="zh-CN" sz="5400" b="1" dirty="0" smtClean="0">
+              <a:solidFill>
+                <a:srgbClr val="002060"/>
+              </a:solidFill>
               <a:ea typeface="Microsoft JhengHei" panose="020B0604030504040204" pitchFamily="34" charset="-120"/>
             </a:endParaRPr>
           </a:p>
@@ -3606,17 +3758,26 @@
             </a:pPr>
             <a:r>
               <a:rPr lang="zh-CN" altLang="en-US" sz="5400" b="1" dirty="0">
+                <a:solidFill>
+                  <a:srgbClr val="002060"/>
+                </a:solidFill>
                 <a:ea typeface="Microsoft JhengHei" panose="020B0604030504040204" pitchFamily="34" charset="-120"/>
               </a:rPr>
               <a:t>罪</a:t>
             </a:r>
             <a:r>
               <a:rPr lang="zh-CN" altLang="en-US" sz="5400" b="1" dirty="0" smtClean="0">
+                <a:solidFill>
+                  <a:srgbClr val="002060"/>
+                </a:solidFill>
                 <a:ea typeface="Microsoft JhengHei" panose="020B0604030504040204" pitchFamily="34" charset="-120"/>
               </a:rPr>
               <a:t>人請來俯伏主前  認罪必得赦</a:t>
             </a:r>
             <a:endParaRPr lang="en-US" altLang="zh-CN" sz="5400" b="1" dirty="0" smtClean="0">
+              <a:solidFill>
+                <a:srgbClr val="002060"/>
+              </a:solidFill>
               <a:ea typeface="Microsoft JhengHei" panose="020B0604030504040204" pitchFamily="34" charset="-120"/>
             </a:endParaRPr>
           </a:p>
@@ -3626,11 +3787,17 @@
             </a:pPr>
             <a:r>
               <a:rPr lang="zh-CN" altLang="en-US" sz="5400" b="1" dirty="0" smtClean="0">
+                <a:solidFill>
+                  <a:srgbClr val="002060"/>
+                </a:solidFill>
                 <a:ea typeface="Microsoft JhengHei" panose="020B0604030504040204" pitchFamily="34" charset="-120"/>
               </a:rPr>
               <a:t>以往主權顯在今天  主言有安慰</a:t>
             </a:r>
             <a:endParaRPr lang="en-US" altLang="zh-CN" sz="5400" b="1" dirty="0" smtClean="0">
+              <a:solidFill>
+                <a:srgbClr val="002060"/>
+              </a:solidFill>
               <a:ea typeface="Microsoft JhengHei" panose="020B0604030504040204" pitchFamily="34" charset="-120"/>
             </a:endParaRPr>
           </a:p>
@@ -3640,17 +3807,26 @@
             </a:pPr>
             <a:r>
               <a:rPr lang="zh-CN" altLang="en-US" sz="5400" b="1" dirty="0">
+                <a:solidFill>
+                  <a:srgbClr val="002060"/>
+                </a:solidFill>
                 <a:ea typeface="Microsoft JhengHei" panose="020B0604030504040204" pitchFamily="34" charset="-120"/>
               </a:rPr>
               <a:t>我</a:t>
             </a:r>
             <a:r>
               <a:rPr lang="zh-CN" altLang="en-US" sz="5400" b="1" dirty="0" smtClean="0">
+                <a:solidFill>
+                  <a:srgbClr val="002060"/>
+                </a:solidFill>
                 <a:ea typeface="Microsoft JhengHei" panose="020B0604030504040204" pitchFamily="34" charset="-120"/>
               </a:rPr>
               <a:t>也不定你的過犯  不要再犯罪</a:t>
             </a:r>
             <a:endParaRPr lang="vi-VN" sz="5400" b="1" dirty="0">
+              <a:solidFill>
+                <a:srgbClr val="002060"/>
+              </a:solidFill>
               <a:ea typeface="Microsoft JhengHei" panose="020B0604030504040204" pitchFamily="34" charset="-120"/>
             </a:endParaRPr>
           </a:p>
@@ -3679,21 +3855,33 @@
           <a:lstStyle/>
           <a:p>
             <a:r>
-              <a:rPr lang="en-US" sz="5400" b="1" dirty="0"/>
+              <a:rPr lang="en-US" sz="5400" b="1" dirty="0">
+                <a:solidFill>
+                  <a:srgbClr val="002060"/>
+                </a:solidFill>
+              </a:rPr>
               <a:t>2</a:t>
             </a:r>
             <a:r>
-              <a:rPr lang="en-US" sz="5400" b="1" dirty="0" smtClean="0"/>
+              <a:rPr lang="en-US" sz="5400" b="1" dirty="0" smtClean="0">
+                <a:solidFill>
+                  <a:srgbClr val="002060"/>
+                </a:solidFill>
+              </a:rPr>
               <a:t>.</a:t>
             </a:r>
-            <a:endParaRPr lang="vi-VN" sz="5400" b="1" dirty="0"/>
+            <a:endParaRPr lang="vi-VN" sz="5400" b="1" dirty="0">
+              <a:solidFill>
+                <a:srgbClr val="002060"/>
+              </a:solidFill>
+            </a:endParaRPr>
           </a:p>
         </p:txBody>
       </p:sp>
     </p:spTree>
     <p:extLst>
       <p:ext uri="{BB962C8B-B14F-4D97-AF65-F5344CB8AC3E}">
-        <p14:creationId xmlns:p14="http://schemas.microsoft.com/office/powerpoint/2010/main" val="1693711168"/>
+        <p14:creationId xmlns:p14="http://schemas.microsoft.com/office/powerpoint/2010/main" xmlns="" val="1693711168"/>
       </p:ext>
     </p:extLst>
   </p:cSld>
@@ -3739,12 +3927,18 @@
           <a:p>
             <a:r>
               <a:rPr lang="zh-CN" altLang="en-US" sz="4800" b="1" dirty="0" smtClean="0">
+                <a:solidFill>
+                  <a:srgbClr val="002060"/>
+                </a:solidFill>
                 <a:latin typeface="Microsoft JhengHei" panose="020B0604030504040204" pitchFamily="34" charset="-120"/>
                 <a:ea typeface="Microsoft JhengHei" panose="020B0604030504040204" pitchFamily="34" charset="-120"/>
               </a:rPr>
               <a:t>昨日今日直到永遠</a:t>
             </a:r>
             <a:endParaRPr lang="vi-VN" sz="4800" b="1" dirty="0">
+              <a:solidFill>
+                <a:srgbClr val="002060"/>
+              </a:solidFill>
               <a:ea typeface="Microsoft JhengHei" panose="020B0604030504040204" pitchFamily="34" charset="-120"/>
             </a:endParaRPr>
           </a:p>
@@ -3777,6 +3971,9 @@
             </a:pPr>
             <a:r>
               <a:rPr lang="zh-CN" altLang="en-US" sz="5400" b="1" dirty="0">
+                <a:solidFill>
+                  <a:srgbClr val="002060"/>
+                </a:solidFill>
                 <a:latin typeface="Microsoft JhengHei" panose="020B0604030504040204" pitchFamily="34" charset="-120"/>
                 <a:ea typeface="Microsoft JhengHei" panose="020B0604030504040204" pitchFamily="34" charset="-120"/>
               </a:rPr>
@@ -3784,6 +3981,9 @@
             </a:r>
             <a:r>
               <a:rPr lang="zh-CN" altLang="en-US" sz="5400" b="1" dirty="0" smtClean="0">
+                <a:solidFill>
+                  <a:srgbClr val="002060"/>
+                </a:solidFill>
                 <a:latin typeface="Microsoft JhengHei" panose="020B0604030504040204" pitchFamily="34" charset="-120"/>
                 <a:ea typeface="Microsoft JhengHei" panose="020B0604030504040204" pitchFamily="34" charset="-120"/>
               </a:rPr>
@@ -3791,6 +3991,9 @@
             </a:r>
             <a:r>
               <a:rPr lang="zh-CN" altLang="en-US" sz="5400" b="1" dirty="0">
+                <a:solidFill>
+                  <a:srgbClr val="002060"/>
+                </a:solidFill>
                 <a:latin typeface="Microsoft JhengHei" panose="020B0604030504040204" pitchFamily="34" charset="-120"/>
                 <a:ea typeface="Microsoft JhengHei" panose="020B0604030504040204" pitchFamily="34" charset="-120"/>
               </a:rPr>
@@ -3798,12 +4001,18 @@
             </a:r>
             <a:r>
               <a:rPr lang="zh-CN" altLang="en-US" sz="5400" b="1" dirty="0" smtClean="0">
+                <a:solidFill>
+                  <a:srgbClr val="002060"/>
+                </a:solidFill>
                 <a:latin typeface="Microsoft JhengHei" panose="020B0604030504040204" pitchFamily="34" charset="-120"/>
                 <a:ea typeface="Microsoft JhengHei" panose="020B0604030504040204" pitchFamily="34" charset="-120"/>
               </a:rPr>
               <a:t>變</a:t>
             </a:r>
             <a:endParaRPr lang="en-US" altLang="zh-CN" sz="5400" b="1" dirty="0" smtClean="0">
+              <a:solidFill>
+                <a:srgbClr val="002060"/>
+              </a:solidFill>
               <a:latin typeface="Microsoft JhengHei" panose="020B0604030504040204" pitchFamily="34" charset="-120"/>
               <a:ea typeface="Microsoft JhengHei" panose="020B0604030504040204" pitchFamily="34" charset="-120"/>
             </a:endParaRPr>
@@ -3814,6 +4023,9 @@
             </a:pPr>
             <a:r>
               <a:rPr lang="zh-CN" altLang="en-US" sz="5400" b="1" dirty="0">
+                <a:solidFill>
+                  <a:srgbClr val="002060"/>
+                </a:solidFill>
                 <a:latin typeface="Microsoft JhengHei" panose="020B0604030504040204" pitchFamily="34" charset="-120"/>
                 <a:ea typeface="Microsoft JhengHei" panose="020B0604030504040204" pitchFamily="34" charset="-120"/>
               </a:rPr>
@@ -3821,6 +4033,9 @@
             </a:r>
             <a:r>
               <a:rPr lang="zh-CN" altLang="en-US" sz="5400" b="1" dirty="0" smtClean="0">
+                <a:solidFill>
+                  <a:srgbClr val="002060"/>
+                </a:solidFill>
                 <a:latin typeface="Microsoft JhengHei" panose="020B0604030504040204" pitchFamily="34" charset="-120"/>
                 <a:ea typeface="Microsoft JhengHei" panose="020B0604030504040204" pitchFamily="34" charset="-120"/>
               </a:rPr>
@@ -3828,6 +4043,9 @@
             </a:r>
             <a:r>
               <a:rPr lang="zh-CN" altLang="en-US" sz="5400" b="1" dirty="0">
+                <a:solidFill>
+                  <a:srgbClr val="002060"/>
+                </a:solidFill>
                 <a:latin typeface="Microsoft JhengHei" panose="020B0604030504040204" pitchFamily="34" charset="-120"/>
                 <a:ea typeface="Microsoft JhengHei" panose="020B0604030504040204" pitchFamily="34" charset="-120"/>
               </a:rPr>
@@ -3835,12 +4053,18 @@
             </a:r>
             <a:r>
               <a:rPr lang="zh-CN" altLang="en-US" sz="5400" b="1" dirty="0" smtClean="0">
+                <a:solidFill>
+                  <a:srgbClr val="002060"/>
+                </a:solidFill>
                 <a:latin typeface="Microsoft JhengHei" panose="020B0604030504040204" pitchFamily="34" charset="-120"/>
                 <a:ea typeface="Microsoft JhengHei" panose="020B0604030504040204" pitchFamily="34" charset="-120"/>
               </a:rPr>
               <a:t>變</a:t>
             </a:r>
             <a:endParaRPr lang="en-US" altLang="zh-CN" sz="5400" b="1" dirty="0" smtClean="0">
+              <a:solidFill>
+                <a:srgbClr val="002060"/>
+              </a:solidFill>
               <a:latin typeface="Microsoft JhengHei" panose="020B0604030504040204" pitchFamily="34" charset="-120"/>
               <a:ea typeface="Microsoft JhengHei" panose="020B0604030504040204" pitchFamily="34" charset="-120"/>
             </a:endParaRPr>
@@ -3851,6 +4075,9 @@
             </a:pPr>
             <a:r>
               <a:rPr lang="zh-CN" altLang="en-US" sz="5400" b="1" dirty="0">
+                <a:solidFill>
+                  <a:srgbClr val="002060"/>
+                </a:solidFill>
                 <a:latin typeface="Microsoft JhengHei" panose="020B0604030504040204" pitchFamily="34" charset="-120"/>
                 <a:ea typeface="Microsoft JhengHei" panose="020B0604030504040204" pitchFamily="34" charset="-120"/>
               </a:rPr>
@@ -3858,6 +4085,9 @@
             </a:r>
             <a:r>
               <a:rPr lang="zh-CN" altLang="en-US" sz="5400" b="1" dirty="0" smtClean="0">
+                <a:solidFill>
+                  <a:srgbClr val="002060"/>
+                </a:solidFill>
                 <a:latin typeface="Microsoft JhengHei" panose="020B0604030504040204" pitchFamily="34" charset="-120"/>
                 <a:ea typeface="Microsoft JhengHei" panose="020B0604030504040204" pitchFamily="34" charset="-120"/>
               </a:rPr>
@@ -3865,6 +4095,9 @@
             </a:r>
             <a:r>
               <a:rPr lang="zh-CN" altLang="en-US" sz="5400" b="1" dirty="0">
+                <a:solidFill>
+                  <a:srgbClr val="002060"/>
+                </a:solidFill>
                 <a:latin typeface="Microsoft JhengHei" panose="020B0604030504040204" pitchFamily="34" charset="-120"/>
                 <a:ea typeface="Microsoft JhengHei" panose="020B0604030504040204" pitchFamily="34" charset="-120"/>
               </a:rPr>
@@ -3872,12 +4105,18 @@
             </a:r>
             <a:r>
               <a:rPr lang="zh-CN" altLang="en-US" sz="5400" b="1" dirty="0" smtClean="0">
+                <a:solidFill>
+                  <a:srgbClr val="002060"/>
+                </a:solidFill>
                 <a:latin typeface="Microsoft JhengHei" panose="020B0604030504040204" pitchFamily="34" charset="-120"/>
                 <a:ea typeface="Microsoft JhengHei" panose="020B0604030504040204" pitchFamily="34" charset="-120"/>
               </a:rPr>
               <a:t>變</a:t>
             </a:r>
             <a:endParaRPr lang="en-US" altLang="zh-CN" sz="5400" b="1" dirty="0" smtClean="0">
+              <a:solidFill>
+                <a:srgbClr val="002060"/>
+              </a:solidFill>
               <a:latin typeface="Microsoft JhengHei" panose="020B0604030504040204" pitchFamily="34" charset="-120"/>
               <a:ea typeface="Microsoft JhengHei" panose="020B0604030504040204" pitchFamily="34" charset="-120"/>
             </a:endParaRPr>
@@ -3888,6 +4127,9 @@
             </a:pPr>
             <a:r>
               <a:rPr lang="zh-CN" altLang="en-US" sz="5400" b="1" dirty="0" smtClean="0">
+                <a:solidFill>
+                  <a:srgbClr val="002060"/>
+                </a:solidFill>
                 <a:latin typeface="Microsoft JhengHei" panose="020B0604030504040204" pitchFamily="34" charset="-120"/>
                 <a:ea typeface="Microsoft JhengHei" panose="020B0604030504040204" pitchFamily="34" charset="-120"/>
               </a:rPr>
@@ -3895,6 +4137,9 @@
             </a:r>
             <a:r>
               <a:rPr lang="en-US" altLang="zh-CN" sz="5400" b="1" dirty="0">
+                <a:solidFill>
+                  <a:srgbClr val="002060"/>
+                </a:solidFill>
                 <a:latin typeface="Microsoft JhengHei" panose="020B0604030504040204" pitchFamily="34" charset="-120"/>
                 <a:ea typeface="Microsoft JhengHei" panose="020B0604030504040204" pitchFamily="34" charset="-120"/>
               </a:rPr>
@@ -3902,6 +4147,9 @@
             </a:r>
             <a:r>
               <a:rPr lang="en-US" altLang="zh-CN" sz="5400" b="1" dirty="0" smtClean="0">
+                <a:solidFill>
+                  <a:srgbClr val="002060"/>
+                </a:solidFill>
                 <a:latin typeface="Microsoft JhengHei" panose="020B0604030504040204" pitchFamily="34" charset="-120"/>
                 <a:ea typeface="Microsoft JhengHei" panose="020B0604030504040204" pitchFamily="34" charset="-120"/>
               </a:rPr>
@@ -3909,6 +4157,9 @@
             </a:r>
             <a:r>
               <a:rPr lang="zh-CN" altLang="en-US" sz="5400" b="1" dirty="0" smtClean="0">
+                <a:solidFill>
+                  <a:srgbClr val="002060"/>
+                </a:solidFill>
                 <a:latin typeface="Microsoft JhengHei" panose="020B0604030504040204" pitchFamily="34" charset="-120"/>
                 <a:ea typeface="Microsoft JhengHei" panose="020B0604030504040204" pitchFamily="34" charset="-120"/>
               </a:rPr>
@@ -3916,12 +4167,18 @@
             </a:r>
             <a:r>
               <a:rPr lang="zh-CN" altLang="en-US" sz="5400" b="1" dirty="0">
+                <a:solidFill>
+                  <a:srgbClr val="002060"/>
+                </a:solidFill>
                 <a:latin typeface="Microsoft JhengHei" panose="020B0604030504040204" pitchFamily="34" charset="-120"/>
                 <a:ea typeface="Microsoft JhengHei" panose="020B0604030504040204" pitchFamily="34" charset="-120"/>
               </a:rPr>
               <a:t>穌不改變</a:t>
             </a:r>
             <a:endParaRPr lang="vi-VN" sz="5400" b="1" dirty="0">
+              <a:solidFill>
+                <a:srgbClr val="002060"/>
+              </a:solidFill>
               <a:ea typeface="Microsoft JhengHei" panose="020B0604030504040204" pitchFamily="34" charset="-120"/>
             </a:endParaRPr>
           </a:p>
@@ -3930,7 +4187,7 @@
     </p:spTree>
     <p:extLst>
       <p:ext uri="{BB962C8B-B14F-4D97-AF65-F5344CB8AC3E}">
-        <p14:creationId xmlns:p14="http://schemas.microsoft.com/office/powerpoint/2010/main" val="1244575561"/>
+        <p14:creationId xmlns:p14="http://schemas.microsoft.com/office/powerpoint/2010/main" xmlns="" val="1244575561"/>
       </p:ext>
     </p:extLst>
   </p:cSld>
@@ -3976,12 +4233,18 @@
           <a:p>
             <a:r>
               <a:rPr lang="zh-CN" altLang="en-US" sz="4800" b="1" dirty="0" smtClean="0">
+                <a:solidFill>
+                  <a:srgbClr val="002060"/>
+                </a:solidFill>
                 <a:latin typeface="Microsoft JhengHei" panose="020B0604030504040204" pitchFamily="34" charset="-120"/>
                 <a:ea typeface="Microsoft JhengHei" panose="020B0604030504040204" pitchFamily="34" charset="-120"/>
               </a:rPr>
               <a:t>昨日今日直到永遠</a:t>
             </a:r>
             <a:endParaRPr lang="vi-VN" sz="4800" b="1" dirty="0">
+              <a:solidFill>
+                <a:srgbClr val="002060"/>
+              </a:solidFill>
               <a:ea typeface="Microsoft JhengHei" panose="020B0604030504040204" pitchFamily="34" charset="-120"/>
             </a:endParaRPr>
           </a:p>
@@ -4009,11 +4272,17 @@
             </a:pPr>
             <a:r>
               <a:rPr lang="zh-CN" altLang="en-US" sz="5400" b="1" dirty="0" smtClean="0">
+                <a:solidFill>
+                  <a:srgbClr val="002060"/>
+                </a:solidFill>
                 <a:ea typeface="Microsoft JhengHei" panose="020B0604030504040204" pitchFamily="34" charset="-120"/>
               </a:rPr>
               <a:t>主會伸手顯出大能  醫治痛苦人</a:t>
             </a:r>
             <a:endParaRPr lang="en-US" altLang="zh-CN" sz="5400" b="1" dirty="0" smtClean="0">
+              <a:solidFill>
+                <a:srgbClr val="002060"/>
+              </a:solidFill>
               <a:ea typeface="Microsoft JhengHei" panose="020B0604030504040204" pitchFamily="34" charset="-120"/>
             </a:endParaRPr>
           </a:p>
@@ -4023,11 +4292,17 @@
             </a:pPr>
             <a:r>
               <a:rPr lang="zh-CN" altLang="en-US" sz="5400" b="1" dirty="0" smtClean="0">
+                <a:solidFill>
+                  <a:srgbClr val="002060"/>
+                </a:solidFill>
                 <a:ea typeface="Microsoft JhengHei" panose="020B0604030504040204" pitchFamily="34" charset="-120"/>
               </a:rPr>
               <a:t>今我諸般疾病憂傷  皆聽主命令</a:t>
             </a:r>
             <a:endParaRPr lang="en-US" altLang="zh-CN" sz="5400" b="1" dirty="0" smtClean="0">
+              <a:solidFill>
+                <a:srgbClr val="002060"/>
+              </a:solidFill>
               <a:ea typeface="Microsoft JhengHei" panose="020B0604030504040204" pitchFamily="34" charset="-120"/>
             </a:endParaRPr>
           </a:p>
@@ -4037,29 +4312,44 @@
             </a:pPr>
             <a:r>
               <a:rPr lang="zh-CN" altLang="en-US" sz="5400" b="1" dirty="0">
+                <a:solidFill>
+                  <a:srgbClr val="002060"/>
+                </a:solidFill>
                 <a:ea typeface="Microsoft JhengHei" panose="020B0604030504040204" pitchFamily="34" charset="-120"/>
               </a:rPr>
               <a:t>當</a:t>
             </a:r>
             <a:r>
               <a:rPr lang="zh-CN" altLang="en-US" sz="5400" b="1" dirty="0" smtClean="0">
+                <a:solidFill>
+                  <a:srgbClr val="002060"/>
+                </a:solidFill>
                 <a:ea typeface="Microsoft JhengHei" panose="020B0604030504040204" pitchFamily="34" charset="-120"/>
               </a:rPr>
               <a:t>日婦人一摸</a:t>
             </a:r>
             <a:r>
               <a:rPr lang="zh-CN" altLang="en-US" sz="5400" b="1" dirty="0">
+                <a:solidFill>
+                  <a:srgbClr val="002060"/>
+                </a:solidFill>
                 <a:ea typeface="Microsoft JhengHei" panose="020B0604030504040204" pitchFamily="34" charset="-120"/>
               </a:rPr>
               <a:t>主衣  即時</a:t>
             </a:r>
             <a:r>
               <a:rPr lang="zh-CN" altLang="en-US" sz="5400" b="1" dirty="0" smtClean="0">
+                <a:solidFill>
+                  <a:srgbClr val="002060"/>
+                </a:solidFill>
                 <a:ea typeface="Microsoft JhengHei" panose="020B0604030504040204" pitchFamily="34" charset="-120"/>
               </a:rPr>
               <a:t>得醫痊</a:t>
             </a:r>
             <a:endParaRPr lang="en-US" altLang="zh-CN" sz="5400" b="1" dirty="0" smtClean="0">
+              <a:solidFill>
+                <a:srgbClr val="002060"/>
+              </a:solidFill>
               <a:ea typeface="Microsoft JhengHei" panose="020B0604030504040204" pitchFamily="34" charset="-120"/>
             </a:endParaRPr>
           </a:p>
@@ -4069,23 +4359,35 @@
             </a:pPr>
             <a:r>
               <a:rPr lang="zh-CN" altLang="en-US" sz="5400" b="1" dirty="0">
+                <a:solidFill>
+                  <a:srgbClr val="002060"/>
+                </a:solidFill>
                 <a:ea typeface="Microsoft JhengHei" panose="020B0604030504040204" pitchFamily="34" charset="-120"/>
               </a:rPr>
               <a:t>今</a:t>
             </a:r>
             <a:r>
               <a:rPr lang="zh-CN" altLang="en-US" sz="5400" b="1" dirty="0" smtClean="0">
+                <a:solidFill>
+                  <a:srgbClr val="002060"/>
+                </a:solidFill>
                 <a:ea typeface="Microsoft JhengHei" panose="020B0604030504040204" pitchFamily="34" charset="-120"/>
               </a:rPr>
               <a:t>日因信接主恩典  主仍醫</a:t>
             </a:r>
             <a:r>
               <a:rPr lang="zh-CN" altLang="en-US" sz="5400" b="1" dirty="0">
+                <a:solidFill>
+                  <a:srgbClr val="002060"/>
+                </a:solidFill>
                 <a:ea typeface="Microsoft JhengHei" panose="020B0604030504040204" pitchFamily="34" charset="-120"/>
               </a:rPr>
               <a:t>完全</a:t>
             </a:r>
             <a:endParaRPr lang="vi-VN" sz="5400" b="1" dirty="0">
+              <a:solidFill>
+                <a:srgbClr val="002060"/>
+              </a:solidFill>
               <a:ea typeface="Microsoft JhengHei" panose="020B0604030504040204" pitchFamily="34" charset="-120"/>
             </a:endParaRPr>
           </a:p>
@@ -4114,17 +4416,25 @@
           <a:lstStyle/>
           <a:p>
             <a:r>
-              <a:rPr lang="en-US" sz="5400" b="1" dirty="0" smtClean="0"/>
+              <a:rPr lang="en-US" sz="5400" b="1" dirty="0" smtClean="0">
+                <a:solidFill>
+                  <a:srgbClr val="002060"/>
+                </a:solidFill>
+              </a:rPr>
               <a:t>3.</a:t>
             </a:r>
-            <a:endParaRPr lang="vi-VN" sz="5400" b="1" dirty="0"/>
+            <a:endParaRPr lang="vi-VN" sz="5400" b="1" dirty="0">
+              <a:solidFill>
+                <a:srgbClr val="002060"/>
+              </a:solidFill>
+            </a:endParaRPr>
           </a:p>
         </p:txBody>
       </p:sp>
     </p:spTree>
     <p:extLst>
       <p:ext uri="{BB962C8B-B14F-4D97-AF65-F5344CB8AC3E}">
-        <p14:creationId xmlns:p14="http://schemas.microsoft.com/office/powerpoint/2010/main" val="1736509074"/>
+        <p14:creationId xmlns:p14="http://schemas.microsoft.com/office/powerpoint/2010/main" xmlns="" val="1736509074"/>
       </p:ext>
     </p:extLst>
   </p:cSld>
@@ -4170,12 +4480,18 @@
           <a:p>
             <a:r>
               <a:rPr lang="zh-CN" altLang="en-US" sz="4800" b="1" dirty="0" smtClean="0">
+                <a:solidFill>
+                  <a:srgbClr val="002060"/>
+                </a:solidFill>
                 <a:latin typeface="Microsoft JhengHei" panose="020B0604030504040204" pitchFamily="34" charset="-120"/>
                 <a:ea typeface="Microsoft JhengHei" panose="020B0604030504040204" pitchFamily="34" charset="-120"/>
               </a:rPr>
               <a:t>昨日今日直到永遠</a:t>
             </a:r>
             <a:endParaRPr lang="vi-VN" sz="4800" b="1" dirty="0">
+              <a:solidFill>
+                <a:srgbClr val="002060"/>
+              </a:solidFill>
               <a:ea typeface="Microsoft JhengHei" panose="020B0604030504040204" pitchFamily="34" charset="-120"/>
             </a:endParaRPr>
           </a:p>
@@ -4208,6 +4524,9 @@
             </a:pPr>
             <a:r>
               <a:rPr lang="zh-CN" altLang="en-US" sz="5400" b="1" dirty="0">
+                <a:solidFill>
+                  <a:srgbClr val="002060"/>
+                </a:solidFill>
                 <a:latin typeface="Microsoft JhengHei" panose="020B0604030504040204" pitchFamily="34" charset="-120"/>
                 <a:ea typeface="Microsoft JhengHei" panose="020B0604030504040204" pitchFamily="34" charset="-120"/>
               </a:rPr>
@@ -4215,6 +4534,9 @@
             </a:r>
             <a:r>
               <a:rPr lang="zh-CN" altLang="en-US" sz="5400" b="1" dirty="0" smtClean="0">
+                <a:solidFill>
+                  <a:srgbClr val="002060"/>
+                </a:solidFill>
                 <a:latin typeface="Microsoft JhengHei" panose="020B0604030504040204" pitchFamily="34" charset="-120"/>
                 <a:ea typeface="Microsoft JhengHei" panose="020B0604030504040204" pitchFamily="34" charset="-120"/>
               </a:rPr>
@@ -4222,6 +4544,9 @@
             </a:r>
             <a:r>
               <a:rPr lang="zh-CN" altLang="en-US" sz="5400" b="1" dirty="0">
+                <a:solidFill>
+                  <a:srgbClr val="002060"/>
+                </a:solidFill>
                 <a:latin typeface="Microsoft JhengHei" panose="020B0604030504040204" pitchFamily="34" charset="-120"/>
                 <a:ea typeface="Microsoft JhengHei" panose="020B0604030504040204" pitchFamily="34" charset="-120"/>
               </a:rPr>
@@ -4229,12 +4554,18 @@
             </a:r>
             <a:r>
               <a:rPr lang="zh-CN" altLang="en-US" sz="5400" b="1" dirty="0" smtClean="0">
+                <a:solidFill>
+                  <a:srgbClr val="002060"/>
+                </a:solidFill>
                 <a:latin typeface="Microsoft JhengHei" panose="020B0604030504040204" pitchFamily="34" charset="-120"/>
                 <a:ea typeface="Microsoft JhengHei" panose="020B0604030504040204" pitchFamily="34" charset="-120"/>
               </a:rPr>
               <a:t>變</a:t>
             </a:r>
             <a:endParaRPr lang="en-US" altLang="zh-CN" sz="5400" b="1" dirty="0" smtClean="0">
+              <a:solidFill>
+                <a:srgbClr val="002060"/>
+              </a:solidFill>
               <a:latin typeface="Microsoft JhengHei" panose="020B0604030504040204" pitchFamily="34" charset="-120"/>
               <a:ea typeface="Microsoft JhengHei" panose="020B0604030504040204" pitchFamily="34" charset="-120"/>
             </a:endParaRPr>
@@ -4245,6 +4576,9 @@
             </a:pPr>
             <a:r>
               <a:rPr lang="zh-CN" altLang="en-US" sz="5400" b="1" dirty="0">
+                <a:solidFill>
+                  <a:srgbClr val="002060"/>
+                </a:solidFill>
                 <a:latin typeface="Microsoft JhengHei" panose="020B0604030504040204" pitchFamily="34" charset="-120"/>
                 <a:ea typeface="Microsoft JhengHei" panose="020B0604030504040204" pitchFamily="34" charset="-120"/>
               </a:rPr>
@@ -4252,6 +4586,9 @@
             </a:r>
             <a:r>
               <a:rPr lang="zh-CN" altLang="en-US" sz="5400" b="1" dirty="0" smtClean="0">
+                <a:solidFill>
+                  <a:srgbClr val="002060"/>
+                </a:solidFill>
                 <a:latin typeface="Microsoft JhengHei" panose="020B0604030504040204" pitchFamily="34" charset="-120"/>
                 <a:ea typeface="Microsoft JhengHei" panose="020B0604030504040204" pitchFamily="34" charset="-120"/>
               </a:rPr>
@@ -4259,6 +4596,9 @@
             </a:r>
             <a:r>
               <a:rPr lang="zh-CN" altLang="en-US" sz="5400" b="1" dirty="0">
+                <a:solidFill>
+                  <a:srgbClr val="002060"/>
+                </a:solidFill>
                 <a:latin typeface="Microsoft JhengHei" panose="020B0604030504040204" pitchFamily="34" charset="-120"/>
                 <a:ea typeface="Microsoft JhengHei" panose="020B0604030504040204" pitchFamily="34" charset="-120"/>
               </a:rPr>
@@ -4266,12 +4606,18 @@
             </a:r>
             <a:r>
               <a:rPr lang="zh-CN" altLang="en-US" sz="5400" b="1" dirty="0" smtClean="0">
+                <a:solidFill>
+                  <a:srgbClr val="002060"/>
+                </a:solidFill>
                 <a:latin typeface="Microsoft JhengHei" panose="020B0604030504040204" pitchFamily="34" charset="-120"/>
                 <a:ea typeface="Microsoft JhengHei" panose="020B0604030504040204" pitchFamily="34" charset="-120"/>
               </a:rPr>
               <a:t>變</a:t>
             </a:r>
             <a:endParaRPr lang="en-US" altLang="zh-CN" sz="5400" b="1" dirty="0" smtClean="0">
+              <a:solidFill>
+                <a:srgbClr val="002060"/>
+              </a:solidFill>
               <a:latin typeface="Microsoft JhengHei" panose="020B0604030504040204" pitchFamily="34" charset="-120"/>
               <a:ea typeface="Microsoft JhengHei" panose="020B0604030504040204" pitchFamily="34" charset="-120"/>
             </a:endParaRPr>
@@ -4282,6 +4628,9 @@
             </a:pPr>
             <a:r>
               <a:rPr lang="zh-CN" altLang="en-US" sz="5400" b="1" dirty="0">
+                <a:solidFill>
+                  <a:srgbClr val="002060"/>
+                </a:solidFill>
                 <a:latin typeface="Microsoft JhengHei" panose="020B0604030504040204" pitchFamily="34" charset="-120"/>
                 <a:ea typeface="Microsoft JhengHei" panose="020B0604030504040204" pitchFamily="34" charset="-120"/>
               </a:rPr>
@@ -4289,6 +4638,9 @@
             </a:r>
             <a:r>
               <a:rPr lang="zh-CN" altLang="en-US" sz="5400" b="1" dirty="0" smtClean="0">
+                <a:solidFill>
+                  <a:srgbClr val="002060"/>
+                </a:solidFill>
                 <a:latin typeface="Microsoft JhengHei" panose="020B0604030504040204" pitchFamily="34" charset="-120"/>
                 <a:ea typeface="Microsoft JhengHei" panose="020B0604030504040204" pitchFamily="34" charset="-120"/>
               </a:rPr>
@@ -4296,6 +4648,9 @@
             </a:r>
             <a:r>
               <a:rPr lang="zh-CN" altLang="en-US" sz="5400" b="1" dirty="0">
+                <a:solidFill>
+                  <a:srgbClr val="002060"/>
+                </a:solidFill>
                 <a:latin typeface="Microsoft JhengHei" panose="020B0604030504040204" pitchFamily="34" charset="-120"/>
                 <a:ea typeface="Microsoft JhengHei" panose="020B0604030504040204" pitchFamily="34" charset="-120"/>
               </a:rPr>
@@ -4303,12 +4658,18 @@
             </a:r>
             <a:r>
               <a:rPr lang="zh-CN" altLang="en-US" sz="5400" b="1" dirty="0" smtClean="0">
+                <a:solidFill>
+                  <a:srgbClr val="002060"/>
+                </a:solidFill>
                 <a:latin typeface="Microsoft JhengHei" panose="020B0604030504040204" pitchFamily="34" charset="-120"/>
                 <a:ea typeface="Microsoft JhengHei" panose="020B0604030504040204" pitchFamily="34" charset="-120"/>
               </a:rPr>
               <a:t>變</a:t>
             </a:r>
             <a:endParaRPr lang="en-US" altLang="zh-CN" sz="5400" b="1" dirty="0" smtClean="0">
+              <a:solidFill>
+                <a:srgbClr val="002060"/>
+              </a:solidFill>
               <a:latin typeface="Microsoft JhengHei" panose="020B0604030504040204" pitchFamily="34" charset="-120"/>
               <a:ea typeface="Microsoft JhengHei" panose="020B0604030504040204" pitchFamily="34" charset="-120"/>
             </a:endParaRPr>
@@ -4319,6 +4680,9 @@
             </a:pPr>
             <a:r>
               <a:rPr lang="zh-CN" altLang="en-US" sz="5400" b="1" dirty="0" smtClean="0">
+                <a:solidFill>
+                  <a:srgbClr val="002060"/>
+                </a:solidFill>
                 <a:latin typeface="Microsoft JhengHei" panose="020B0604030504040204" pitchFamily="34" charset="-120"/>
                 <a:ea typeface="Microsoft JhengHei" panose="020B0604030504040204" pitchFamily="34" charset="-120"/>
               </a:rPr>
@@ -4326,6 +4690,9 @@
             </a:r>
             <a:r>
               <a:rPr lang="en-US" altLang="zh-CN" sz="5400" b="1" dirty="0">
+                <a:solidFill>
+                  <a:srgbClr val="002060"/>
+                </a:solidFill>
                 <a:latin typeface="Microsoft JhengHei" panose="020B0604030504040204" pitchFamily="34" charset="-120"/>
                 <a:ea typeface="Microsoft JhengHei" panose="020B0604030504040204" pitchFamily="34" charset="-120"/>
               </a:rPr>
@@ -4333,6 +4700,9 @@
             </a:r>
             <a:r>
               <a:rPr lang="en-US" altLang="zh-CN" sz="5400" b="1" dirty="0" smtClean="0">
+                <a:solidFill>
+                  <a:srgbClr val="002060"/>
+                </a:solidFill>
                 <a:latin typeface="Microsoft JhengHei" panose="020B0604030504040204" pitchFamily="34" charset="-120"/>
                 <a:ea typeface="Microsoft JhengHei" panose="020B0604030504040204" pitchFamily="34" charset="-120"/>
               </a:rPr>
@@ -4340,6 +4710,9 @@
             </a:r>
             <a:r>
               <a:rPr lang="zh-CN" altLang="en-US" sz="5400" b="1" dirty="0" smtClean="0">
+                <a:solidFill>
+                  <a:srgbClr val="002060"/>
+                </a:solidFill>
                 <a:latin typeface="Microsoft JhengHei" panose="020B0604030504040204" pitchFamily="34" charset="-120"/>
                 <a:ea typeface="Microsoft JhengHei" panose="020B0604030504040204" pitchFamily="34" charset="-120"/>
               </a:rPr>
@@ -4347,12 +4720,18 @@
             </a:r>
             <a:r>
               <a:rPr lang="zh-CN" altLang="en-US" sz="5400" b="1" dirty="0">
+                <a:solidFill>
+                  <a:srgbClr val="002060"/>
+                </a:solidFill>
                 <a:latin typeface="Microsoft JhengHei" panose="020B0604030504040204" pitchFamily="34" charset="-120"/>
                 <a:ea typeface="Microsoft JhengHei" panose="020B0604030504040204" pitchFamily="34" charset="-120"/>
               </a:rPr>
               <a:t>穌不改變</a:t>
             </a:r>
             <a:endParaRPr lang="vi-VN" sz="5400" b="1" dirty="0">
+              <a:solidFill>
+                <a:srgbClr val="002060"/>
+              </a:solidFill>
               <a:ea typeface="Microsoft JhengHei" panose="020B0604030504040204" pitchFamily="34" charset="-120"/>
             </a:endParaRPr>
           </a:p>
@@ -4361,7 +4740,7 @@
     </p:spTree>
     <p:extLst>
       <p:ext uri="{BB962C8B-B14F-4D97-AF65-F5344CB8AC3E}">
-        <p14:creationId xmlns:p14="http://schemas.microsoft.com/office/powerpoint/2010/main" val="2033843566"/>
+        <p14:creationId xmlns:p14="http://schemas.microsoft.com/office/powerpoint/2010/main" xmlns="" val="2033843566"/>
       </p:ext>
     </p:extLst>
   </p:cSld>
@@ -4407,12 +4786,18 @@
           <a:p>
             <a:r>
               <a:rPr lang="zh-CN" altLang="en-US" sz="4800" b="1" dirty="0" smtClean="0">
+                <a:solidFill>
+                  <a:srgbClr val="002060"/>
+                </a:solidFill>
                 <a:latin typeface="Microsoft JhengHei" panose="020B0604030504040204" pitchFamily="34" charset="-120"/>
                 <a:ea typeface="Microsoft JhengHei" panose="020B0604030504040204" pitchFamily="34" charset="-120"/>
               </a:rPr>
               <a:t>昨日今日直到永遠</a:t>
             </a:r>
             <a:endParaRPr lang="vi-VN" sz="4800" b="1" dirty="0">
+              <a:solidFill>
+                <a:srgbClr val="002060"/>
+              </a:solidFill>
               <a:ea typeface="Microsoft JhengHei" panose="020B0604030504040204" pitchFamily="34" charset="-120"/>
             </a:endParaRPr>
           </a:p>
@@ -4440,17 +4825,26 @@
             </a:pPr>
             <a:r>
               <a:rPr lang="zh-CN" altLang="en-US" sz="5400" b="1" dirty="0">
+                <a:solidFill>
+                  <a:srgbClr val="002060"/>
+                </a:solidFill>
                 <a:ea typeface="Microsoft JhengHei" panose="020B0604030504040204" pitchFamily="34" charset="-120"/>
               </a:rPr>
               <a:t>主嘗走在以馬</a:t>
             </a:r>
             <a:r>
               <a:rPr lang="zh-CN" altLang="en-US" sz="5400" b="1" dirty="0" smtClean="0">
+                <a:solidFill>
+                  <a:srgbClr val="002060"/>
+                </a:solidFill>
                 <a:ea typeface="Microsoft JhengHei" panose="020B0604030504040204" pitchFamily="34" charset="-120"/>
               </a:rPr>
               <a:t>忤路  同走有門徒</a:t>
             </a:r>
             <a:endParaRPr lang="en-US" altLang="zh-CN" sz="5400" b="1" dirty="0" smtClean="0">
+              <a:solidFill>
+                <a:srgbClr val="002060"/>
+              </a:solidFill>
               <a:ea typeface="Microsoft JhengHei" panose="020B0604030504040204" pitchFamily="34" charset="-120"/>
             </a:endParaRPr>
           </a:p>
@@ -4460,11 +4854,17 @@
             </a:pPr>
             <a:r>
               <a:rPr lang="zh-CN" altLang="en-US" sz="5400" b="1" dirty="0" smtClean="0">
+                <a:solidFill>
+                  <a:srgbClr val="002060"/>
+                </a:solidFill>
                 <a:ea typeface="Microsoft JhengHei" panose="020B0604030504040204" pitchFamily="34" charset="-120"/>
               </a:rPr>
               <a:t>今主與我一生走路  不離我一步</a:t>
             </a:r>
             <a:endParaRPr lang="en-US" altLang="zh-CN" sz="5400" b="1" dirty="0" smtClean="0">
+              <a:solidFill>
+                <a:srgbClr val="002060"/>
+              </a:solidFill>
               <a:ea typeface="Microsoft JhengHei" panose="020B0604030504040204" pitchFamily="34" charset="-120"/>
             </a:endParaRPr>
           </a:p>
@@ -4474,17 +4874,26 @@
             </a:pPr>
             <a:r>
               <a:rPr lang="zh-CN" altLang="en-US" sz="5400" b="1" dirty="0">
+                <a:solidFill>
+                  <a:srgbClr val="002060"/>
+                </a:solidFill>
                 <a:ea typeface="Microsoft JhengHei" panose="020B0604030504040204" pitchFamily="34" charset="-120"/>
               </a:rPr>
               <a:t>不</a:t>
             </a:r>
             <a:r>
               <a:rPr lang="zh-CN" altLang="en-US" sz="5400" b="1" dirty="0" smtClean="0">
+                <a:solidFill>
+                  <a:srgbClr val="002060"/>
+                </a:solidFill>
                 <a:ea typeface="Microsoft JhengHei" panose="020B0604030504040204" pitchFamily="34" charset="-120"/>
               </a:rPr>
               <a:t>久我將再見主面  願此日快現</a:t>
             </a:r>
             <a:endParaRPr lang="en-US" altLang="zh-CN" sz="5400" b="1" dirty="0" smtClean="0">
+              <a:solidFill>
+                <a:srgbClr val="002060"/>
+              </a:solidFill>
               <a:ea typeface="Microsoft JhengHei" panose="020B0604030504040204" pitchFamily="34" charset="-120"/>
             </a:endParaRPr>
           </a:p>
@@ -4494,11 +4903,17 @@
             </a:pPr>
             <a:r>
               <a:rPr lang="zh-CN" altLang="en-US" sz="5400" b="1" dirty="0" smtClean="0">
+                <a:solidFill>
+                  <a:srgbClr val="002060"/>
+                </a:solidFill>
                 <a:ea typeface="Microsoft JhengHei" panose="020B0604030504040204" pitchFamily="34" charset="-120"/>
               </a:rPr>
               <a:t>然而耶穌仍是不變  無異在當年</a:t>
             </a:r>
             <a:endParaRPr lang="vi-VN" sz="5400" b="1" dirty="0">
+              <a:solidFill>
+                <a:srgbClr val="002060"/>
+              </a:solidFill>
               <a:ea typeface="Microsoft JhengHei" panose="020B0604030504040204" pitchFamily="34" charset="-120"/>
             </a:endParaRPr>
           </a:p>
@@ -4527,21 +4942,33 @@
           <a:lstStyle/>
           <a:p>
             <a:r>
-              <a:rPr lang="en-US" sz="5400" b="1" dirty="0"/>
+              <a:rPr lang="en-US" sz="5400" b="1" dirty="0">
+                <a:solidFill>
+                  <a:srgbClr val="002060"/>
+                </a:solidFill>
+              </a:rPr>
               <a:t>4</a:t>
             </a:r>
             <a:r>
-              <a:rPr lang="en-US" sz="5400" b="1" dirty="0" smtClean="0"/>
+              <a:rPr lang="en-US" sz="5400" b="1" dirty="0" smtClean="0">
+                <a:solidFill>
+                  <a:srgbClr val="002060"/>
+                </a:solidFill>
+              </a:rPr>
               <a:t>.</a:t>
             </a:r>
-            <a:endParaRPr lang="vi-VN" sz="5400" b="1" dirty="0"/>
+            <a:endParaRPr lang="vi-VN" sz="5400" b="1" dirty="0">
+              <a:solidFill>
+                <a:srgbClr val="002060"/>
+              </a:solidFill>
+            </a:endParaRPr>
           </a:p>
         </p:txBody>
       </p:sp>
     </p:spTree>
     <p:extLst>
       <p:ext uri="{BB962C8B-B14F-4D97-AF65-F5344CB8AC3E}">
-        <p14:creationId xmlns:p14="http://schemas.microsoft.com/office/powerpoint/2010/main" val="1396588236"/>
+        <p14:creationId xmlns:p14="http://schemas.microsoft.com/office/powerpoint/2010/main" xmlns="" val="1396588236"/>
       </p:ext>
     </p:extLst>
   </p:cSld>
@@ -4587,12 +5014,18 @@
           <a:p>
             <a:r>
               <a:rPr lang="zh-CN" altLang="en-US" sz="4800" b="1" dirty="0" smtClean="0">
+                <a:solidFill>
+                  <a:srgbClr val="002060"/>
+                </a:solidFill>
                 <a:latin typeface="Microsoft JhengHei" panose="020B0604030504040204" pitchFamily="34" charset="-120"/>
                 <a:ea typeface="Microsoft JhengHei" panose="020B0604030504040204" pitchFamily="34" charset="-120"/>
               </a:rPr>
               <a:t>昨日今日直到永遠</a:t>
             </a:r>
             <a:endParaRPr lang="vi-VN" sz="4800" b="1" dirty="0">
+              <a:solidFill>
+                <a:srgbClr val="002060"/>
+              </a:solidFill>
               <a:ea typeface="Microsoft JhengHei" panose="020B0604030504040204" pitchFamily="34" charset="-120"/>
             </a:endParaRPr>
           </a:p>
@@ -4625,6 +5058,9 @@
             </a:pPr>
             <a:r>
               <a:rPr lang="zh-CN" altLang="en-US" sz="5400" b="1" dirty="0">
+                <a:solidFill>
+                  <a:srgbClr val="002060"/>
+                </a:solidFill>
                 <a:latin typeface="Microsoft JhengHei" panose="020B0604030504040204" pitchFamily="34" charset="-120"/>
                 <a:ea typeface="Microsoft JhengHei" panose="020B0604030504040204" pitchFamily="34" charset="-120"/>
               </a:rPr>
@@ -4632,6 +5068,9 @@
             </a:r>
             <a:r>
               <a:rPr lang="zh-CN" altLang="en-US" sz="5400" b="1" dirty="0" smtClean="0">
+                <a:solidFill>
+                  <a:srgbClr val="002060"/>
+                </a:solidFill>
                 <a:latin typeface="Microsoft JhengHei" panose="020B0604030504040204" pitchFamily="34" charset="-120"/>
                 <a:ea typeface="Microsoft JhengHei" panose="020B0604030504040204" pitchFamily="34" charset="-120"/>
               </a:rPr>
@@ -4639,6 +5078,9 @@
             </a:r>
             <a:r>
               <a:rPr lang="zh-CN" altLang="en-US" sz="5400" b="1" dirty="0">
+                <a:solidFill>
+                  <a:srgbClr val="002060"/>
+                </a:solidFill>
                 <a:latin typeface="Microsoft JhengHei" panose="020B0604030504040204" pitchFamily="34" charset="-120"/>
                 <a:ea typeface="Microsoft JhengHei" panose="020B0604030504040204" pitchFamily="34" charset="-120"/>
               </a:rPr>
@@ -4646,12 +5088,18 @@
             </a:r>
             <a:r>
               <a:rPr lang="zh-CN" altLang="en-US" sz="5400" b="1" dirty="0" smtClean="0">
+                <a:solidFill>
+                  <a:srgbClr val="002060"/>
+                </a:solidFill>
                 <a:latin typeface="Microsoft JhengHei" panose="020B0604030504040204" pitchFamily="34" charset="-120"/>
                 <a:ea typeface="Microsoft JhengHei" panose="020B0604030504040204" pitchFamily="34" charset="-120"/>
               </a:rPr>
               <a:t>變</a:t>
             </a:r>
             <a:endParaRPr lang="en-US" altLang="zh-CN" sz="5400" b="1" dirty="0" smtClean="0">
+              <a:solidFill>
+                <a:srgbClr val="002060"/>
+              </a:solidFill>
               <a:latin typeface="Microsoft JhengHei" panose="020B0604030504040204" pitchFamily="34" charset="-120"/>
               <a:ea typeface="Microsoft JhengHei" panose="020B0604030504040204" pitchFamily="34" charset="-120"/>
             </a:endParaRPr>
@@ -4662,6 +5110,9 @@
             </a:pPr>
             <a:r>
               <a:rPr lang="zh-CN" altLang="en-US" sz="5400" b="1" dirty="0">
+                <a:solidFill>
+                  <a:srgbClr val="002060"/>
+                </a:solidFill>
                 <a:latin typeface="Microsoft JhengHei" panose="020B0604030504040204" pitchFamily="34" charset="-120"/>
                 <a:ea typeface="Microsoft JhengHei" panose="020B0604030504040204" pitchFamily="34" charset="-120"/>
               </a:rPr>
@@ -4669,6 +5120,9 @@
             </a:r>
             <a:r>
               <a:rPr lang="zh-CN" altLang="en-US" sz="5400" b="1" dirty="0" smtClean="0">
+                <a:solidFill>
+                  <a:srgbClr val="002060"/>
+                </a:solidFill>
                 <a:latin typeface="Microsoft JhengHei" panose="020B0604030504040204" pitchFamily="34" charset="-120"/>
                 <a:ea typeface="Microsoft JhengHei" panose="020B0604030504040204" pitchFamily="34" charset="-120"/>
               </a:rPr>
@@ -4676,6 +5130,9 @@
             </a:r>
             <a:r>
               <a:rPr lang="zh-CN" altLang="en-US" sz="5400" b="1" dirty="0">
+                <a:solidFill>
+                  <a:srgbClr val="002060"/>
+                </a:solidFill>
                 <a:latin typeface="Microsoft JhengHei" panose="020B0604030504040204" pitchFamily="34" charset="-120"/>
                 <a:ea typeface="Microsoft JhengHei" panose="020B0604030504040204" pitchFamily="34" charset="-120"/>
               </a:rPr>
@@ -4683,12 +5140,18 @@
             </a:r>
             <a:r>
               <a:rPr lang="zh-CN" altLang="en-US" sz="5400" b="1" dirty="0" smtClean="0">
+                <a:solidFill>
+                  <a:srgbClr val="002060"/>
+                </a:solidFill>
                 <a:latin typeface="Microsoft JhengHei" panose="020B0604030504040204" pitchFamily="34" charset="-120"/>
                 <a:ea typeface="Microsoft JhengHei" panose="020B0604030504040204" pitchFamily="34" charset="-120"/>
               </a:rPr>
               <a:t>變</a:t>
             </a:r>
             <a:endParaRPr lang="en-US" altLang="zh-CN" sz="5400" b="1" dirty="0" smtClean="0">
+              <a:solidFill>
+                <a:srgbClr val="002060"/>
+              </a:solidFill>
               <a:latin typeface="Microsoft JhengHei" panose="020B0604030504040204" pitchFamily="34" charset="-120"/>
               <a:ea typeface="Microsoft JhengHei" panose="020B0604030504040204" pitchFamily="34" charset="-120"/>
             </a:endParaRPr>
@@ -4699,6 +5162,9 @@
             </a:pPr>
             <a:r>
               <a:rPr lang="zh-CN" altLang="en-US" sz="5400" b="1" dirty="0">
+                <a:solidFill>
+                  <a:srgbClr val="002060"/>
+                </a:solidFill>
                 <a:latin typeface="Microsoft JhengHei" panose="020B0604030504040204" pitchFamily="34" charset="-120"/>
                 <a:ea typeface="Microsoft JhengHei" panose="020B0604030504040204" pitchFamily="34" charset="-120"/>
               </a:rPr>
@@ -4706,6 +5172,9 @@
             </a:r>
             <a:r>
               <a:rPr lang="zh-CN" altLang="en-US" sz="5400" b="1" dirty="0" smtClean="0">
+                <a:solidFill>
+                  <a:srgbClr val="002060"/>
+                </a:solidFill>
                 <a:latin typeface="Microsoft JhengHei" panose="020B0604030504040204" pitchFamily="34" charset="-120"/>
                 <a:ea typeface="Microsoft JhengHei" panose="020B0604030504040204" pitchFamily="34" charset="-120"/>
               </a:rPr>
@@ -4713,6 +5182,9 @@
             </a:r>
             <a:r>
               <a:rPr lang="zh-CN" altLang="en-US" sz="5400" b="1" dirty="0">
+                <a:solidFill>
+                  <a:srgbClr val="002060"/>
+                </a:solidFill>
                 <a:latin typeface="Microsoft JhengHei" panose="020B0604030504040204" pitchFamily="34" charset="-120"/>
                 <a:ea typeface="Microsoft JhengHei" panose="020B0604030504040204" pitchFamily="34" charset="-120"/>
               </a:rPr>
@@ -4720,12 +5192,18 @@
             </a:r>
             <a:r>
               <a:rPr lang="zh-CN" altLang="en-US" sz="5400" b="1" dirty="0" smtClean="0">
+                <a:solidFill>
+                  <a:srgbClr val="002060"/>
+                </a:solidFill>
                 <a:latin typeface="Microsoft JhengHei" panose="020B0604030504040204" pitchFamily="34" charset="-120"/>
                 <a:ea typeface="Microsoft JhengHei" panose="020B0604030504040204" pitchFamily="34" charset="-120"/>
               </a:rPr>
               <a:t>變</a:t>
             </a:r>
             <a:endParaRPr lang="en-US" altLang="zh-CN" sz="5400" b="1" dirty="0" smtClean="0">
+              <a:solidFill>
+                <a:srgbClr val="002060"/>
+              </a:solidFill>
               <a:latin typeface="Microsoft JhengHei" panose="020B0604030504040204" pitchFamily="34" charset="-120"/>
               <a:ea typeface="Microsoft JhengHei" panose="020B0604030504040204" pitchFamily="34" charset="-120"/>
             </a:endParaRPr>
@@ -4736,6 +5214,9 @@
             </a:pPr>
             <a:r>
               <a:rPr lang="zh-CN" altLang="en-US" sz="5400" b="1" dirty="0" smtClean="0">
+                <a:solidFill>
+                  <a:srgbClr val="002060"/>
+                </a:solidFill>
                 <a:latin typeface="Microsoft JhengHei" panose="020B0604030504040204" pitchFamily="34" charset="-120"/>
                 <a:ea typeface="Microsoft JhengHei" panose="020B0604030504040204" pitchFamily="34" charset="-120"/>
               </a:rPr>
@@ -4743,6 +5224,9 @@
             </a:r>
             <a:r>
               <a:rPr lang="en-US" altLang="zh-CN" sz="5400" b="1" dirty="0">
+                <a:solidFill>
+                  <a:srgbClr val="002060"/>
+                </a:solidFill>
                 <a:latin typeface="Microsoft JhengHei" panose="020B0604030504040204" pitchFamily="34" charset="-120"/>
                 <a:ea typeface="Microsoft JhengHei" panose="020B0604030504040204" pitchFamily="34" charset="-120"/>
               </a:rPr>
@@ -4750,6 +5234,9 @@
             </a:r>
             <a:r>
               <a:rPr lang="en-US" altLang="zh-CN" sz="5400" b="1" dirty="0" smtClean="0">
+                <a:solidFill>
+                  <a:srgbClr val="002060"/>
+                </a:solidFill>
                 <a:latin typeface="Microsoft JhengHei" panose="020B0604030504040204" pitchFamily="34" charset="-120"/>
                 <a:ea typeface="Microsoft JhengHei" panose="020B0604030504040204" pitchFamily="34" charset="-120"/>
               </a:rPr>
@@ -4757,6 +5244,9 @@
             </a:r>
             <a:r>
               <a:rPr lang="zh-CN" altLang="en-US" sz="5400" b="1" dirty="0" smtClean="0">
+                <a:solidFill>
+                  <a:srgbClr val="002060"/>
+                </a:solidFill>
                 <a:latin typeface="Microsoft JhengHei" panose="020B0604030504040204" pitchFamily="34" charset="-120"/>
                 <a:ea typeface="Microsoft JhengHei" panose="020B0604030504040204" pitchFamily="34" charset="-120"/>
               </a:rPr>
@@ -4764,12 +5254,18 @@
             </a:r>
             <a:r>
               <a:rPr lang="zh-CN" altLang="en-US" sz="5400" b="1" dirty="0">
+                <a:solidFill>
+                  <a:srgbClr val="002060"/>
+                </a:solidFill>
                 <a:latin typeface="Microsoft JhengHei" panose="020B0604030504040204" pitchFamily="34" charset="-120"/>
                 <a:ea typeface="Microsoft JhengHei" panose="020B0604030504040204" pitchFamily="34" charset="-120"/>
               </a:rPr>
               <a:t>穌不改變</a:t>
             </a:r>
             <a:endParaRPr lang="vi-VN" sz="5400" b="1" dirty="0">
+              <a:solidFill>
+                <a:srgbClr val="002060"/>
+              </a:solidFill>
               <a:ea typeface="Microsoft JhengHei" panose="020B0604030504040204" pitchFamily="34" charset="-120"/>
             </a:endParaRPr>
           </a:p>
@@ -4778,7 +5274,7 @@
     </p:spTree>
     <p:extLst>
       <p:ext uri="{BB962C8B-B14F-4D97-AF65-F5344CB8AC3E}">
-        <p14:creationId xmlns:p14="http://schemas.microsoft.com/office/powerpoint/2010/main" val="1391814759"/>
+        <p14:creationId xmlns:p14="http://schemas.microsoft.com/office/powerpoint/2010/main" xmlns="" val="1391814759"/>
       </p:ext>
     </p:extLst>
   </p:cSld>
@@ -5070,7 +5566,7 @@
   <a:extraClrSchemeLst/>
   <a:extLst>
     <a:ext uri="{05A4C25C-085E-4340-85A3-A5531E510DB2}">
-      <thm15:themeFamily xmlns:thm15="http://schemas.microsoft.com/office/thememl/2012/main" name="Theme1" id="{AFC7C034-021A-479F-A5B0-F4AE2AC2A6F8}" vid="{E4B01A5C-7C0B-4AB8-8973-047186F18E30}"/>
+      <thm15:themeFamily xmlns:thm15="http://schemas.microsoft.com/office/thememl/2012/main" xmlns="" name="Theme1" id="{AFC7C034-021A-479F-A5B0-F4AE2AC2A6F8}" vid="{E4B01A5C-7C0B-4AB8-8973-047186F18E30}"/>
     </a:ext>
   </a:extLst>
 </a:theme>

--- a/宣道詩/(宣道詩14)昨日今日直到永遠.pptx
+++ b/宣道詩/(宣道詩14)昨日今日直到永遠.pptx
@@ -5,14 +5,23 @@
     <p:sldMasterId id="2147483660" r:id="rId1"/>
   </p:sldMasterIdLst>
   <p:sldIdLst>
-    <p:sldId id="257" r:id="rId2"/>
-    <p:sldId id="258" r:id="rId3"/>
-    <p:sldId id="259" r:id="rId4"/>
-    <p:sldId id="260" r:id="rId5"/>
-    <p:sldId id="261" r:id="rId6"/>
-    <p:sldId id="262" r:id="rId7"/>
-    <p:sldId id="263" r:id="rId8"/>
-    <p:sldId id="264" r:id="rId9"/>
+    <p:sldId id="265" r:id="rId2"/>
+    <p:sldId id="266" r:id="rId3"/>
+    <p:sldId id="267" r:id="rId4"/>
+    <p:sldId id="268" r:id="rId5"/>
+    <p:sldId id="269" r:id="rId6"/>
+    <p:sldId id="270" r:id="rId7"/>
+    <p:sldId id="271" r:id="rId8"/>
+    <p:sldId id="272" r:id="rId9"/>
+    <p:sldId id="273" r:id="rId10"/>
+    <p:sldId id="274" r:id="rId11"/>
+    <p:sldId id="275" r:id="rId12"/>
+    <p:sldId id="276" r:id="rId13"/>
+    <p:sldId id="277" r:id="rId14"/>
+    <p:sldId id="278" r:id="rId15"/>
+    <p:sldId id="279" r:id="rId16"/>
+    <p:sldId id="280" r:id="rId17"/>
+    <p:sldId id="281" r:id="rId18"/>
   </p:sldIdLst>
   <p:sldSz cx="12192000" cy="6858000"/>
   <p:notesSz cx="6858000" cy="9144000"/>
@@ -111,6 +120,22 @@
       </a:defRPr>
     </a:lvl9pPr>
   </p:defaultTextStyle>
+  <p:extLst>
+    <p:ext uri="{EFAFB233-063F-42B5-8137-9DF3F51BA10A}">
+      <p15:sldGuideLst xmlns:p15="http://schemas.microsoft.com/office/powerpoint/2012/main">
+        <p15:guide id="1" orient="horz" pos="2160">
+          <p15:clr>
+            <a:srgbClr val="A4A3A4"/>
+          </p15:clr>
+        </p15:guide>
+        <p15:guide id="2" pos="3840">
+          <p15:clr>
+            <a:srgbClr val="A4A3A4"/>
+          </p15:clr>
+        </p15:guide>
+      </p15:sldGuideLst>
+    </p:ext>
+  </p:extLst>
 </p:presentation>
 </file>
 
@@ -296,7 +321,7 @@
             <a:fld id="{BD6AA7B1-114F-4841-8E40-5FBB5EDE436C}" type="datetimeFigureOut">
               <a:rPr lang="vi-VN" smtClean="0"/>
               <a:pPr/>
-              <a:t>30/08/2020</a:t>
+              <a:t>02/07/2021</a:t>
             </a:fld>
             <a:endParaRPr lang="vi-VN"/>
           </a:p>
@@ -348,7 +373,7 @@
     </p:spTree>
     <p:extLst>
       <p:ext uri="{BB962C8B-B14F-4D97-AF65-F5344CB8AC3E}">
-        <p14:creationId xmlns:p14="http://schemas.microsoft.com/office/powerpoint/2010/main" xmlns="" val="4118343001"/>
+        <p14:creationId xmlns:p14="http://schemas.microsoft.com/office/powerpoint/2010/main" val="4118343001"/>
       </p:ext>
     </p:extLst>
   </p:cSld>
@@ -468,7 +493,7 @@
             <a:fld id="{BD6AA7B1-114F-4841-8E40-5FBB5EDE436C}" type="datetimeFigureOut">
               <a:rPr lang="vi-VN" smtClean="0"/>
               <a:pPr/>
-              <a:t>30/08/2020</a:t>
+              <a:t>02/07/2021</a:t>
             </a:fld>
             <a:endParaRPr lang="vi-VN"/>
           </a:p>
@@ -520,7 +545,7 @@
     </p:spTree>
     <p:extLst>
       <p:ext uri="{BB962C8B-B14F-4D97-AF65-F5344CB8AC3E}">
-        <p14:creationId xmlns:p14="http://schemas.microsoft.com/office/powerpoint/2010/main" xmlns="" val="55033400"/>
+        <p14:creationId xmlns:p14="http://schemas.microsoft.com/office/powerpoint/2010/main" val="55033400"/>
       </p:ext>
     </p:extLst>
   </p:cSld>
@@ -650,7 +675,7 @@
             <a:fld id="{BD6AA7B1-114F-4841-8E40-5FBB5EDE436C}" type="datetimeFigureOut">
               <a:rPr lang="vi-VN" smtClean="0"/>
               <a:pPr/>
-              <a:t>30/08/2020</a:t>
+              <a:t>02/07/2021</a:t>
             </a:fld>
             <a:endParaRPr lang="vi-VN"/>
           </a:p>
@@ -702,7 +727,7 @@
     </p:spTree>
     <p:extLst>
       <p:ext uri="{BB962C8B-B14F-4D97-AF65-F5344CB8AC3E}">
-        <p14:creationId xmlns:p14="http://schemas.microsoft.com/office/powerpoint/2010/main" xmlns="" val="3114986861"/>
+        <p14:creationId xmlns:p14="http://schemas.microsoft.com/office/powerpoint/2010/main" val="3114986861"/>
       </p:ext>
     </p:extLst>
   </p:cSld>
@@ -822,7 +847,7 @@
             <a:fld id="{BD6AA7B1-114F-4841-8E40-5FBB5EDE436C}" type="datetimeFigureOut">
               <a:rPr lang="vi-VN" smtClean="0"/>
               <a:pPr/>
-              <a:t>30/08/2020</a:t>
+              <a:t>02/07/2021</a:t>
             </a:fld>
             <a:endParaRPr lang="vi-VN"/>
           </a:p>
@@ -874,7 +899,7 @@
     </p:spTree>
     <p:extLst>
       <p:ext uri="{BB962C8B-B14F-4D97-AF65-F5344CB8AC3E}">
-        <p14:creationId xmlns:p14="http://schemas.microsoft.com/office/powerpoint/2010/main" xmlns="" val="1287477252"/>
+        <p14:creationId xmlns:p14="http://schemas.microsoft.com/office/powerpoint/2010/main" val="1287477252"/>
       </p:ext>
     </p:extLst>
   </p:cSld>
@@ -1070,7 +1095,7 @@
             <a:fld id="{BD6AA7B1-114F-4841-8E40-5FBB5EDE436C}" type="datetimeFigureOut">
               <a:rPr lang="vi-VN" smtClean="0"/>
               <a:pPr/>
-              <a:t>30/08/2020</a:t>
+              <a:t>02/07/2021</a:t>
             </a:fld>
             <a:endParaRPr lang="vi-VN"/>
           </a:p>
@@ -1122,7 +1147,7 @@
     </p:spTree>
     <p:extLst>
       <p:ext uri="{BB962C8B-B14F-4D97-AF65-F5344CB8AC3E}">
-        <p14:creationId xmlns:p14="http://schemas.microsoft.com/office/powerpoint/2010/main" xmlns="" val="3782729323"/>
+        <p14:creationId xmlns:p14="http://schemas.microsoft.com/office/powerpoint/2010/main" val="3782729323"/>
       </p:ext>
     </p:extLst>
   </p:cSld>
@@ -1360,7 +1385,7 @@
             <a:fld id="{BD6AA7B1-114F-4841-8E40-5FBB5EDE436C}" type="datetimeFigureOut">
               <a:rPr lang="vi-VN" smtClean="0"/>
               <a:pPr/>
-              <a:t>30/08/2020</a:t>
+              <a:t>02/07/2021</a:t>
             </a:fld>
             <a:endParaRPr lang="vi-VN"/>
           </a:p>
@@ -1412,7 +1437,7 @@
     </p:spTree>
     <p:extLst>
       <p:ext uri="{BB962C8B-B14F-4D97-AF65-F5344CB8AC3E}">
-        <p14:creationId xmlns:p14="http://schemas.microsoft.com/office/powerpoint/2010/main" xmlns="" val="4198982242"/>
+        <p14:creationId xmlns:p14="http://schemas.microsoft.com/office/powerpoint/2010/main" val="4198982242"/>
       </p:ext>
     </p:extLst>
   </p:cSld>
@@ -1784,7 +1809,7 @@
             <a:fld id="{BD6AA7B1-114F-4841-8E40-5FBB5EDE436C}" type="datetimeFigureOut">
               <a:rPr lang="vi-VN" smtClean="0"/>
               <a:pPr/>
-              <a:t>30/08/2020</a:t>
+              <a:t>02/07/2021</a:t>
             </a:fld>
             <a:endParaRPr lang="vi-VN"/>
           </a:p>
@@ -1836,7 +1861,7 @@
     </p:spTree>
     <p:extLst>
       <p:ext uri="{BB962C8B-B14F-4D97-AF65-F5344CB8AC3E}">
-        <p14:creationId xmlns:p14="http://schemas.microsoft.com/office/powerpoint/2010/main" xmlns="" val="2014800249"/>
+        <p14:creationId xmlns:p14="http://schemas.microsoft.com/office/powerpoint/2010/main" val="2014800249"/>
       </p:ext>
     </p:extLst>
   </p:cSld>
@@ -1904,7 +1929,7 @@
             <a:fld id="{BD6AA7B1-114F-4841-8E40-5FBB5EDE436C}" type="datetimeFigureOut">
               <a:rPr lang="vi-VN" smtClean="0"/>
               <a:pPr/>
-              <a:t>30/08/2020</a:t>
+              <a:t>02/07/2021</a:t>
             </a:fld>
             <a:endParaRPr lang="vi-VN"/>
           </a:p>
@@ -1956,7 +1981,7 @@
     </p:spTree>
     <p:extLst>
       <p:ext uri="{BB962C8B-B14F-4D97-AF65-F5344CB8AC3E}">
-        <p14:creationId xmlns:p14="http://schemas.microsoft.com/office/powerpoint/2010/main" xmlns="" val="3605221816"/>
+        <p14:creationId xmlns:p14="http://schemas.microsoft.com/office/powerpoint/2010/main" val="3605221816"/>
       </p:ext>
     </p:extLst>
   </p:cSld>
@@ -2001,7 +2026,7 @@
             <a:fld id="{BD6AA7B1-114F-4841-8E40-5FBB5EDE436C}" type="datetimeFigureOut">
               <a:rPr lang="vi-VN" smtClean="0"/>
               <a:pPr/>
-              <a:t>30/08/2020</a:t>
+              <a:t>02/07/2021</a:t>
             </a:fld>
             <a:endParaRPr lang="vi-VN"/>
           </a:p>
@@ -2053,7 +2078,7 @@
     </p:spTree>
     <p:extLst>
       <p:ext uri="{BB962C8B-B14F-4D97-AF65-F5344CB8AC3E}">
-        <p14:creationId xmlns:p14="http://schemas.microsoft.com/office/powerpoint/2010/main" xmlns="" val="4033859240"/>
+        <p14:creationId xmlns:p14="http://schemas.microsoft.com/office/powerpoint/2010/main" val="4033859240"/>
       </p:ext>
     </p:extLst>
   </p:cSld>
@@ -2280,7 +2305,7 @@
             <a:fld id="{BD6AA7B1-114F-4841-8E40-5FBB5EDE436C}" type="datetimeFigureOut">
               <a:rPr lang="vi-VN" smtClean="0"/>
               <a:pPr/>
-              <a:t>30/08/2020</a:t>
+              <a:t>02/07/2021</a:t>
             </a:fld>
             <a:endParaRPr lang="vi-VN"/>
           </a:p>
@@ -2332,7 +2357,7 @@
     </p:spTree>
     <p:extLst>
       <p:ext uri="{BB962C8B-B14F-4D97-AF65-F5344CB8AC3E}">
-        <p14:creationId xmlns:p14="http://schemas.microsoft.com/office/powerpoint/2010/main" xmlns="" val="3092675198"/>
+        <p14:creationId xmlns:p14="http://schemas.microsoft.com/office/powerpoint/2010/main" val="3092675198"/>
       </p:ext>
     </p:extLst>
   </p:cSld>
@@ -2539,7 +2564,7 @@
             <a:fld id="{BD6AA7B1-114F-4841-8E40-5FBB5EDE436C}" type="datetimeFigureOut">
               <a:rPr lang="vi-VN" smtClean="0"/>
               <a:pPr/>
-              <a:t>30/08/2020</a:t>
+              <a:t>02/07/2021</a:t>
             </a:fld>
             <a:endParaRPr lang="vi-VN"/>
           </a:p>
@@ -2591,7 +2616,7 @@
     </p:spTree>
     <p:extLst>
       <p:ext uri="{BB962C8B-B14F-4D97-AF65-F5344CB8AC3E}">
-        <p14:creationId xmlns:p14="http://schemas.microsoft.com/office/powerpoint/2010/main" xmlns="" val="2558489657"/>
+        <p14:creationId xmlns:p14="http://schemas.microsoft.com/office/powerpoint/2010/main" val="2558489657"/>
       </p:ext>
     </p:extLst>
   </p:cSld>
@@ -2759,7 +2784,7 @@
             <a:fld id="{BD6AA7B1-114F-4841-8E40-5FBB5EDE436C}" type="datetimeFigureOut">
               <a:rPr lang="vi-VN" smtClean="0"/>
               <a:pPr/>
-              <a:t>30/08/2020</a:t>
+              <a:t>02/07/2021</a:t>
             </a:fld>
             <a:endParaRPr lang="vi-VN"/>
           </a:p>
@@ -2847,7 +2872,7 @@
     </p:spTree>
     <p:extLst>
       <p:ext uri="{BB962C8B-B14F-4D97-AF65-F5344CB8AC3E}">
-        <p14:creationId xmlns:p14="http://schemas.microsoft.com/office/powerpoint/2010/main" xmlns="" val="3838981165"/>
+        <p14:creationId xmlns:p14="http://schemas.microsoft.com/office/powerpoint/2010/main" val="3838981165"/>
       </p:ext>
     </p:extLst>
   </p:cSld>
@@ -3137,7 +3162,7 @@
       </p:grpSpPr>
       <p:sp>
         <p:nvSpPr>
-          <p:cNvPr id="2" name="Title 1"/>
+          <p:cNvPr id="4" name="標題 3"/>
           <p:cNvSpPr>
             <a:spLocks noGrp="1"/>
           </p:cNvSpPr>
@@ -3145,177 +3170,237 @@
             <p:ph type="title"/>
           </p:nvPr>
         </p:nvSpPr>
-        <p:spPr/>
+        <p:spPr>
+          <a:xfrm>
+            <a:off x="0" y="2756925"/>
+            <a:ext cx="12192000" cy="1143000"/>
+          </a:xfrm>
+        </p:spPr>
         <p:txBody>
           <a:bodyPr>
+            <a:noAutofit/>
+          </a:bodyPr>
+          <a:lstStyle/>
+          <a:p>
+            <a:r>
+              <a:rPr lang="zh-CN" altLang="en-US" sz="5333" b="1" u="sng" dirty="0">
+                <a:solidFill>
+                  <a:srgbClr val="000066"/>
+                </a:solidFill>
+                <a:effectLst>
+                  <a:outerShdw blurRad="38100" dist="38100" dir="2700000" algn="tl">
+                    <a:srgbClr val="000000">
+                      <a:alpha val="43137"/>
+                    </a:srgbClr>
+                  </a:outerShdw>
+                </a:effectLst>
+                <a:latin typeface="微軟正黑體" pitchFamily="34" charset="-120"/>
+                <a:ea typeface="微軟正黑體" pitchFamily="34" charset="-120"/>
+              </a:rPr>
+              <a:t>宣道詩 </a:t>
+            </a:r>
+            <a:r>
+              <a:rPr lang="en-US" altLang="zh-CN" sz="5333" b="1" u="sng" dirty="0">
+                <a:solidFill>
+                  <a:srgbClr val="000066"/>
+                </a:solidFill>
+                <a:effectLst>
+                  <a:outerShdw blurRad="38100" dist="38100" dir="2700000" algn="tl">
+                    <a:srgbClr val="000000">
+                      <a:alpha val="43137"/>
+                    </a:srgbClr>
+                  </a:outerShdw>
+                </a:effectLst>
+                <a:latin typeface="微軟正黑體" pitchFamily="34" charset="-120"/>
+                <a:ea typeface="微軟正黑體" pitchFamily="34" charset="-120"/>
+              </a:rPr>
+              <a:t>14</a:t>
+            </a:r>
+            <a:r>
+              <a:rPr lang="en-US" altLang="zh-CN" sz="7200" b="1" i="1" dirty="0">
+                <a:solidFill>
+                  <a:schemeClr val="bg1"/>
+                </a:solidFill>
+                <a:effectLst>
+                  <a:outerShdw blurRad="38100" dist="38100" dir="2700000" algn="tl">
+                    <a:srgbClr val="000000">
+                      <a:alpha val="43137"/>
+                    </a:srgbClr>
+                  </a:outerShdw>
+                </a:effectLst>
+                <a:latin typeface="微軟正黑體" pitchFamily="34" charset="-120"/>
+                <a:ea typeface="微軟正黑體" pitchFamily="34" charset="-120"/>
+              </a:rPr>
+              <a:t/>
+            </a:r>
+            <a:br>
+              <a:rPr lang="en-US" altLang="zh-CN" sz="7200" b="1" i="1" dirty="0">
+                <a:solidFill>
+                  <a:schemeClr val="bg1"/>
+                </a:solidFill>
+                <a:effectLst>
+                  <a:outerShdw blurRad="38100" dist="38100" dir="2700000" algn="tl">
+                    <a:srgbClr val="000000">
+                      <a:alpha val="43137"/>
+                    </a:srgbClr>
+                  </a:outerShdw>
+                </a:effectLst>
+                <a:latin typeface="微軟正黑體" pitchFamily="34" charset="-120"/>
+                <a:ea typeface="微軟正黑體" pitchFamily="34" charset="-120"/>
+              </a:rPr>
+            </a:br>
+            <a:r>
+              <a:rPr lang="zh-CN" altLang="en-US" sz="8000" b="1" dirty="0">
+                <a:solidFill>
+                  <a:srgbClr val="660033"/>
+                </a:solidFill>
+                <a:effectLst>
+                  <a:outerShdw blurRad="38100" dist="38100" dir="2700000" algn="tl">
+                    <a:srgbClr val="000000">
+                      <a:alpha val="43137"/>
+                    </a:srgbClr>
+                  </a:outerShdw>
+                </a:effectLst>
+                <a:latin typeface="微軟正黑體" pitchFamily="34" charset="-120"/>
+                <a:ea typeface="微軟正黑體" pitchFamily="34" charset="-120"/>
+              </a:rPr>
+              <a:t>昨日今日直到永遠</a:t>
+            </a:r>
+            <a:endParaRPr lang="zh-TW" altLang="en-US" sz="8000" b="1" dirty="0">
+              <a:solidFill>
+                <a:srgbClr val="660033"/>
+              </a:solidFill>
+              <a:effectLst>
+                <a:outerShdw blurRad="38100" dist="38100" dir="2700000" algn="tl">
+                  <a:srgbClr val="000000">
+                    <a:alpha val="43137"/>
+                  </a:srgbClr>
+                </a:outerShdw>
+              </a:effectLst>
+              <a:latin typeface="微軟正黑體" pitchFamily="34" charset="-120"/>
+              <a:ea typeface="微軟正黑體" pitchFamily="34" charset="-120"/>
+            </a:endParaRPr>
+          </a:p>
+        </p:txBody>
+      </p:sp>
+    </p:spTree>
+    <p:extLst>
+      <p:ext uri="{BB962C8B-B14F-4D97-AF65-F5344CB8AC3E}">
+        <p14:creationId xmlns:p14="http://schemas.microsoft.com/office/powerpoint/2010/main" val="3862616441"/>
+      </p:ext>
+    </p:extLst>
+  </p:cSld>
+  <p:clrMapOvr>
+    <a:masterClrMapping/>
+  </p:clrMapOvr>
+  <p:timing>
+    <p:tnLst>
+      <p:par>
+        <p:cTn id="1" dur="indefinite" restart="never" nodeType="tmRoot"/>
+      </p:par>
+    </p:tnLst>
+  </p:timing>
+</p:sld>
+</file>
+
+<file path=ppt/slides/slide10.xml><?xml version="1.0" encoding="utf-8"?>
+<p:sld xmlns:a="http://schemas.openxmlformats.org/drawingml/2006/main" xmlns:r="http://schemas.openxmlformats.org/officeDocument/2006/relationships" xmlns:p="http://schemas.openxmlformats.org/presentationml/2006/main">
+  <p:cSld>
+    <p:spTree>
+      <p:nvGrpSpPr>
+        <p:cNvPr id="1" name=""/>
+        <p:cNvGrpSpPr/>
+        <p:nvPr/>
+      </p:nvGrpSpPr>
+      <p:grpSpPr>
+        <a:xfrm>
+          <a:off x="0" y="0"/>
+          <a:ext cx="0" cy="0"/>
+          <a:chOff x="0" y="0"/>
+          <a:chExt cx="0" cy="0"/>
+        </a:xfrm>
+      </p:grpSpPr>
+      <p:sp>
+        <p:nvSpPr>
+          <p:cNvPr id="5" name="內容版面配置區 4"/>
+          <p:cNvSpPr>
+            <a:spLocks noGrp="1"/>
+          </p:cNvSpPr>
+          <p:nvPr>
+            <p:ph idx="1"/>
+          </p:nvPr>
+        </p:nvSpPr>
+        <p:spPr>
+          <a:xfrm>
+            <a:off x="0" y="2084851"/>
+            <a:ext cx="12192000" cy="2404863"/>
+          </a:xfrm>
+        </p:spPr>
+        <p:txBody>
+          <a:bodyPr anchor="ctr">
             <a:normAutofit/>
           </a:bodyPr>
           <a:lstStyle/>
           <a:p>
-            <a:r>
-              <a:rPr lang="zh-CN" altLang="en-US" sz="4800" b="1" dirty="0" smtClean="0">
-                <a:solidFill>
-                  <a:srgbClr val="002060"/>
-                </a:solidFill>
-                <a:latin typeface="Microsoft JhengHei" panose="020B0604030504040204" pitchFamily="34" charset="-120"/>
-                <a:ea typeface="Microsoft JhengHei" panose="020B0604030504040204" pitchFamily="34" charset="-120"/>
+            <a:pPr marL="0" indent="0" algn="ctr">
+              <a:buNone/>
+            </a:pPr>
+            <a:r>
+              <a:rPr lang="zh-CN" altLang="en-US" sz="6400" b="1" dirty="0">
+                <a:solidFill>
+                  <a:srgbClr val="660033"/>
+                </a:solidFill>
+                <a:effectLst/>
+                <a:latin typeface="Microsoft JhengHei" pitchFamily="34" charset="-120"/>
+                <a:ea typeface="Microsoft JhengHei" pitchFamily="34" charset="-120"/>
               </a:rPr>
-              <a:t>昨日今日直到永遠</a:t>
-            </a:r>
-            <a:endParaRPr lang="vi-VN" sz="4800" b="1" dirty="0">
+              <a:t>主會伸手顯出大能  醫治痛苦人</a:t>
+            </a:r>
+            <a:endParaRPr lang="en-US" altLang="zh-CN" sz="6400" b="1" dirty="0">
               <a:solidFill>
-                <a:srgbClr val="002060"/>
+                <a:srgbClr val="660033"/>
               </a:solidFill>
-              <a:ea typeface="Microsoft JhengHei" panose="020B0604030504040204" pitchFamily="34" charset="-120"/>
+              <a:effectLst/>
+              <a:latin typeface="Microsoft JhengHei" pitchFamily="34" charset="-120"/>
+              <a:ea typeface="Microsoft JhengHei" pitchFamily="34" charset="-120"/>
             </a:endParaRPr>
           </a:p>
-        </p:txBody>
-      </p:sp>
-      <p:sp>
-        <p:nvSpPr>
-          <p:cNvPr id="3" name="Content Placeholder 2"/>
-          <p:cNvSpPr>
-            <a:spLocks noGrp="1"/>
-          </p:cNvSpPr>
-          <p:nvPr>
-            <p:ph idx="1"/>
-          </p:nvPr>
-        </p:nvSpPr>
-        <p:spPr/>
-        <p:txBody>
-          <a:bodyPr>
-            <a:normAutofit/>
-          </a:bodyPr>
-          <a:lstStyle/>
           <a:p>
             <a:pPr marL="0" indent="0" algn="ctr">
               <a:buNone/>
             </a:pPr>
             <a:r>
-              <a:rPr lang="zh-CN" altLang="en-US" sz="5400" b="1" dirty="0" smtClean="0">
-                <a:solidFill>
-                  <a:srgbClr val="002060"/>
-                </a:solidFill>
-                <a:latin typeface="Microsoft JhengHei" panose="020B0604030504040204" pitchFamily="34" charset="-120"/>
-                <a:ea typeface="Microsoft JhengHei" panose="020B0604030504040204" pitchFamily="34" charset="-120"/>
+              <a:rPr lang="zh-CN" altLang="en-US" sz="6400" b="1" dirty="0">
+                <a:solidFill>
+                  <a:srgbClr val="660033"/>
+                </a:solidFill>
+                <a:effectLst/>
+                <a:latin typeface="Microsoft JhengHei" pitchFamily="34" charset="-120"/>
+                <a:ea typeface="Microsoft JhengHei" pitchFamily="34" charset="-120"/>
               </a:rPr>
-              <a:t>奇哉榮哉美好消息  放懷自聽見</a:t>
-            </a:r>
-            <a:endParaRPr lang="en-US" altLang="zh-CN" sz="5400" b="1" dirty="0" smtClean="0">
+              <a:t>今我諸般疾病憂傷  皆聽主命令</a:t>
+            </a:r>
+            <a:endParaRPr lang="en-US" altLang="zh-CN" sz="6400" b="1" dirty="0">
               <a:solidFill>
-                <a:srgbClr val="002060"/>
+                <a:srgbClr val="660033"/>
               </a:solidFill>
-              <a:latin typeface="Microsoft JhengHei" panose="020B0604030504040204" pitchFamily="34" charset="-120"/>
-              <a:ea typeface="Microsoft JhengHei" panose="020B0604030504040204" pitchFamily="34" charset="-120"/>
+              <a:effectLst/>
+              <a:latin typeface="Microsoft JhengHei" pitchFamily="34" charset="-120"/>
+              <a:ea typeface="Microsoft JhengHei" pitchFamily="34" charset="-120"/>
             </a:endParaRPr>
           </a:p>
-          <a:p>
-            <a:pPr marL="0" indent="0" algn="ctr">
-              <a:buNone/>
-            </a:pPr>
-            <a:r>
-              <a:rPr lang="zh-CN" altLang="en-US" sz="5400" b="1" dirty="0">
-                <a:solidFill>
-                  <a:srgbClr val="002060"/>
-                </a:solidFill>
-                <a:latin typeface="Microsoft JhengHei" panose="020B0604030504040204" pitchFamily="34" charset="-120"/>
-                <a:ea typeface="Microsoft JhengHei" panose="020B0604030504040204" pitchFamily="34" charset="-120"/>
-              </a:rPr>
-              <a:t>昨日今日直到永</a:t>
-            </a:r>
-            <a:r>
-              <a:rPr lang="zh-CN" altLang="en-US" sz="5400" b="1" dirty="0" smtClean="0">
-                <a:solidFill>
-                  <a:srgbClr val="002060"/>
-                </a:solidFill>
-                <a:latin typeface="Microsoft JhengHei" panose="020B0604030504040204" pitchFamily="34" charset="-120"/>
-                <a:ea typeface="Microsoft JhengHei" panose="020B0604030504040204" pitchFamily="34" charset="-120"/>
-              </a:rPr>
-              <a:t>遠  耶穌不改變</a:t>
-            </a:r>
-            <a:endParaRPr lang="en-US" altLang="zh-CN" sz="5400" b="1" dirty="0" smtClean="0">
-              <a:solidFill>
-                <a:srgbClr val="002060"/>
-              </a:solidFill>
-              <a:latin typeface="Microsoft JhengHei" panose="020B0604030504040204" pitchFamily="34" charset="-120"/>
-              <a:ea typeface="Microsoft JhengHei" panose="020B0604030504040204" pitchFamily="34" charset="-120"/>
-            </a:endParaRPr>
-          </a:p>
-          <a:p>
-            <a:pPr marL="0" indent="0" algn="ctr">
-              <a:buNone/>
-            </a:pPr>
-            <a:r>
-              <a:rPr lang="zh-CN" altLang="en-US" sz="5400" b="1" dirty="0">
-                <a:solidFill>
-                  <a:srgbClr val="002060"/>
-                </a:solidFill>
-                <a:latin typeface="Microsoft JhengHei" panose="020B0604030504040204" pitchFamily="34" charset="-120"/>
-                <a:ea typeface="Microsoft JhengHei" panose="020B0604030504040204" pitchFamily="34" charset="-120"/>
-              </a:rPr>
-              <a:t>仍</a:t>
-            </a:r>
-            <a:r>
-              <a:rPr lang="zh-CN" altLang="en-US" sz="5400" b="1" dirty="0" smtClean="0">
-                <a:solidFill>
-                  <a:srgbClr val="002060"/>
-                </a:solidFill>
-                <a:latin typeface="Microsoft JhengHei" panose="020B0604030504040204" pitchFamily="34" charset="-120"/>
-                <a:ea typeface="Microsoft JhengHei" panose="020B0604030504040204" pitchFamily="34" charset="-120"/>
-              </a:rPr>
-              <a:t>然願意拯救罪人  並治諸疾病</a:t>
-            </a:r>
-            <a:endParaRPr lang="en-US" altLang="zh-CN" sz="5400" b="1" dirty="0" smtClean="0">
-              <a:solidFill>
-                <a:srgbClr val="002060"/>
-              </a:solidFill>
-              <a:latin typeface="Microsoft JhengHei" panose="020B0604030504040204" pitchFamily="34" charset="-120"/>
-              <a:ea typeface="Microsoft JhengHei" panose="020B0604030504040204" pitchFamily="34" charset="-120"/>
-            </a:endParaRPr>
-          </a:p>
-          <a:p>
-            <a:pPr marL="0" indent="0" algn="ctr">
-              <a:buNone/>
-            </a:pPr>
-            <a:r>
-              <a:rPr lang="zh-CN" altLang="en-US" sz="5400" b="1" dirty="0">
-                <a:solidFill>
-                  <a:srgbClr val="002060"/>
-                </a:solidFill>
-                <a:latin typeface="Microsoft JhengHei" panose="020B0604030504040204" pitchFamily="34" charset="-120"/>
-                <a:ea typeface="Microsoft JhengHei" panose="020B0604030504040204" pitchFamily="34" charset="-120"/>
-              </a:rPr>
-              <a:t>安</a:t>
-            </a:r>
-            <a:r>
-              <a:rPr lang="zh-CN" altLang="en-US" sz="5400" b="1" dirty="0" smtClean="0">
-                <a:solidFill>
-                  <a:srgbClr val="002060"/>
-                </a:solidFill>
-                <a:latin typeface="Microsoft JhengHei" panose="020B0604030504040204" pitchFamily="34" charset="-120"/>
-                <a:ea typeface="Microsoft JhengHei" panose="020B0604030504040204" pitchFamily="34" charset="-120"/>
-              </a:rPr>
-              <a:t>慰傷者平靜風浪  榮耀歸主名</a:t>
-            </a:r>
-            <a:endParaRPr lang="vi-VN" sz="5400" b="1" dirty="0">
-              <a:solidFill>
-                <a:srgbClr val="002060"/>
-              </a:solidFill>
-              <a:ea typeface="Microsoft JhengHei" panose="020B0604030504040204" pitchFamily="34" charset="-120"/>
-            </a:endParaRPr>
-          </a:p>
-        </p:txBody>
-      </p:sp>
-      <p:sp>
-        <p:nvSpPr>
-          <p:cNvPr id="4" name="TextBox 3"/>
+        </p:txBody>
+      </p:sp>
+      <p:sp>
+        <p:nvSpPr>
+          <p:cNvPr id="3" name="TextBox 2"/>
           <p:cNvSpPr txBox="1"/>
           <p:nvPr/>
         </p:nvSpPr>
         <p:spPr>
           <a:xfrm>
-            <a:off x="251460" y="1680211"/>
-            <a:ext cx="960120" cy="923330"/>
+            <a:off x="0" y="5061182"/>
+            <a:ext cx="12192000" cy="830997"/>
           </a:xfrm>
           <a:prstGeom prst="rect">
             <a:avLst/>
@@ -3328,18 +3413,21 @@
           </a:bodyPr>
           <a:lstStyle/>
           <a:p>
-            <a:r>
-              <a:rPr lang="en-US" sz="5400" b="1" dirty="0" smtClean="0">
-                <a:solidFill>
-                  <a:srgbClr val="002060"/>
-                </a:solidFill>
+            <a:pPr algn="ctr"/>
+            <a:r>
+              <a:rPr lang="en-US" sz="4800" b="1" dirty="0">
+                <a:solidFill>
+                  <a:srgbClr val="660033"/>
+                </a:solidFill>
+                <a:effectLst/>
               </a:rPr>
-              <a:t>1.</a:t>
-            </a:r>
-            <a:endParaRPr lang="vi-VN" sz="5400" b="1" dirty="0">
+              <a:t>( 3 )</a:t>
+            </a:r>
+            <a:endParaRPr lang="vi-VN" sz="4800" b="1" dirty="0">
               <a:solidFill>
-                <a:srgbClr val="002060"/>
+                <a:srgbClr val="660033"/>
               </a:solidFill>
+              <a:effectLst/>
             </a:endParaRPr>
           </a:p>
         </p:txBody>
@@ -3347,13 +3435,963 @@
     </p:spTree>
     <p:extLst>
       <p:ext uri="{BB962C8B-B14F-4D97-AF65-F5344CB8AC3E}">
-        <p14:creationId xmlns:p14="http://schemas.microsoft.com/office/powerpoint/2010/main" xmlns="" val="3615714497"/>
+        <p14:creationId xmlns:p14="http://schemas.microsoft.com/office/powerpoint/2010/main" val="620808230"/>
       </p:ext>
     </p:extLst>
   </p:cSld>
   <p:clrMapOvr>
     <a:masterClrMapping/>
   </p:clrMapOvr>
+  <p:timing>
+    <p:tnLst>
+      <p:par>
+        <p:cTn id="1" dur="indefinite" restart="never" nodeType="tmRoot"/>
+      </p:par>
+    </p:tnLst>
+  </p:timing>
+</p:sld>
+</file>
+
+<file path=ppt/slides/slide11.xml><?xml version="1.0" encoding="utf-8"?>
+<p:sld xmlns:a="http://schemas.openxmlformats.org/drawingml/2006/main" xmlns:r="http://schemas.openxmlformats.org/officeDocument/2006/relationships" xmlns:p="http://schemas.openxmlformats.org/presentationml/2006/main">
+  <p:cSld>
+    <p:spTree>
+      <p:nvGrpSpPr>
+        <p:cNvPr id="1" name=""/>
+        <p:cNvGrpSpPr/>
+        <p:nvPr/>
+      </p:nvGrpSpPr>
+      <p:grpSpPr>
+        <a:xfrm>
+          <a:off x="0" y="0"/>
+          <a:ext cx="0" cy="0"/>
+          <a:chOff x="0" y="0"/>
+          <a:chExt cx="0" cy="0"/>
+        </a:xfrm>
+      </p:grpSpPr>
+      <p:sp>
+        <p:nvSpPr>
+          <p:cNvPr id="5" name="內容版面配置區 4"/>
+          <p:cNvSpPr>
+            <a:spLocks noGrp="1"/>
+          </p:cNvSpPr>
+          <p:nvPr>
+            <p:ph idx="1"/>
+          </p:nvPr>
+        </p:nvSpPr>
+        <p:spPr>
+          <a:xfrm>
+            <a:off x="0" y="2084851"/>
+            <a:ext cx="12192000" cy="2404863"/>
+          </a:xfrm>
+        </p:spPr>
+        <p:txBody>
+          <a:bodyPr anchor="ctr">
+            <a:normAutofit/>
+          </a:bodyPr>
+          <a:lstStyle/>
+          <a:p>
+            <a:pPr marL="0" indent="0" algn="ctr">
+              <a:buNone/>
+            </a:pPr>
+            <a:r>
+              <a:rPr lang="zh-CN" altLang="en-US" sz="6400" b="1" dirty="0">
+                <a:solidFill>
+                  <a:srgbClr val="660033"/>
+                </a:solidFill>
+                <a:effectLst/>
+                <a:latin typeface="Microsoft JhengHei" pitchFamily="34" charset="-120"/>
+                <a:ea typeface="Microsoft JhengHei" pitchFamily="34" charset="-120"/>
+              </a:rPr>
+              <a:t>當日婦人一摸主衣  即時得醫痊</a:t>
+            </a:r>
+            <a:endParaRPr lang="en-US" altLang="zh-CN" sz="6400" b="1" dirty="0">
+              <a:solidFill>
+                <a:srgbClr val="660033"/>
+              </a:solidFill>
+              <a:effectLst/>
+              <a:latin typeface="Microsoft JhengHei" pitchFamily="34" charset="-120"/>
+              <a:ea typeface="Microsoft JhengHei" pitchFamily="34" charset="-120"/>
+            </a:endParaRPr>
+          </a:p>
+          <a:p>
+            <a:pPr marL="0" indent="0" algn="ctr">
+              <a:buNone/>
+            </a:pPr>
+            <a:r>
+              <a:rPr lang="zh-CN" altLang="en-US" sz="6400" b="1" dirty="0">
+                <a:solidFill>
+                  <a:srgbClr val="660033"/>
+                </a:solidFill>
+                <a:effectLst/>
+                <a:latin typeface="Microsoft JhengHei" pitchFamily="34" charset="-120"/>
+                <a:ea typeface="Microsoft JhengHei" pitchFamily="34" charset="-120"/>
+              </a:rPr>
+              <a:t>今日因信接主恩典  主仍醫完全</a:t>
+            </a:r>
+            <a:endParaRPr lang="vi-VN" sz="6400" b="1" dirty="0">
+              <a:solidFill>
+                <a:srgbClr val="660033"/>
+              </a:solidFill>
+              <a:effectLst/>
+              <a:latin typeface="Microsoft JhengHei" pitchFamily="34" charset="-120"/>
+              <a:ea typeface="Microsoft JhengHei" pitchFamily="34" charset="-120"/>
+            </a:endParaRPr>
+          </a:p>
+        </p:txBody>
+      </p:sp>
+      <p:sp>
+        <p:nvSpPr>
+          <p:cNvPr id="3" name="TextBox 2"/>
+          <p:cNvSpPr txBox="1"/>
+          <p:nvPr/>
+        </p:nvSpPr>
+        <p:spPr>
+          <a:xfrm>
+            <a:off x="0" y="5061182"/>
+            <a:ext cx="12192000" cy="830997"/>
+          </a:xfrm>
+          <a:prstGeom prst="rect">
+            <a:avLst/>
+          </a:prstGeom>
+          <a:noFill/>
+        </p:spPr>
+        <p:txBody>
+          <a:bodyPr wrap="square" rtlCol="0">
+            <a:spAutoFit/>
+          </a:bodyPr>
+          <a:lstStyle/>
+          <a:p>
+            <a:pPr algn="ctr"/>
+            <a:r>
+              <a:rPr lang="en-US" sz="4800" b="1" dirty="0">
+                <a:solidFill>
+                  <a:srgbClr val="660033"/>
+                </a:solidFill>
+                <a:effectLst/>
+              </a:rPr>
+              <a:t>( 3 )</a:t>
+            </a:r>
+            <a:endParaRPr lang="vi-VN" sz="4800" b="1" dirty="0">
+              <a:solidFill>
+                <a:srgbClr val="660033"/>
+              </a:solidFill>
+              <a:effectLst/>
+            </a:endParaRPr>
+          </a:p>
+        </p:txBody>
+      </p:sp>
+    </p:spTree>
+    <p:extLst>
+      <p:ext uri="{BB962C8B-B14F-4D97-AF65-F5344CB8AC3E}">
+        <p14:creationId xmlns:p14="http://schemas.microsoft.com/office/powerpoint/2010/main" val="4132036253"/>
+      </p:ext>
+    </p:extLst>
+  </p:cSld>
+  <p:clrMapOvr>
+    <a:masterClrMapping/>
+  </p:clrMapOvr>
+  <p:timing>
+    <p:tnLst>
+      <p:par>
+        <p:cTn id="1" dur="indefinite" restart="never" nodeType="tmRoot"/>
+      </p:par>
+    </p:tnLst>
+  </p:timing>
+</p:sld>
+</file>
+
+<file path=ppt/slides/slide12.xml><?xml version="1.0" encoding="utf-8"?>
+<p:sld xmlns:a="http://schemas.openxmlformats.org/drawingml/2006/main" xmlns:r="http://schemas.openxmlformats.org/officeDocument/2006/relationships" xmlns:p="http://schemas.openxmlformats.org/presentationml/2006/main">
+  <p:cSld>
+    <p:spTree>
+      <p:nvGrpSpPr>
+        <p:cNvPr id="1" name=""/>
+        <p:cNvGrpSpPr/>
+        <p:nvPr/>
+      </p:nvGrpSpPr>
+      <p:grpSpPr>
+        <a:xfrm>
+          <a:off x="0" y="0"/>
+          <a:ext cx="0" cy="0"/>
+          <a:chOff x="0" y="0"/>
+          <a:chExt cx="0" cy="0"/>
+        </a:xfrm>
+      </p:grpSpPr>
+      <p:sp>
+        <p:nvSpPr>
+          <p:cNvPr id="5" name="內容版面配置區 4"/>
+          <p:cNvSpPr>
+            <a:spLocks noGrp="1"/>
+          </p:cNvSpPr>
+          <p:nvPr>
+            <p:ph idx="1"/>
+          </p:nvPr>
+        </p:nvSpPr>
+        <p:spPr>
+          <a:xfrm>
+            <a:off x="0" y="2084851"/>
+            <a:ext cx="12192000" cy="2404863"/>
+          </a:xfrm>
+        </p:spPr>
+        <p:txBody>
+          <a:bodyPr anchor="ctr">
+            <a:normAutofit/>
+          </a:bodyPr>
+          <a:lstStyle/>
+          <a:p>
+            <a:pPr marL="0" indent="0" algn="ctr">
+              <a:buNone/>
+            </a:pPr>
+            <a:r>
+              <a:rPr lang="zh-CN" altLang="en-US" sz="6400" b="1" dirty="0">
+                <a:solidFill>
+                  <a:srgbClr val="660033"/>
+                </a:solidFill>
+                <a:effectLst/>
+                <a:latin typeface="Microsoft JhengHei" pitchFamily="34" charset="-120"/>
+                <a:ea typeface="Microsoft JhengHei" pitchFamily="34" charset="-120"/>
+              </a:rPr>
+              <a:t>昨日今日直到永遠  耶穌不改變</a:t>
+            </a:r>
+            <a:endParaRPr lang="en-US" altLang="zh-CN" sz="6400" b="1" dirty="0">
+              <a:solidFill>
+                <a:srgbClr val="660033"/>
+              </a:solidFill>
+              <a:effectLst/>
+              <a:latin typeface="Microsoft JhengHei" pitchFamily="34" charset="-120"/>
+              <a:ea typeface="Microsoft JhengHei" pitchFamily="34" charset="-120"/>
+            </a:endParaRPr>
+          </a:p>
+          <a:p>
+            <a:pPr marL="0" indent="0" algn="ctr">
+              <a:buNone/>
+            </a:pPr>
+            <a:r>
+              <a:rPr lang="zh-CN" altLang="en-US" sz="6400" b="1" dirty="0">
+                <a:solidFill>
+                  <a:srgbClr val="660033"/>
+                </a:solidFill>
+                <a:effectLst/>
+                <a:latin typeface="Microsoft JhengHei" pitchFamily="34" charset="-120"/>
+                <a:ea typeface="Microsoft JhengHei" pitchFamily="34" charset="-120"/>
+              </a:rPr>
+              <a:t>父母兄弟都能離開  耶穌不改變</a:t>
+            </a:r>
+            <a:endParaRPr lang="en-US" altLang="zh-CN" sz="6400" b="1" dirty="0">
+              <a:solidFill>
+                <a:srgbClr val="660033"/>
+              </a:solidFill>
+              <a:effectLst/>
+              <a:latin typeface="Microsoft JhengHei" pitchFamily="34" charset="-120"/>
+              <a:ea typeface="Microsoft JhengHei" pitchFamily="34" charset="-120"/>
+            </a:endParaRPr>
+          </a:p>
+        </p:txBody>
+      </p:sp>
+    </p:spTree>
+    <p:extLst>
+      <p:ext uri="{BB962C8B-B14F-4D97-AF65-F5344CB8AC3E}">
+        <p14:creationId xmlns:p14="http://schemas.microsoft.com/office/powerpoint/2010/main" val="3119750975"/>
+      </p:ext>
+    </p:extLst>
+  </p:cSld>
+  <p:clrMapOvr>
+    <a:masterClrMapping/>
+  </p:clrMapOvr>
+  <p:timing>
+    <p:tnLst>
+      <p:par>
+        <p:cTn id="1" dur="indefinite" restart="never" nodeType="tmRoot"/>
+      </p:par>
+    </p:tnLst>
+  </p:timing>
+</p:sld>
+</file>
+
+<file path=ppt/slides/slide13.xml><?xml version="1.0" encoding="utf-8"?>
+<p:sld xmlns:a="http://schemas.openxmlformats.org/drawingml/2006/main" xmlns:r="http://schemas.openxmlformats.org/officeDocument/2006/relationships" xmlns:p="http://schemas.openxmlformats.org/presentationml/2006/main">
+  <p:cSld>
+    <p:spTree>
+      <p:nvGrpSpPr>
+        <p:cNvPr id="1" name=""/>
+        <p:cNvGrpSpPr/>
+        <p:nvPr/>
+      </p:nvGrpSpPr>
+      <p:grpSpPr>
+        <a:xfrm>
+          <a:off x="0" y="0"/>
+          <a:ext cx="0" cy="0"/>
+          <a:chOff x="0" y="0"/>
+          <a:chExt cx="0" cy="0"/>
+        </a:xfrm>
+      </p:grpSpPr>
+      <p:sp>
+        <p:nvSpPr>
+          <p:cNvPr id="5" name="內容版面配置區 4"/>
+          <p:cNvSpPr>
+            <a:spLocks noGrp="1"/>
+          </p:cNvSpPr>
+          <p:nvPr>
+            <p:ph idx="1"/>
+          </p:nvPr>
+        </p:nvSpPr>
+        <p:spPr>
+          <a:xfrm>
+            <a:off x="0" y="2084851"/>
+            <a:ext cx="12192000" cy="2404863"/>
+          </a:xfrm>
+        </p:spPr>
+        <p:txBody>
+          <a:bodyPr anchor="ctr">
+            <a:normAutofit/>
+          </a:bodyPr>
+          <a:lstStyle/>
+          <a:p>
+            <a:pPr marL="0" indent="0" algn="ctr">
+              <a:buNone/>
+            </a:pPr>
+            <a:r>
+              <a:rPr lang="zh-CN" altLang="en-US" sz="6400" b="1" dirty="0">
+                <a:solidFill>
+                  <a:srgbClr val="660033"/>
+                </a:solidFill>
+                <a:effectLst/>
+                <a:latin typeface="Microsoft JhengHei" pitchFamily="34" charset="-120"/>
+                <a:ea typeface="Microsoft JhengHei" pitchFamily="34" charset="-120"/>
+              </a:rPr>
+              <a:t>耶穌不改變  耶穌不改變</a:t>
+            </a:r>
+            <a:endParaRPr lang="en-US" altLang="zh-CN" sz="6400" b="1" dirty="0">
+              <a:solidFill>
+                <a:srgbClr val="660033"/>
+              </a:solidFill>
+              <a:effectLst/>
+              <a:latin typeface="Microsoft JhengHei" pitchFamily="34" charset="-120"/>
+              <a:ea typeface="Microsoft JhengHei" pitchFamily="34" charset="-120"/>
+            </a:endParaRPr>
+          </a:p>
+          <a:p>
+            <a:pPr marL="0" indent="0" algn="ctr">
+              <a:buNone/>
+            </a:pPr>
+            <a:r>
+              <a:rPr lang="zh-CN" altLang="en-US" sz="6400" b="1" dirty="0">
+                <a:solidFill>
+                  <a:srgbClr val="660033"/>
+                </a:solidFill>
+                <a:effectLst/>
+                <a:latin typeface="Microsoft JhengHei" pitchFamily="34" charset="-120"/>
+                <a:ea typeface="Microsoft JhengHei" pitchFamily="34" charset="-120"/>
+              </a:rPr>
+              <a:t>天地萬物都</a:t>
+            </a:r>
+            <a:r>
+              <a:rPr lang="zh-CN" altLang="en-US" sz="6400" b="1" dirty="0">
+                <a:solidFill>
+                  <a:srgbClr val="660033"/>
+                </a:solidFill>
+                <a:latin typeface="Microsoft JhengHei" pitchFamily="34" charset="-120"/>
+                <a:ea typeface="Microsoft JhengHei" pitchFamily="34" charset="-120"/>
+              </a:rPr>
+              <a:t>可廢壞</a:t>
+            </a:r>
+            <a:r>
+              <a:rPr lang="en-US" altLang="zh-CN" sz="6400" b="1" dirty="0" smtClean="0">
+                <a:solidFill>
+                  <a:srgbClr val="660033"/>
+                </a:solidFill>
+                <a:effectLst/>
+                <a:latin typeface="Microsoft JhengHei" pitchFamily="34" charset="-120"/>
+                <a:ea typeface="Microsoft JhengHei" pitchFamily="34" charset="-120"/>
+              </a:rPr>
+              <a:t>  </a:t>
+            </a:r>
+            <a:r>
+              <a:rPr lang="zh-CN" altLang="en-US" sz="6400" b="1" dirty="0">
+                <a:solidFill>
+                  <a:srgbClr val="660033"/>
+                </a:solidFill>
+                <a:effectLst/>
+                <a:latin typeface="Microsoft JhengHei" pitchFamily="34" charset="-120"/>
+                <a:ea typeface="Microsoft JhengHei" pitchFamily="34" charset="-120"/>
+              </a:rPr>
+              <a:t>耶穌不改變</a:t>
+            </a:r>
+            <a:endParaRPr lang="vi-VN" sz="6400" b="1" dirty="0">
+              <a:solidFill>
+                <a:srgbClr val="660033"/>
+              </a:solidFill>
+              <a:effectLst/>
+              <a:latin typeface="Microsoft JhengHei" pitchFamily="34" charset="-120"/>
+              <a:ea typeface="Microsoft JhengHei" pitchFamily="34" charset="-120"/>
+            </a:endParaRPr>
+          </a:p>
+        </p:txBody>
+      </p:sp>
+    </p:spTree>
+    <p:extLst>
+      <p:ext uri="{BB962C8B-B14F-4D97-AF65-F5344CB8AC3E}">
+        <p14:creationId xmlns:p14="http://schemas.microsoft.com/office/powerpoint/2010/main" val="389981470"/>
+      </p:ext>
+    </p:extLst>
+  </p:cSld>
+  <p:clrMapOvr>
+    <a:masterClrMapping/>
+  </p:clrMapOvr>
+  <p:timing>
+    <p:tnLst>
+      <p:par>
+        <p:cTn id="1" dur="indefinite" restart="never" nodeType="tmRoot"/>
+      </p:par>
+    </p:tnLst>
+  </p:timing>
+</p:sld>
+</file>
+
+<file path=ppt/slides/slide14.xml><?xml version="1.0" encoding="utf-8"?>
+<p:sld xmlns:a="http://schemas.openxmlformats.org/drawingml/2006/main" xmlns:r="http://schemas.openxmlformats.org/officeDocument/2006/relationships" xmlns:p="http://schemas.openxmlformats.org/presentationml/2006/main">
+  <p:cSld>
+    <p:spTree>
+      <p:nvGrpSpPr>
+        <p:cNvPr id="1" name=""/>
+        <p:cNvGrpSpPr/>
+        <p:nvPr/>
+      </p:nvGrpSpPr>
+      <p:grpSpPr>
+        <a:xfrm>
+          <a:off x="0" y="0"/>
+          <a:ext cx="0" cy="0"/>
+          <a:chOff x="0" y="0"/>
+          <a:chExt cx="0" cy="0"/>
+        </a:xfrm>
+      </p:grpSpPr>
+      <p:sp>
+        <p:nvSpPr>
+          <p:cNvPr id="5" name="內容版面配置區 4"/>
+          <p:cNvSpPr>
+            <a:spLocks noGrp="1"/>
+          </p:cNvSpPr>
+          <p:nvPr>
+            <p:ph idx="1"/>
+          </p:nvPr>
+        </p:nvSpPr>
+        <p:spPr>
+          <a:xfrm>
+            <a:off x="0" y="2084851"/>
+            <a:ext cx="12192000" cy="2404863"/>
+          </a:xfrm>
+        </p:spPr>
+        <p:txBody>
+          <a:bodyPr anchor="ctr">
+            <a:normAutofit/>
+          </a:bodyPr>
+          <a:lstStyle/>
+          <a:p>
+            <a:pPr marL="0" indent="0" algn="ctr">
+              <a:buNone/>
+            </a:pPr>
+            <a:r>
+              <a:rPr lang="zh-CN" altLang="en-US" sz="6400" b="1" dirty="0">
+                <a:solidFill>
+                  <a:srgbClr val="660033"/>
+                </a:solidFill>
+                <a:effectLst/>
+                <a:latin typeface="Microsoft JhengHei" pitchFamily="34" charset="-120"/>
+                <a:ea typeface="Microsoft JhengHei" pitchFamily="34" charset="-120"/>
+              </a:rPr>
+              <a:t>主嘗走在以馬忤路  同走有門徒</a:t>
+            </a:r>
+            <a:endParaRPr lang="en-US" altLang="zh-CN" sz="6400" b="1" dirty="0">
+              <a:solidFill>
+                <a:srgbClr val="660033"/>
+              </a:solidFill>
+              <a:effectLst/>
+              <a:latin typeface="Microsoft JhengHei" pitchFamily="34" charset="-120"/>
+              <a:ea typeface="Microsoft JhengHei" pitchFamily="34" charset="-120"/>
+            </a:endParaRPr>
+          </a:p>
+          <a:p>
+            <a:pPr marL="0" indent="0" algn="ctr">
+              <a:buNone/>
+            </a:pPr>
+            <a:r>
+              <a:rPr lang="zh-CN" altLang="en-US" sz="6400" b="1" dirty="0">
+                <a:solidFill>
+                  <a:srgbClr val="660033"/>
+                </a:solidFill>
+                <a:effectLst/>
+                <a:latin typeface="Microsoft JhengHei" pitchFamily="34" charset="-120"/>
+                <a:ea typeface="Microsoft JhengHei" pitchFamily="34" charset="-120"/>
+              </a:rPr>
+              <a:t>今主與我一生走路  不離我一步</a:t>
+            </a:r>
+            <a:endParaRPr lang="en-US" altLang="zh-CN" sz="6400" b="1" dirty="0">
+              <a:solidFill>
+                <a:srgbClr val="660033"/>
+              </a:solidFill>
+              <a:effectLst/>
+              <a:latin typeface="Microsoft JhengHei" pitchFamily="34" charset="-120"/>
+              <a:ea typeface="Microsoft JhengHei" pitchFamily="34" charset="-120"/>
+            </a:endParaRPr>
+          </a:p>
+        </p:txBody>
+      </p:sp>
+      <p:sp>
+        <p:nvSpPr>
+          <p:cNvPr id="3" name="TextBox 2"/>
+          <p:cNvSpPr txBox="1"/>
+          <p:nvPr/>
+        </p:nvSpPr>
+        <p:spPr>
+          <a:xfrm>
+            <a:off x="0" y="5061182"/>
+            <a:ext cx="12192000" cy="830997"/>
+          </a:xfrm>
+          <a:prstGeom prst="rect">
+            <a:avLst/>
+          </a:prstGeom>
+          <a:noFill/>
+        </p:spPr>
+        <p:txBody>
+          <a:bodyPr wrap="square" rtlCol="0">
+            <a:spAutoFit/>
+          </a:bodyPr>
+          <a:lstStyle/>
+          <a:p>
+            <a:pPr algn="ctr"/>
+            <a:r>
+              <a:rPr lang="en-US" sz="4800" b="1" dirty="0">
+                <a:solidFill>
+                  <a:srgbClr val="660033"/>
+                </a:solidFill>
+                <a:effectLst/>
+              </a:rPr>
+              <a:t>( 4 )</a:t>
+            </a:r>
+            <a:endParaRPr lang="vi-VN" sz="4800" b="1" dirty="0">
+              <a:solidFill>
+                <a:srgbClr val="660033"/>
+              </a:solidFill>
+              <a:effectLst/>
+            </a:endParaRPr>
+          </a:p>
+        </p:txBody>
+      </p:sp>
+    </p:spTree>
+    <p:extLst>
+      <p:ext uri="{BB962C8B-B14F-4D97-AF65-F5344CB8AC3E}">
+        <p14:creationId xmlns:p14="http://schemas.microsoft.com/office/powerpoint/2010/main" val="4094895696"/>
+      </p:ext>
+    </p:extLst>
+  </p:cSld>
+  <p:clrMapOvr>
+    <a:masterClrMapping/>
+  </p:clrMapOvr>
+  <p:timing>
+    <p:tnLst>
+      <p:par>
+        <p:cTn id="1" dur="indefinite" restart="never" nodeType="tmRoot"/>
+      </p:par>
+    </p:tnLst>
+  </p:timing>
+</p:sld>
+</file>
+
+<file path=ppt/slides/slide15.xml><?xml version="1.0" encoding="utf-8"?>
+<p:sld xmlns:a="http://schemas.openxmlformats.org/drawingml/2006/main" xmlns:r="http://schemas.openxmlformats.org/officeDocument/2006/relationships" xmlns:p="http://schemas.openxmlformats.org/presentationml/2006/main">
+  <p:cSld>
+    <p:spTree>
+      <p:nvGrpSpPr>
+        <p:cNvPr id="1" name=""/>
+        <p:cNvGrpSpPr/>
+        <p:nvPr/>
+      </p:nvGrpSpPr>
+      <p:grpSpPr>
+        <a:xfrm>
+          <a:off x="0" y="0"/>
+          <a:ext cx="0" cy="0"/>
+          <a:chOff x="0" y="0"/>
+          <a:chExt cx="0" cy="0"/>
+        </a:xfrm>
+      </p:grpSpPr>
+      <p:sp>
+        <p:nvSpPr>
+          <p:cNvPr id="5" name="內容版面配置區 4"/>
+          <p:cNvSpPr>
+            <a:spLocks noGrp="1"/>
+          </p:cNvSpPr>
+          <p:nvPr>
+            <p:ph idx="1"/>
+          </p:nvPr>
+        </p:nvSpPr>
+        <p:spPr>
+          <a:xfrm>
+            <a:off x="0" y="2084851"/>
+            <a:ext cx="12192000" cy="2404863"/>
+          </a:xfrm>
+        </p:spPr>
+        <p:txBody>
+          <a:bodyPr anchor="ctr">
+            <a:normAutofit/>
+          </a:bodyPr>
+          <a:lstStyle/>
+          <a:p>
+            <a:pPr marL="0" indent="0" algn="ctr">
+              <a:buNone/>
+            </a:pPr>
+            <a:r>
+              <a:rPr lang="zh-CN" altLang="en-US" sz="6400" b="1" dirty="0">
+                <a:solidFill>
+                  <a:srgbClr val="660033"/>
+                </a:solidFill>
+                <a:effectLst/>
+                <a:latin typeface="Microsoft JhengHei" pitchFamily="34" charset="-120"/>
+                <a:ea typeface="Microsoft JhengHei" pitchFamily="34" charset="-120"/>
+              </a:rPr>
+              <a:t>不久我將再見主面  願此日快現</a:t>
+            </a:r>
+            <a:endParaRPr lang="en-US" altLang="zh-CN" sz="6400" b="1" dirty="0">
+              <a:solidFill>
+                <a:srgbClr val="660033"/>
+              </a:solidFill>
+              <a:effectLst/>
+              <a:latin typeface="Microsoft JhengHei" pitchFamily="34" charset="-120"/>
+              <a:ea typeface="Microsoft JhengHei" pitchFamily="34" charset="-120"/>
+            </a:endParaRPr>
+          </a:p>
+          <a:p>
+            <a:pPr marL="0" indent="0" algn="ctr">
+              <a:buNone/>
+            </a:pPr>
+            <a:r>
+              <a:rPr lang="zh-CN" altLang="en-US" sz="6400" b="1" dirty="0">
+                <a:solidFill>
+                  <a:srgbClr val="660033"/>
+                </a:solidFill>
+                <a:effectLst/>
+                <a:latin typeface="Microsoft JhengHei" pitchFamily="34" charset="-120"/>
+                <a:ea typeface="Microsoft JhengHei" pitchFamily="34" charset="-120"/>
+              </a:rPr>
+              <a:t>然而耶穌仍是不變  無異在當年</a:t>
+            </a:r>
+            <a:endParaRPr lang="vi-VN" sz="6400" b="1" dirty="0">
+              <a:solidFill>
+                <a:srgbClr val="660033"/>
+              </a:solidFill>
+              <a:effectLst/>
+              <a:latin typeface="Microsoft JhengHei" pitchFamily="34" charset="-120"/>
+              <a:ea typeface="Microsoft JhengHei" pitchFamily="34" charset="-120"/>
+            </a:endParaRPr>
+          </a:p>
+        </p:txBody>
+      </p:sp>
+      <p:sp>
+        <p:nvSpPr>
+          <p:cNvPr id="3" name="TextBox 2"/>
+          <p:cNvSpPr txBox="1"/>
+          <p:nvPr/>
+        </p:nvSpPr>
+        <p:spPr>
+          <a:xfrm>
+            <a:off x="0" y="5061182"/>
+            <a:ext cx="12192000" cy="830997"/>
+          </a:xfrm>
+          <a:prstGeom prst="rect">
+            <a:avLst/>
+          </a:prstGeom>
+          <a:noFill/>
+        </p:spPr>
+        <p:txBody>
+          <a:bodyPr wrap="square" rtlCol="0">
+            <a:spAutoFit/>
+          </a:bodyPr>
+          <a:lstStyle/>
+          <a:p>
+            <a:pPr algn="ctr"/>
+            <a:r>
+              <a:rPr lang="en-US" sz="4800" b="1" dirty="0">
+                <a:solidFill>
+                  <a:srgbClr val="660033"/>
+                </a:solidFill>
+                <a:effectLst/>
+              </a:rPr>
+              <a:t>( 4 )</a:t>
+            </a:r>
+            <a:endParaRPr lang="vi-VN" sz="4800" b="1" dirty="0">
+              <a:solidFill>
+                <a:srgbClr val="660033"/>
+              </a:solidFill>
+              <a:effectLst/>
+            </a:endParaRPr>
+          </a:p>
+        </p:txBody>
+      </p:sp>
+    </p:spTree>
+    <p:extLst>
+      <p:ext uri="{BB962C8B-B14F-4D97-AF65-F5344CB8AC3E}">
+        <p14:creationId xmlns:p14="http://schemas.microsoft.com/office/powerpoint/2010/main" val="2831942456"/>
+      </p:ext>
+    </p:extLst>
+  </p:cSld>
+  <p:clrMapOvr>
+    <a:masterClrMapping/>
+  </p:clrMapOvr>
+  <p:timing>
+    <p:tnLst>
+      <p:par>
+        <p:cTn id="1" dur="indefinite" restart="never" nodeType="tmRoot"/>
+      </p:par>
+    </p:tnLst>
+  </p:timing>
+</p:sld>
+</file>
+
+<file path=ppt/slides/slide16.xml><?xml version="1.0" encoding="utf-8"?>
+<p:sld xmlns:a="http://schemas.openxmlformats.org/drawingml/2006/main" xmlns:r="http://schemas.openxmlformats.org/officeDocument/2006/relationships" xmlns:p="http://schemas.openxmlformats.org/presentationml/2006/main">
+  <p:cSld>
+    <p:spTree>
+      <p:nvGrpSpPr>
+        <p:cNvPr id="1" name=""/>
+        <p:cNvGrpSpPr/>
+        <p:nvPr/>
+      </p:nvGrpSpPr>
+      <p:grpSpPr>
+        <a:xfrm>
+          <a:off x="0" y="0"/>
+          <a:ext cx="0" cy="0"/>
+          <a:chOff x="0" y="0"/>
+          <a:chExt cx="0" cy="0"/>
+        </a:xfrm>
+      </p:grpSpPr>
+      <p:sp>
+        <p:nvSpPr>
+          <p:cNvPr id="5" name="內容版面配置區 4"/>
+          <p:cNvSpPr>
+            <a:spLocks noGrp="1"/>
+          </p:cNvSpPr>
+          <p:nvPr>
+            <p:ph idx="1"/>
+          </p:nvPr>
+        </p:nvSpPr>
+        <p:spPr>
+          <a:xfrm>
+            <a:off x="0" y="2084851"/>
+            <a:ext cx="12192000" cy="2404863"/>
+          </a:xfrm>
+        </p:spPr>
+        <p:txBody>
+          <a:bodyPr anchor="ctr">
+            <a:normAutofit/>
+          </a:bodyPr>
+          <a:lstStyle/>
+          <a:p>
+            <a:pPr marL="0" indent="0" algn="ctr">
+              <a:buNone/>
+            </a:pPr>
+            <a:r>
+              <a:rPr lang="zh-CN" altLang="en-US" sz="6400" b="1" dirty="0">
+                <a:solidFill>
+                  <a:srgbClr val="660033"/>
+                </a:solidFill>
+                <a:effectLst/>
+                <a:latin typeface="Microsoft JhengHei" pitchFamily="34" charset="-120"/>
+                <a:ea typeface="Microsoft JhengHei" pitchFamily="34" charset="-120"/>
+              </a:rPr>
+              <a:t>昨日今日直到永遠  耶穌不改變</a:t>
+            </a:r>
+            <a:endParaRPr lang="en-US" altLang="zh-CN" sz="6400" b="1" dirty="0">
+              <a:solidFill>
+                <a:srgbClr val="660033"/>
+              </a:solidFill>
+              <a:effectLst/>
+              <a:latin typeface="Microsoft JhengHei" pitchFamily="34" charset="-120"/>
+              <a:ea typeface="Microsoft JhengHei" pitchFamily="34" charset="-120"/>
+            </a:endParaRPr>
+          </a:p>
+          <a:p>
+            <a:pPr marL="0" indent="0" algn="ctr">
+              <a:buNone/>
+            </a:pPr>
+            <a:r>
+              <a:rPr lang="zh-CN" altLang="en-US" sz="6400" b="1" dirty="0">
+                <a:solidFill>
+                  <a:srgbClr val="660033"/>
+                </a:solidFill>
+                <a:effectLst/>
+                <a:latin typeface="Microsoft JhengHei" pitchFamily="34" charset="-120"/>
+                <a:ea typeface="Microsoft JhengHei" pitchFamily="34" charset="-120"/>
+              </a:rPr>
+              <a:t>父母兄弟都能離開  耶穌不改變</a:t>
+            </a:r>
+            <a:endParaRPr lang="en-US" altLang="zh-CN" sz="6400" b="1" dirty="0">
+              <a:solidFill>
+                <a:srgbClr val="660033"/>
+              </a:solidFill>
+              <a:effectLst/>
+              <a:latin typeface="Microsoft JhengHei" pitchFamily="34" charset="-120"/>
+              <a:ea typeface="Microsoft JhengHei" pitchFamily="34" charset="-120"/>
+            </a:endParaRPr>
+          </a:p>
+        </p:txBody>
+      </p:sp>
+    </p:spTree>
+    <p:extLst>
+      <p:ext uri="{BB962C8B-B14F-4D97-AF65-F5344CB8AC3E}">
+        <p14:creationId xmlns:p14="http://schemas.microsoft.com/office/powerpoint/2010/main" val="2216895151"/>
+      </p:ext>
+    </p:extLst>
+  </p:cSld>
+  <p:clrMapOvr>
+    <a:masterClrMapping/>
+  </p:clrMapOvr>
+  <p:timing>
+    <p:tnLst>
+      <p:par>
+        <p:cTn id="1" dur="indefinite" restart="never" nodeType="tmRoot"/>
+      </p:par>
+    </p:tnLst>
+  </p:timing>
+</p:sld>
+</file>
+
+<file path=ppt/slides/slide17.xml><?xml version="1.0" encoding="utf-8"?>
+<p:sld xmlns:a="http://schemas.openxmlformats.org/drawingml/2006/main" xmlns:r="http://schemas.openxmlformats.org/officeDocument/2006/relationships" xmlns:p="http://schemas.openxmlformats.org/presentationml/2006/main">
+  <p:cSld>
+    <p:spTree>
+      <p:nvGrpSpPr>
+        <p:cNvPr id="1" name=""/>
+        <p:cNvGrpSpPr/>
+        <p:nvPr/>
+      </p:nvGrpSpPr>
+      <p:grpSpPr>
+        <a:xfrm>
+          <a:off x="0" y="0"/>
+          <a:ext cx="0" cy="0"/>
+          <a:chOff x="0" y="0"/>
+          <a:chExt cx="0" cy="0"/>
+        </a:xfrm>
+      </p:grpSpPr>
+      <p:sp>
+        <p:nvSpPr>
+          <p:cNvPr id="5" name="內容版面配置區 4"/>
+          <p:cNvSpPr>
+            <a:spLocks noGrp="1"/>
+          </p:cNvSpPr>
+          <p:nvPr>
+            <p:ph idx="1"/>
+          </p:nvPr>
+        </p:nvSpPr>
+        <p:spPr>
+          <a:xfrm>
+            <a:off x="0" y="2084851"/>
+            <a:ext cx="12192000" cy="2404863"/>
+          </a:xfrm>
+        </p:spPr>
+        <p:txBody>
+          <a:bodyPr anchor="ctr">
+            <a:normAutofit/>
+          </a:bodyPr>
+          <a:lstStyle/>
+          <a:p>
+            <a:pPr marL="0" indent="0" algn="ctr">
+              <a:buNone/>
+            </a:pPr>
+            <a:r>
+              <a:rPr lang="zh-CN" altLang="en-US" sz="6400" b="1" dirty="0">
+                <a:solidFill>
+                  <a:srgbClr val="660033"/>
+                </a:solidFill>
+                <a:effectLst/>
+                <a:latin typeface="Microsoft JhengHei" pitchFamily="34" charset="-120"/>
+                <a:ea typeface="Microsoft JhengHei" pitchFamily="34" charset="-120"/>
+              </a:rPr>
+              <a:t>耶穌不改變  耶穌不改變</a:t>
+            </a:r>
+            <a:endParaRPr lang="en-US" altLang="zh-CN" sz="6400" b="1" dirty="0">
+              <a:solidFill>
+                <a:srgbClr val="660033"/>
+              </a:solidFill>
+              <a:effectLst/>
+              <a:latin typeface="Microsoft JhengHei" pitchFamily="34" charset="-120"/>
+              <a:ea typeface="Microsoft JhengHei" pitchFamily="34" charset="-120"/>
+            </a:endParaRPr>
+          </a:p>
+          <a:p>
+            <a:pPr marL="0" indent="0" algn="ctr">
+              <a:buNone/>
+            </a:pPr>
+            <a:r>
+              <a:rPr lang="zh-CN" altLang="en-US" sz="6400" b="1" dirty="0">
+                <a:solidFill>
+                  <a:srgbClr val="660033"/>
+                </a:solidFill>
+                <a:effectLst/>
+                <a:latin typeface="Microsoft JhengHei" pitchFamily="34" charset="-120"/>
+                <a:ea typeface="Microsoft JhengHei" pitchFamily="34" charset="-120"/>
+              </a:rPr>
+              <a:t>天地萬物都</a:t>
+            </a:r>
+            <a:r>
+              <a:rPr lang="zh-CN" altLang="en-US" sz="6400" b="1" dirty="0">
+                <a:solidFill>
+                  <a:srgbClr val="660033"/>
+                </a:solidFill>
+                <a:latin typeface="Microsoft JhengHei" pitchFamily="34" charset="-120"/>
+                <a:ea typeface="Microsoft JhengHei" pitchFamily="34" charset="-120"/>
+              </a:rPr>
+              <a:t>可廢壞</a:t>
+            </a:r>
+            <a:r>
+              <a:rPr lang="en-US" altLang="zh-CN" sz="6400" b="1" dirty="0" smtClean="0">
+                <a:solidFill>
+                  <a:srgbClr val="660033"/>
+                </a:solidFill>
+                <a:effectLst/>
+                <a:latin typeface="Microsoft JhengHei" pitchFamily="34" charset="-120"/>
+                <a:ea typeface="Microsoft JhengHei" pitchFamily="34" charset="-120"/>
+              </a:rPr>
+              <a:t>  </a:t>
+            </a:r>
+            <a:r>
+              <a:rPr lang="zh-CN" altLang="en-US" sz="6400" b="1" dirty="0">
+                <a:solidFill>
+                  <a:srgbClr val="660033"/>
+                </a:solidFill>
+                <a:effectLst/>
+                <a:latin typeface="Microsoft JhengHei" pitchFamily="34" charset="-120"/>
+                <a:ea typeface="Microsoft JhengHei" pitchFamily="34" charset="-120"/>
+              </a:rPr>
+              <a:t>耶穌不改變</a:t>
+            </a:r>
+            <a:endParaRPr lang="vi-VN" sz="6400" b="1" dirty="0">
+              <a:solidFill>
+                <a:srgbClr val="660033"/>
+              </a:solidFill>
+              <a:effectLst/>
+              <a:latin typeface="Microsoft JhengHei" pitchFamily="34" charset="-120"/>
+              <a:ea typeface="Microsoft JhengHei" pitchFamily="34" charset="-120"/>
+            </a:endParaRPr>
+          </a:p>
+        </p:txBody>
+      </p:sp>
+    </p:spTree>
+    <p:extLst>
+      <p:ext uri="{BB962C8B-B14F-4D97-AF65-F5344CB8AC3E}">
+        <p14:creationId xmlns:p14="http://schemas.microsoft.com/office/powerpoint/2010/main" val="3459048333"/>
+      </p:ext>
+    </p:extLst>
+  </p:cSld>
+  <p:clrMapOvr>
+    <a:masterClrMapping/>
+  </p:clrMapOvr>
+  <p:timing>
+    <p:tnLst>
+      <p:par>
+        <p:cTn id="1" dur="indefinite" restart="never" nodeType="tmRoot"/>
+      </p:par>
+    </p:tnLst>
+  </p:timing>
 </p:sld>
 </file>
 
@@ -3376,276 +4414,112 @@
       </p:grpSpPr>
       <p:sp>
         <p:nvSpPr>
-          <p:cNvPr id="2" name="Title 1"/>
-          <p:cNvSpPr>
-            <a:spLocks noGrp="1"/>
-          </p:cNvSpPr>
-          <p:nvPr>
-            <p:ph type="title"/>
-          </p:nvPr>
-        </p:nvSpPr>
-        <p:spPr/>
-        <p:txBody>
-          <a:bodyPr>
+          <p:cNvPr id="5" name="內容版面配置區 4"/>
+          <p:cNvSpPr>
+            <a:spLocks noGrp="1"/>
+          </p:cNvSpPr>
+          <p:nvPr>
+            <p:ph idx="1"/>
+          </p:nvPr>
+        </p:nvSpPr>
+        <p:spPr>
+          <a:xfrm>
+            <a:off x="0" y="2084851"/>
+            <a:ext cx="12192000" cy="2404863"/>
+          </a:xfrm>
+        </p:spPr>
+        <p:txBody>
+          <a:bodyPr anchor="ctr">
             <a:normAutofit/>
           </a:bodyPr>
           <a:lstStyle/>
           <a:p>
-            <a:r>
-              <a:rPr lang="zh-CN" altLang="en-US" sz="4800" b="1" dirty="0" smtClean="0">
-                <a:solidFill>
-                  <a:srgbClr val="002060"/>
-                </a:solidFill>
-                <a:latin typeface="Microsoft JhengHei" panose="020B0604030504040204" pitchFamily="34" charset="-120"/>
-                <a:ea typeface="Microsoft JhengHei" panose="020B0604030504040204" pitchFamily="34" charset="-120"/>
+            <a:pPr marL="0" indent="0" algn="ctr">
+              <a:buNone/>
+            </a:pPr>
+            <a:r>
+              <a:rPr lang="zh-CN" altLang="en-US" sz="6400" b="1" dirty="0">
+                <a:solidFill>
+                  <a:srgbClr val="660033"/>
+                </a:solidFill>
+                <a:effectLst/>
+                <a:latin typeface="Microsoft JhengHei" pitchFamily="34" charset="-120"/>
+                <a:ea typeface="Microsoft JhengHei" pitchFamily="34" charset="-120"/>
               </a:rPr>
-              <a:t>昨日今日直到永遠</a:t>
+              <a:t>奇哉榮哉美好消息  放懷自聽見</a:t>
+            </a:r>
+            <a:endParaRPr lang="en-US" altLang="zh-CN" sz="6400" b="1" dirty="0">
+              <a:solidFill>
+                <a:srgbClr val="660033"/>
+              </a:solidFill>
+              <a:effectLst/>
+              <a:latin typeface="Microsoft JhengHei" pitchFamily="34" charset="-120"/>
+              <a:ea typeface="Microsoft JhengHei" pitchFamily="34" charset="-120"/>
+            </a:endParaRPr>
+          </a:p>
+          <a:p>
+            <a:pPr marL="0" indent="0" algn="ctr">
+              <a:buNone/>
+            </a:pPr>
+            <a:r>
+              <a:rPr lang="zh-CN" altLang="en-US" sz="6400" b="1" dirty="0">
+                <a:solidFill>
+                  <a:srgbClr val="660033"/>
+                </a:solidFill>
+                <a:effectLst/>
+                <a:latin typeface="Microsoft JhengHei" pitchFamily="34" charset="-120"/>
+                <a:ea typeface="Microsoft JhengHei" pitchFamily="34" charset="-120"/>
+              </a:rPr>
+              <a:t>昨日今日直到永遠  耶穌不改變</a:t>
+            </a:r>
+            <a:endParaRPr lang="en-US" altLang="zh-CN" sz="6400" b="1" dirty="0">
+              <a:solidFill>
+                <a:srgbClr val="660033"/>
+              </a:solidFill>
+              <a:effectLst/>
+              <a:latin typeface="Microsoft JhengHei" pitchFamily="34" charset="-120"/>
+              <a:ea typeface="Microsoft JhengHei" pitchFamily="34" charset="-120"/>
+            </a:endParaRPr>
+          </a:p>
+        </p:txBody>
+      </p:sp>
+      <p:sp>
+        <p:nvSpPr>
+          <p:cNvPr id="3" name="TextBox 2"/>
+          <p:cNvSpPr txBox="1"/>
+          <p:nvPr/>
+        </p:nvSpPr>
+        <p:spPr>
+          <a:xfrm>
+            <a:off x="0" y="5061182"/>
+            <a:ext cx="12192000" cy="830997"/>
+          </a:xfrm>
+          <a:prstGeom prst="rect">
+            <a:avLst/>
+          </a:prstGeom>
+          <a:noFill/>
+        </p:spPr>
+        <p:txBody>
+          <a:bodyPr wrap="square" rtlCol="0">
+            <a:spAutoFit/>
+          </a:bodyPr>
+          <a:lstStyle/>
+          <a:p>
+            <a:pPr algn="ctr"/>
+            <a:r>
+              <a:rPr lang="en-US" sz="4800" b="1" dirty="0">
+                <a:solidFill>
+                  <a:srgbClr val="660033"/>
+                </a:solidFill>
+                <a:effectLst/>
+              </a:rPr>
+              <a:t>( 1 )</a:t>
             </a:r>
             <a:endParaRPr lang="vi-VN" sz="4800" b="1" dirty="0">
               <a:solidFill>
-                <a:srgbClr val="002060"/>
+                <a:srgbClr val="660033"/>
               </a:solidFill>
-              <a:ea typeface="Microsoft JhengHei" panose="020B0604030504040204" pitchFamily="34" charset="-120"/>
-            </a:endParaRPr>
-          </a:p>
-        </p:txBody>
-      </p:sp>
-      <p:sp>
-        <p:nvSpPr>
-          <p:cNvPr id="3" name="Content Placeholder 2"/>
-          <p:cNvSpPr>
-            <a:spLocks noGrp="1"/>
-          </p:cNvSpPr>
-          <p:nvPr>
-            <p:ph idx="1"/>
-          </p:nvPr>
-        </p:nvSpPr>
-        <p:spPr>
-          <a:xfrm>
-            <a:off x="609600" y="1600201"/>
-            <a:ext cx="10972800" cy="5257799"/>
-          </a:xfrm>
-        </p:spPr>
-        <p:txBody>
-          <a:bodyPr>
-            <a:normAutofit/>
-          </a:bodyPr>
-          <a:lstStyle/>
-          <a:p>
-            <a:pPr marL="0" indent="0" algn="ctr">
-              <a:buNone/>
-            </a:pPr>
-            <a:r>
-              <a:rPr lang="zh-CN" altLang="en-US" sz="5400" b="1" dirty="0">
-                <a:solidFill>
-                  <a:srgbClr val="002060"/>
-                </a:solidFill>
-                <a:latin typeface="Microsoft JhengHei" panose="020B0604030504040204" pitchFamily="34" charset="-120"/>
-                <a:ea typeface="Microsoft JhengHei" panose="020B0604030504040204" pitchFamily="34" charset="-120"/>
-              </a:rPr>
-              <a:t>昨日今日直到永</a:t>
-            </a:r>
-            <a:r>
-              <a:rPr lang="zh-CN" altLang="en-US" sz="5400" b="1" dirty="0" smtClean="0">
-                <a:solidFill>
-                  <a:srgbClr val="002060"/>
-                </a:solidFill>
-                <a:latin typeface="Microsoft JhengHei" panose="020B0604030504040204" pitchFamily="34" charset="-120"/>
-                <a:ea typeface="Microsoft JhengHei" panose="020B0604030504040204" pitchFamily="34" charset="-120"/>
-              </a:rPr>
-              <a:t>遠  耶</a:t>
-            </a:r>
-            <a:r>
-              <a:rPr lang="zh-CN" altLang="en-US" sz="5400" b="1" dirty="0">
-                <a:solidFill>
-                  <a:srgbClr val="002060"/>
-                </a:solidFill>
-                <a:latin typeface="Microsoft JhengHei" panose="020B0604030504040204" pitchFamily="34" charset="-120"/>
-                <a:ea typeface="Microsoft JhengHei" panose="020B0604030504040204" pitchFamily="34" charset="-120"/>
-              </a:rPr>
-              <a:t>穌不改</a:t>
-            </a:r>
-            <a:r>
-              <a:rPr lang="zh-CN" altLang="en-US" sz="5400" b="1" dirty="0" smtClean="0">
-                <a:solidFill>
-                  <a:srgbClr val="002060"/>
-                </a:solidFill>
-                <a:latin typeface="Microsoft JhengHei" panose="020B0604030504040204" pitchFamily="34" charset="-120"/>
-                <a:ea typeface="Microsoft JhengHei" panose="020B0604030504040204" pitchFamily="34" charset="-120"/>
-              </a:rPr>
-              <a:t>變</a:t>
-            </a:r>
-            <a:endParaRPr lang="en-US" altLang="zh-CN" sz="5400" b="1" dirty="0" smtClean="0">
-              <a:solidFill>
-                <a:srgbClr val="002060"/>
-              </a:solidFill>
-              <a:latin typeface="Microsoft JhengHei" panose="020B0604030504040204" pitchFamily="34" charset="-120"/>
-              <a:ea typeface="Microsoft JhengHei" panose="020B0604030504040204" pitchFamily="34" charset="-120"/>
-            </a:endParaRPr>
-          </a:p>
-          <a:p>
-            <a:pPr marL="0" indent="0" algn="ctr">
-              <a:buNone/>
-            </a:pPr>
-            <a:r>
-              <a:rPr lang="zh-CN" altLang="en-US" sz="5400" b="1" dirty="0">
-                <a:solidFill>
-                  <a:srgbClr val="002060"/>
-                </a:solidFill>
-                <a:latin typeface="Microsoft JhengHei" panose="020B0604030504040204" pitchFamily="34" charset="-120"/>
-                <a:ea typeface="Microsoft JhengHei" panose="020B0604030504040204" pitchFamily="34" charset="-120"/>
-              </a:rPr>
-              <a:t>父</a:t>
-            </a:r>
-            <a:r>
-              <a:rPr lang="zh-CN" altLang="en-US" sz="5400" b="1" dirty="0" smtClean="0">
-                <a:solidFill>
-                  <a:srgbClr val="002060"/>
-                </a:solidFill>
-                <a:latin typeface="Microsoft JhengHei" panose="020B0604030504040204" pitchFamily="34" charset="-120"/>
-                <a:ea typeface="Microsoft JhengHei" panose="020B0604030504040204" pitchFamily="34" charset="-120"/>
-              </a:rPr>
-              <a:t>母兄弟都能離開  耶</a:t>
-            </a:r>
-            <a:r>
-              <a:rPr lang="zh-CN" altLang="en-US" sz="5400" b="1" dirty="0">
-                <a:solidFill>
-                  <a:srgbClr val="002060"/>
-                </a:solidFill>
-                <a:latin typeface="Microsoft JhengHei" panose="020B0604030504040204" pitchFamily="34" charset="-120"/>
-                <a:ea typeface="Microsoft JhengHei" panose="020B0604030504040204" pitchFamily="34" charset="-120"/>
-              </a:rPr>
-              <a:t>穌不改</a:t>
-            </a:r>
-            <a:r>
-              <a:rPr lang="zh-CN" altLang="en-US" sz="5400" b="1" dirty="0" smtClean="0">
-                <a:solidFill>
-                  <a:srgbClr val="002060"/>
-                </a:solidFill>
-                <a:latin typeface="Microsoft JhengHei" panose="020B0604030504040204" pitchFamily="34" charset="-120"/>
-                <a:ea typeface="Microsoft JhengHei" panose="020B0604030504040204" pitchFamily="34" charset="-120"/>
-              </a:rPr>
-              <a:t>變</a:t>
-            </a:r>
-            <a:endParaRPr lang="en-US" altLang="zh-CN" sz="5400" b="1" dirty="0" smtClean="0">
-              <a:solidFill>
-                <a:srgbClr val="002060"/>
-              </a:solidFill>
-              <a:latin typeface="Microsoft JhengHei" panose="020B0604030504040204" pitchFamily="34" charset="-120"/>
-              <a:ea typeface="Microsoft JhengHei" panose="020B0604030504040204" pitchFamily="34" charset="-120"/>
-            </a:endParaRPr>
-          </a:p>
-          <a:p>
-            <a:pPr marL="0" indent="0" algn="ctr">
-              <a:buNone/>
-            </a:pPr>
-            <a:r>
-              <a:rPr lang="zh-CN" altLang="en-US" sz="5400" b="1" dirty="0">
-                <a:solidFill>
-                  <a:srgbClr val="002060"/>
-                </a:solidFill>
-                <a:latin typeface="Microsoft JhengHei" panose="020B0604030504040204" pitchFamily="34" charset="-120"/>
-                <a:ea typeface="Microsoft JhengHei" panose="020B0604030504040204" pitchFamily="34" charset="-120"/>
-              </a:rPr>
-              <a:t>耶穌不改</a:t>
-            </a:r>
-            <a:r>
-              <a:rPr lang="zh-CN" altLang="en-US" sz="5400" b="1" dirty="0" smtClean="0">
-                <a:solidFill>
-                  <a:srgbClr val="002060"/>
-                </a:solidFill>
-                <a:latin typeface="Microsoft JhengHei" panose="020B0604030504040204" pitchFamily="34" charset="-120"/>
-                <a:ea typeface="Microsoft JhengHei" panose="020B0604030504040204" pitchFamily="34" charset="-120"/>
-              </a:rPr>
-              <a:t>變  耶</a:t>
-            </a:r>
-            <a:r>
-              <a:rPr lang="zh-CN" altLang="en-US" sz="5400" b="1" dirty="0">
-                <a:solidFill>
-                  <a:srgbClr val="002060"/>
-                </a:solidFill>
-                <a:latin typeface="Microsoft JhengHei" panose="020B0604030504040204" pitchFamily="34" charset="-120"/>
-                <a:ea typeface="Microsoft JhengHei" panose="020B0604030504040204" pitchFamily="34" charset="-120"/>
-              </a:rPr>
-              <a:t>穌不改</a:t>
-            </a:r>
-            <a:r>
-              <a:rPr lang="zh-CN" altLang="en-US" sz="5400" b="1" dirty="0" smtClean="0">
-                <a:solidFill>
-                  <a:srgbClr val="002060"/>
-                </a:solidFill>
-                <a:latin typeface="Microsoft JhengHei" panose="020B0604030504040204" pitchFamily="34" charset="-120"/>
-                <a:ea typeface="Microsoft JhengHei" panose="020B0604030504040204" pitchFamily="34" charset="-120"/>
-              </a:rPr>
-              <a:t>變</a:t>
-            </a:r>
-            <a:endParaRPr lang="en-US" altLang="zh-CN" sz="5400" b="1" dirty="0" smtClean="0">
-              <a:solidFill>
-                <a:srgbClr val="002060"/>
-              </a:solidFill>
-              <a:latin typeface="Microsoft JhengHei" panose="020B0604030504040204" pitchFamily="34" charset="-120"/>
-              <a:ea typeface="Microsoft JhengHei" panose="020B0604030504040204" pitchFamily="34" charset="-120"/>
-            </a:endParaRPr>
-          </a:p>
-          <a:p>
-            <a:pPr marL="0" indent="0" algn="ctr">
-              <a:buNone/>
-            </a:pPr>
-            <a:r>
-              <a:rPr lang="zh-CN" altLang="en-US" sz="5400" b="1" dirty="0" smtClean="0">
-                <a:solidFill>
-                  <a:srgbClr val="002060"/>
-                </a:solidFill>
-                <a:latin typeface="Microsoft JhengHei" panose="020B0604030504040204" pitchFamily="34" charset="-120"/>
-                <a:ea typeface="Microsoft JhengHei" panose="020B0604030504040204" pitchFamily="34" charset="-120"/>
-              </a:rPr>
-              <a:t>天地萬物都可發壞</a:t>
-            </a:r>
-            <a:r>
-              <a:rPr lang="en-US" altLang="zh-CN" sz="5400" b="1" dirty="0">
-                <a:solidFill>
-                  <a:srgbClr val="002060"/>
-                </a:solidFill>
-                <a:latin typeface="Microsoft JhengHei" panose="020B0604030504040204" pitchFamily="34" charset="-120"/>
-                <a:ea typeface="Microsoft JhengHei" panose="020B0604030504040204" pitchFamily="34" charset="-120"/>
-              </a:rPr>
-              <a:t> </a:t>
-            </a:r>
-            <a:r>
-              <a:rPr lang="en-US" altLang="zh-CN" sz="5400" b="1" dirty="0" smtClean="0">
-                <a:solidFill>
-                  <a:srgbClr val="002060"/>
-                </a:solidFill>
-                <a:latin typeface="Microsoft JhengHei" panose="020B0604030504040204" pitchFamily="34" charset="-120"/>
-                <a:ea typeface="Microsoft JhengHei" panose="020B0604030504040204" pitchFamily="34" charset="-120"/>
-              </a:rPr>
-              <a:t> </a:t>
-            </a:r>
-            <a:r>
-              <a:rPr lang="zh-CN" altLang="en-US" sz="5400" b="1" dirty="0" smtClean="0">
-                <a:solidFill>
-                  <a:srgbClr val="002060"/>
-                </a:solidFill>
-                <a:latin typeface="Microsoft JhengHei" panose="020B0604030504040204" pitchFamily="34" charset="-120"/>
-                <a:ea typeface="Microsoft JhengHei" panose="020B0604030504040204" pitchFamily="34" charset="-120"/>
-              </a:rPr>
-              <a:t>耶</a:t>
-            </a:r>
-            <a:r>
-              <a:rPr lang="zh-CN" altLang="en-US" sz="5400" b="1" dirty="0">
-                <a:solidFill>
-                  <a:srgbClr val="002060"/>
-                </a:solidFill>
-                <a:latin typeface="Microsoft JhengHei" panose="020B0604030504040204" pitchFamily="34" charset="-120"/>
-                <a:ea typeface="Microsoft JhengHei" panose="020B0604030504040204" pitchFamily="34" charset="-120"/>
-              </a:rPr>
-              <a:t>穌不改變</a:t>
-            </a:r>
-            <a:endParaRPr lang="vi-VN" sz="5400" b="1" dirty="0">
-              <a:solidFill>
-                <a:srgbClr val="002060"/>
-              </a:solidFill>
-              <a:ea typeface="Microsoft JhengHei" panose="020B0604030504040204" pitchFamily="34" charset="-120"/>
+              <a:effectLst/>
             </a:endParaRPr>
           </a:p>
         </p:txBody>
@@ -3653,13 +4527,20 @@
     </p:spTree>
     <p:extLst>
       <p:ext uri="{BB962C8B-B14F-4D97-AF65-F5344CB8AC3E}">
-        <p14:creationId xmlns:p14="http://schemas.microsoft.com/office/powerpoint/2010/main" xmlns="" val="917798722"/>
+        <p14:creationId xmlns:p14="http://schemas.microsoft.com/office/powerpoint/2010/main" val="502388339"/>
       </p:ext>
     </p:extLst>
   </p:cSld>
   <p:clrMapOvr>
     <a:masterClrMapping/>
   </p:clrMapOvr>
+  <p:timing>
+    <p:tnLst>
+      <p:par>
+        <p:cTn id="1" dur="indefinite" restart="never" nodeType="tmRoot"/>
+      </p:par>
+    </p:tnLst>
+  </p:timing>
 </p:sld>
 </file>
 
@@ -3682,166 +4563,85 @@
       </p:grpSpPr>
       <p:sp>
         <p:nvSpPr>
-          <p:cNvPr id="2" name="Title 1"/>
-          <p:cNvSpPr>
-            <a:spLocks noGrp="1"/>
-          </p:cNvSpPr>
-          <p:nvPr>
-            <p:ph type="title"/>
-          </p:nvPr>
-        </p:nvSpPr>
-        <p:spPr/>
-        <p:txBody>
-          <a:bodyPr>
+          <p:cNvPr id="5" name="內容版面配置區 4"/>
+          <p:cNvSpPr>
+            <a:spLocks noGrp="1"/>
+          </p:cNvSpPr>
+          <p:nvPr>
+            <p:ph idx="1"/>
+          </p:nvPr>
+        </p:nvSpPr>
+        <p:spPr>
+          <a:xfrm>
+            <a:off x="0" y="2084851"/>
+            <a:ext cx="12192000" cy="2404863"/>
+          </a:xfrm>
+        </p:spPr>
+        <p:txBody>
+          <a:bodyPr anchor="ctr">
             <a:normAutofit/>
           </a:bodyPr>
           <a:lstStyle/>
           <a:p>
-            <a:r>
-              <a:rPr lang="zh-CN" altLang="en-US" sz="4800" b="1" dirty="0" smtClean="0">
-                <a:solidFill>
-                  <a:srgbClr val="002060"/>
-                </a:solidFill>
-                <a:latin typeface="Microsoft JhengHei" panose="020B0604030504040204" pitchFamily="34" charset="-120"/>
-                <a:ea typeface="Microsoft JhengHei" panose="020B0604030504040204" pitchFamily="34" charset="-120"/>
+            <a:pPr marL="0" indent="0" algn="ctr">
+              <a:buNone/>
+            </a:pPr>
+            <a:r>
+              <a:rPr lang="zh-CN" altLang="en-US" sz="6400" b="1" dirty="0">
+                <a:solidFill>
+                  <a:srgbClr val="660033"/>
+                </a:solidFill>
+                <a:effectLst/>
+                <a:latin typeface="Microsoft JhengHei" pitchFamily="34" charset="-120"/>
+                <a:ea typeface="Microsoft JhengHei" pitchFamily="34" charset="-120"/>
               </a:rPr>
-              <a:t>昨日今日直到永遠</a:t>
-            </a:r>
-            <a:endParaRPr lang="vi-VN" sz="4800" b="1" dirty="0">
+              <a:t>仍然願意拯救罪人  並治諸疾病</a:t>
+            </a:r>
+            <a:endParaRPr lang="en-US" altLang="zh-CN" sz="6400" b="1" dirty="0">
               <a:solidFill>
-                <a:srgbClr val="002060"/>
+                <a:srgbClr val="660033"/>
               </a:solidFill>
-              <a:ea typeface="Microsoft JhengHei" panose="020B0604030504040204" pitchFamily="34" charset="-120"/>
+              <a:effectLst/>
+              <a:latin typeface="Microsoft JhengHei" pitchFamily="34" charset="-120"/>
+              <a:ea typeface="Microsoft JhengHei" pitchFamily="34" charset="-120"/>
             </a:endParaRPr>
           </a:p>
-        </p:txBody>
-      </p:sp>
-      <p:sp>
-        <p:nvSpPr>
-          <p:cNvPr id="3" name="Content Placeholder 2"/>
-          <p:cNvSpPr>
-            <a:spLocks noGrp="1"/>
-          </p:cNvSpPr>
-          <p:nvPr>
-            <p:ph idx="1"/>
-          </p:nvPr>
-        </p:nvSpPr>
-        <p:spPr/>
-        <p:txBody>
-          <a:bodyPr>
-            <a:normAutofit/>
-          </a:bodyPr>
-          <a:lstStyle/>
           <a:p>
             <a:pPr marL="0" indent="0" algn="ctr">
               <a:buNone/>
             </a:pPr>
             <a:r>
-              <a:rPr lang="zh-CN" altLang="en-US" sz="5400" b="1" dirty="0" smtClean="0">
-                <a:solidFill>
-                  <a:srgbClr val="002060"/>
-                </a:solidFill>
-                <a:ea typeface="Microsoft JhengHei" panose="020B0604030504040204" pitchFamily="34" charset="-120"/>
+              <a:rPr lang="zh-CN" altLang="en-US" sz="6400" b="1" dirty="0">
+                <a:solidFill>
+                  <a:srgbClr val="660033"/>
+                </a:solidFill>
+                <a:effectLst/>
+                <a:latin typeface="Microsoft JhengHei" pitchFamily="34" charset="-120"/>
+                <a:ea typeface="Microsoft JhengHei" pitchFamily="34" charset="-120"/>
               </a:rPr>
-              <a:t>救主耶穌罪人良友  尋找喪失者</a:t>
-            </a:r>
-            <a:endParaRPr lang="en-US" altLang="zh-CN" sz="5400" b="1" dirty="0" smtClean="0">
+              <a:t>安慰傷者平靜風浪  榮耀歸主名</a:t>
+            </a:r>
+            <a:endParaRPr lang="vi-VN" sz="6400" b="1" dirty="0">
               <a:solidFill>
-                <a:srgbClr val="002060"/>
+                <a:srgbClr val="660033"/>
               </a:solidFill>
-              <a:ea typeface="Microsoft JhengHei" panose="020B0604030504040204" pitchFamily="34" charset="-120"/>
+              <a:effectLst/>
+              <a:latin typeface="Microsoft JhengHei" pitchFamily="34" charset="-120"/>
+              <a:ea typeface="Microsoft JhengHei" pitchFamily="34" charset="-120"/>
             </a:endParaRPr>
           </a:p>
-          <a:p>
-            <a:pPr marL="0" indent="0" algn="ctr">
-              <a:buNone/>
-            </a:pPr>
-            <a:r>
-              <a:rPr lang="zh-CN" altLang="en-US" sz="5400" b="1" dirty="0">
-                <a:solidFill>
-                  <a:srgbClr val="002060"/>
-                </a:solidFill>
-                <a:ea typeface="Microsoft JhengHei" panose="020B0604030504040204" pitchFamily="34" charset="-120"/>
-              </a:rPr>
-              <a:t>罪</a:t>
-            </a:r>
-            <a:r>
-              <a:rPr lang="zh-CN" altLang="en-US" sz="5400" b="1" dirty="0" smtClean="0">
-                <a:solidFill>
-                  <a:srgbClr val="002060"/>
-                </a:solidFill>
-                <a:ea typeface="Microsoft JhengHei" panose="020B0604030504040204" pitchFamily="34" charset="-120"/>
-              </a:rPr>
-              <a:t>人請來俯伏主前  認罪必得赦</a:t>
-            </a:r>
-            <a:endParaRPr lang="en-US" altLang="zh-CN" sz="5400" b="1" dirty="0" smtClean="0">
-              <a:solidFill>
-                <a:srgbClr val="002060"/>
-              </a:solidFill>
-              <a:ea typeface="Microsoft JhengHei" panose="020B0604030504040204" pitchFamily="34" charset="-120"/>
-            </a:endParaRPr>
-          </a:p>
-          <a:p>
-            <a:pPr marL="0" indent="0" algn="ctr">
-              <a:buNone/>
-            </a:pPr>
-            <a:r>
-              <a:rPr lang="zh-CN" altLang="en-US" sz="5400" b="1" dirty="0" smtClean="0">
-                <a:solidFill>
-                  <a:srgbClr val="002060"/>
-                </a:solidFill>
-                <a:ea typeface="Microsoft JhengHei" panose="020B0604030504040204" pitchFamily="34" charset="-120"/>
-              </a:rPr>
-              <a:t>以往主權顯在今天  主言有安慰</a:t>
-            </a:r>
-            <a:endParaRPr lang="en-US" altLang="zh-CN" sz="5400" b="1" dirty="0" smtClean="0">
-              <a:solidFill>
-                <a:srgbClr val="002060"/>
-              </a:solidFill>
-              <a:ea typeface="Microsoft JhengHei" panose="020B0604030504040204" pitchFamily="34" charset="-120"/>
-            </a:endParaRPr>
-          </a:p>
-          <a:p>
-            <a:pPr marL="0" indent="0" algn="ctr">
-              <a:buNone/>
-            </a:pPr>
-            <a:r>
-              <a:rPr lang="zh-CN" altLang="en-US" sz="5400" b="1" dirty="0">
-                <a:solidFill>
-                  <a:srgbClr val="002060"/>
-                </a:solidFill>
-                <a:ea typeface="Microsoft JhengHei" panose="020B0604030504040204" pitchFamily="34" charset="-120"/>
-              </a:rPr>
-              <a:t>我</a:t>
-            </a:r>
-            <a:r>
-              <a:rPr lang="zh-CN" altLang="en-US" sz="5400" b="1" dirty="0" smtClean="0">
-                <a:solidFill>
-                  <a:srgbClr val="002060"/>
-                </a:solidFill>
-                <a:ea typeface="Microsoft JhengHei" panose="020B0604030504040204" pitchFamily="34" charset="-120"/>
-              </a:rPr>
-              <a:t>也不定你的過犯  不要再犯罪</a:t>
-            </a:r>
-            <a:endParaRPr lang="vi-VN" sz="5400" b="1" dirty="0">
-              <a:solidFill>
-                <a:srgbClr val="002060"/>
-              </a:solidFill>
-              <a:ea typeface="Microsoft JhengHei" panose="020B0604030504040204" pitchFamily="34" charset="-120"/>
-            </a:endParaRPr>
-          </a:p>
-        </p:txBody>
-      </p:sp>
-      <p:sp>
-        <p:nvSpPr>
-          <p:cNvPr id="4" name="TextBox 3"/>
+        </p:txBody>
+      </p:sp>
+      <p:sp>
+        <p:nvSpPr>
+          <p:cNvPr id="3" name="TextBox 2"/>
           <p:cNvSpPr txBox="1"/>
           <p:nvPr/>
         </p:nvSpPr>
         <p:spPr>
           <a:xfrm>
-            <a:off x="251460" y="1680211"/>
-            <a:ext cx="960120" cy="923330"/>
+            <a:off x="0" y="5061182"/>
+            <a:ext cx="12192000" cy="830997"/>
           </a:xfrm>
           <a:prstGeom prst="rect">
             <a:avLst/>
@@ -3854,26 +4654,21 @@
           </a:bodyPr>
           <a:lstStyle/>
           <a:p>
-            <a:r>
-              <a:rPr lang="en-US" sz="5400" b="1" dirty="0">
-                <a:solidFill>
-                  <a:srgbClr val="002060"/>
-                </a:solidFill>
+            <a:pPr algn="ctr"/>
+            <a:r>
+              <a:rPr lang="en-US" sz="4800" b="1" dirty="0">
+                <a:solidFill>
+                  <a:srgbClr val="660033"/>
+                </a:solidFill>
+                <a:effectLst/>
               </a:rPr>
-              <a:t>2</a:t>
-            </a:r>
-            <a:r>
-              <a:rPr lang="en-US" sz="5400" b="1" dirty="0" smtClean="0">
-                <a:solidFill>
-                  <a:srgbClr val="002060"/>
-                </a:solidFill>
-              </a:rPr>
-              <a:t>.</a:t>
-            </a:r>
-            <a:endParaRPr lang="vi-VN" sz="5400" b="1" dirty="0">
+              <a:t>( 1 )</a:t>
+            </a:r>
+            <a:endParaRPr lang="vi-VN" sz="4800" b="1" dirty="0">
               <a:solidFill>
-                <a:srgbClr val="002060"/>
+                <a:srgbClr val="660033"/>
               </a:solidFill>
+              <a:effectLst/>
             </a:endParaRPr>
           </a:p>
         </p:txBody>
@@ -3881,13 +4676,20 @@
     </p:spTree>
     <p:extLst>
       <p:ext uri="{BB962C8B-B14F-4D97-AF65-F5344CB8AC3E}">
-        <p14:creationId xmlns:p14="http://schemas.microsoft.com/office/powerpoint/2010/main" xmlns="" val="1693711168"/>
+        <p14:creationId xmlns:p14="http://schemas.microsoft.com/office/powerpoint/2010/main" val="128692551"/>
       </p:ext>
     </p:extLst>
   </p:cSld>
   <p:clrMapOvr>
     <a:masterClrMapping/>
   </p:clrMapOvr>
+  <p:timing>
+    <p:tnLst>
+      <p:par>
+        <p:cTn id="1" dur="indefinite" restart="never" nodeType="tmRoot"/>
+      </p:par>
+    </p:tnLst>
+  </p:timing>
 </p:sld>
 </file>
 
@@ -3910,276 +4712,71 @@
       </p:grpSpPr>
       <p:sp>
         <p:nvSpPr>
-          <p:cNvPr id="2" name="Title 1"/>
-          <p:cNvSpPr>
-            <a:spLocks noGrp="1"/>
-          </p:cNvSpPr>
-          <p:nvPr>
-            <p:ph type="title"/>
-          </p:nvPr>
-        </p:nvSpPr>
-        <p:spPr/>
-        <p:txBody>
-          <a:bodyPr>
+          <p:cNvPr id="5" name="內容版面配置區 4"/>
+          <p:cNvSpPr>
+            <a:spLocks noGrp="1"/>
+          </p:cNvSpPr>
+          <p:nvPr>
+            <p:ph idx="1"/>
+          </p:nvPr>
+        </p:nvSpPr>
+        <p:spPr>
+          <a:xfrm>
+            <a:off x="0" y="2084851"/>
+            <a:ext cx="12192000" cy="2404863"/>
+          </a:xfrm>
+        </p:spPr>
+        <p:txBody>
+          <a:bodyPr anchor="ctr">
             <a:normAutofit/>
           </a:bodyPr>
           <a:lstStyle/>
           <a:p>
-            <a:r>
-              <a:rPr lang="zh-CN" altLang="en-US" sz="4800" b="1" dirty="0" smtClean="0">
-                <a:solidFill>
-                  <a:srgbClr val="002060"/>
-                </a:solidFill>
-                <a:latin typeface="Microsoft JhengHei" panose="020B0604030504040204" pitchFamily="34" charset="-120"/>
-                <a:ea typeface="Microsoft JhengHei" panose="020B0604030504040204" pitchFamily="34" charset="-120"/>
+            <a:pPr marL="0" indent="0" algn="ctr">
+              <a:buNone/>
+            </a:pPr>
+            <a:r>
+              <a:rPr lang="zh-CN" altLang="en-US" sz="6400" b="1" dirty="0">
+                <a:solidFill>
+                  <a:srgbClr val="660033"/>
+                </a:solidFill>
+                <a:effectLst/>
+                <a:latin typeface="Microsoft JhengHei" pitchFamily="34" charset="-120"/>
+                <a:ea typeface="Microsoft JhengHei" pitchFamily="34" charset="-120"/>
               </a:rPr>
-              <a:t>昨日今日直到永遠</a:t>
-            </a:r>
-            <a:endParaRPr lang="vi-VN" sz="4800" b="1" dirty="0">
+              <a:t>昨日今日直到永遠  耶穌不改變</a:t>
+            </a:r>
+            <a:endParaRPr lang="en-US" altLang="zh-CN" sz="6400" b="1" dirty="0">
               <a:solidFill>
-                <a:srgbClr val="002060"/>
+                <a:srgbClr val="660033"/>
               </a:solidFill>
-              <a:ea typeface="Microsoft JhengHei" panose="020B0604030504040204" pitchFamily="34" charset="-120"/>
+              <a:effectLst/>
+              <a:latin typeface="Microsoft JhengHei" pitchFamily="34" charset="-120"/>
+              <a:ea typeface="Microsoft JhengHei" pitchFamily="34" charset="-120"/>
             </a:endParaRPr>
           </a:p>
-        </p:txBody>
-      </p:sp>
-      <p:sp>
-        <p:nvSpPr>
-          <p:cNvPr id="3" name="Content Placeholder 2"/>
-          <p:cNvSpPr>
-            <a:spLocks noGrp="1"/>
-          </p:cNvSpPr>
-          <p:nvPr>
-            <p:ph idx="1"/>
-          </p:nvPr>
-        </p:nvSpPr>
-        <p:spPr>
-          <a:xfrm>
-            <a:off x="609600" y="1600201"/>
-            <a:ext cx="10972800" cy="5257799"/>
-          </a:xfrm>
-        </p:spPr>
-        <p:txBody>
-          <a:bodyPr>
-            <a:normAutofit/>
-          </a:bodyPr>
-          <a:lstStyle/>
           <a:p>
             <a:pPr marL="0" indent="0" algn="ctr">
               <a:buNone/>
             </a:pPr>
             <a:r>
-              <a:rPr lang="zh-CN" altLang="en-US" sz="5400" b="1" dirty="0">
-                <a:solidFill>
-                  <a:srgbClr val="002060"/>
-                </a:solidFill>
-                <a:latin typeface="Microsoft JhengHei" panose="020B0604030504040204" pitchFamily="34" charset="-120"/>
-                <a:ea typeface="Microsoft JhengHei" panose="020B0604030504040204" pitchFamily="34" charset="-120"/>
+              <a:rPr lang="zh-CN" altLang="en-US" sz="6400" b="1" dirty="0">
+                <a:solidFill>
+                  <a:srgbClr val="660033"/>
+                </a:solidFill>
+                <a:effectLst/>
+                <a:latin typeface="Microsoft JhengHei" pitchFamily="34" charset="-120"/>
+                <a:ea typeface="Microsoft JhengHei" pitchFamily="34" charset="-120"/>
               </a:rPr>
-              <a:t>昨日今日直到永</a:t>
-            </a:r>
-            <a:r>
-              <a:rPr lang="zh-CN" altLang="en-US" sz="5400" b="1" dirty="0" smtClean="0">
-                <a:solidFill>
-                  <a:srgbClr val="002060"/>
-                </a:solidFill>
-                <a:latin typeface="Microsoft JhengHei" panose="020B0604030504040204" pitchFamily="34" charset="-120"/>
-                <a:ea typeface="Microsoft JhengHei" panose="020B0604030504040204" pitchFamily="34" charset="-120"/>
-              </a:rPr>
-              <a:t>遠  耶</a:t>
-            </a:r>
-            <a:r>
-              <a:rPr lang="zh-CN" altLang="en-US" sz="5400" b="1" dirty="0">
-                <a:solidFill>
-                  <a:srgbClr val="002060"/>
-                </a:solidFill>
-                <a:latin typeface="Microsoft JhengHei" panose="020B0604030504040204" pitchFamily="34" charset="-120"/>
-                <a:ea typeface="Microsoft JhengHei" panose="020B0604030504040204" pitchFamily="34" charset="-120"/>
-              </a:rPr>
-              <a:t>穌不改</a:t>
-            </a:r>
-            <a:r>
-              <a:rPr lang="zh-CN" altLang="en-US" sz="5400" b="1" dirty="0" smtClean="0">
-                <a:solidFill>
-                  <a:srgbClr val="002060"/>
-                </a:solidFill>
-                <a:latin typeface="Microsoft JhengHei" panose="020B0604030504040204" pitchFamily="34" charset="-120"/>
-                <a:ea typeface="Microsoft JhengHei" panose="020B0604030504040204" pitchFamily="34" charset="-120"/>
-              </a:rPr>
-              <a:t>變</a:t>
-            </a:r>
-            <a:endParaRPr lang="en-US" altLang="zh-CN" sz="5400" b="1" dirty="0" smtClean="0">
+              <a:t>父母兄弟都能離開  耶穌不改變</a:t>
+            </a:r>
+            <a:endParaRPr lang="en-US" altLang="zh-CN" sz="6400" b="1" dirty="0">
               <a:solidFill>
-                <a:srgbClr val="002060"/>
+                <a:srgbClr val="660033"/>
               </a:solidFill>
-              <a:latin typeface="Microsoft JhengHei" panose="020B0604030504040204" pitchFamily="34" charset="-120"/>
-              <a:ea typeface="Microsoft JhengHei" panose="020B0604030504040204" pitchFamily="34" charset="-120"/>
-            </a:endParaRPr>
-          </a:p>
-          <a:p>
-            <a:pPr marL="0" indent="0" algn="ctr">
-              <a:buNone/>
-            </a:pPr>
-            <a:r>
-              <a:rPr lang="zh-CN" altLang="en-US" sz="5400" b="1" dirty="0">
-                <a:solidFill>
-                  <a:srgbClr val="002060"/>
-                </a:solidFill>
-                <a:latin typeface="Microsoft JhengHei" panose="020B0604030504040204" pitchFamily="34" charset="-120"/>
-                <a:ea typeface="Microsoft JhengHei" panose="020B0604030504040204" pitchFamily="34" charset="-120"/>
-              </a:rPr>
-              <a:t>父</a:t>
-            </a:r>
-            <a:r>
-              <a:rPr lang="zh-CN" altLang="en-US" sz="5400" b="1" dirty="0" smtClean="0">
-                <a:solidFill>
-                  <a:srgbClr val="002060"/>
-                </a:solidFill>
-                <a:latin typeface="Microsoft JhengHei" panose="020B0604030504040204" pitchFamily="34" charset="-120"/>
-                <a:ea typeface="Microsoft JhengHei" panose="020B0604030504040204" pitchFamily="34" charset="-120"/>
-              </a:rPr>
-              <a:t>母兄弟都能離開  耶</a:t>
-            </a:r>
-            <a:r>
-              <a:rPr lang="zh-CN" altLang="en-US" sz="5400" b="1" dirty="0">
-                <a:solidFill>
-                  <a:srgbClr val="002060"/>
-                </a:solidFill>
-                <a:latin typeface="Microsoft JhengHei" panose="020B0604030504040204" pitchFamily="34" charset="-120"/>
-                <a:ea typeface="Microsoft JhengHei" panose="020B0604030504040204" pitchFamily="34" charset="-120"/>
-              </a:rPr>
-              <a:t>穌不改</a:t>
-            </a:r>
-            <a:r>
-              <a:rPr lang="zh-CN" altLang="en-US" sz="5400" b="1" dirty="0" smtClean="0">
-                <a:solidFill>
-                  <a:srgbClr val="002060"/>
-                </a:solidFill>
-                <a:latin typeface="Microsoft JhengHei" panose="020B0604030504040204" pitchFamily="34" charset="-120"/>
-                <a:ea typeface="Microsoft JhengHei" panose="020B0604030504040204" pitchFamily="34" charset="-120"/>
-              </a:rPr>
-              <a:t>變</a:t>
-            </a:r>
-            <a:endParaRPr lang="en-US" altLang="zh-CN" sz="5400" b="1" dirty="0" smtClean="0">
-              <a:solidFill>
-                <a:srgbClr val="002060"/>
-              </a:solidFill>
-              <a:latin typeface="Microsoft JhengHei" panose="020B0604030504040204" pitchFamily="34" charset="-120"/>
-              <a:ea typeface="Microsoft JhengHei" panose="020B0604030504040204" pitchFamily="34" charset="-120"/>
-            </a:endParaRPr>
-          </a:p>
-          <a:p>
-            <a:pPr marL="0" indent="0" algn="ctr">
-              <a:buNone/>
-            </a:pPr>
-            <a:r>
-              <a:rPr lang="zh-CN" altLang="en-US" sz="5400" b="1" dirty="0">
-                <a:solidFill>
-                  <a:srgbClr val="002060"/>
-                </a:solidFill>
-                <a:latin typeface="Microsoft JhengHei" panose="020B0604030504040204" pitchFamily="34" charset="-120"/>
-                <a:ea typeface="Microsoft JhengHei" panose="020B0604030504040204" pitchFamily="34" charset="-120"/>
-              </a:rPr>
-              <a:t>耶穌不改</a:t>
-            </a:r>
-            <a:r>
-              <a:rPr lang="zh-CN" altLang="en-US" sz="5400" b="1" dirty="0" smtClean="0">
-                <a:solidFill>
-                  <a:srgbClr val="002060"/>
-                </a:solidFill>
-                <a:latin typeface="Microsoft JhengHei" panose="020B0604030504040204" pitchFamily="34" charset="-120"/>
-                <a:ea typeface="Microsoft JhengHei" panose="020B0604030504040204" pitchFamily="34" charset="-120"/>
-              </a:rPr>
-              <a:t>變  耶</a:t>
-            </a:r>
-            <a:r>
-              <a:rPr lang="zh-CN" altLang="en-US" sz="5400" b="1" dirty="0">
-                <a:solidFill>
-                  <a:srgbClr val="002060"/>
-                </a:solidFill>
-                <a:latin typeface="Microsoft JhengHei" panose="020B0604030504040204" pitchFamily="34" charset="-120"/>
-                <a:ea typeface="Microsoft JhengHei" panose="020B0604030504040204" pitchFamily="34" charset="-120"/>
-              </a:rPr>
-              <a:t>穌不改</a:t>
-            </a:r>
-            <a:r>
-              <a:rPr lang="zh-CN" altLang="en-US" sz="5400" b="1" dirty="0" smtClean="0">
-                <a:solidFill>
-                  <a:srgbClr val="002060"/>
-                </a:solidFill>
-                <a:latin typeface="Microsoft JhengHei" panose="020B0604030504040204" pitchFamily="34" charset="-120"/>
-                <a:ea typeface="Microsoft JhengHei" panose="020B0604030504040204" pitchFamily="34" charset="-120"/>
-              </a:rPr>
-              <a:t>變</a:t>
-            </a:r>
-            <a:endParaRPr lang="en-US" altLang="zh-CN" sz="5400" b="1" dirty="0" smtClean="0">
-              <a:solidFill>
-                <a:srgbClr val="002060"/>
-              </a:solidFill>
-              <a:latin typeface="Microsoft JhengHei" panose="020B0604030504040204" pitchFamily="34" charset="-120"/>
-              <a:ea typeface="Microsoft JhengHei" panose="020B0604030504040204" pitchFamily="34" charset="-120"/>
-            </a:endParaRPr>
-          </a:p>
-          <a:p>
-            <a:pPr marL="0" indent="0" algn="ctr">
-              <a:buNone/>
-            </a:pPr>
-            <a:r>
-              <a:rPr lang="zh-CN" altLang="en-US" sz="5400" b="1" dirty="0" smtClean="0">
-                <a:solidFill>
-                  <a:srgbClr val="002060"/>
-                </a:solidFill>
-                <a:latin typeface="Microsoft JhengHei" panose="020B0604030504040204" pitchFamily="34" charset="-120"/>
-                <a:ea typeface="Microsoft JhengHei" panose="020B0604030504040204" pitchFamily="34" charset="-120"/>
-              </a:rPr>
-              <a:t>天地萬物都可發壞</a:t>
-            </a:r>
-            <a:r>
-              <a:rPr lang="en-US" altLang="zh-CN" sz="5400" b="1" dirty="0">
-                <a:solidFill>
-                  <a:srgbClr val="002060"/>
-                </a:solidFill>
-                <a:latin typeface="Microsoft JhengHei" panose="020B0604030504040204" pitchFamily="34" charset="-120"/>
-                <a:ea typeface="Microsoft JhengHei" panose="020B0604030504040204" pitchFamily="34" charset="-120"/>
-              </a:rPr>
-              <a:t> </a:t>
-            </a:r>
-            <a:r>
-              <a:rPr lang="en-US" altLang="zh-CN" sz="5400" b="1" dirty="0" smtClean="0">
-                <a:solidFill>
-                  <a:srgbClr val="002060"/>
-                </a:solidFill>
-                <a:latin typeface="Microsoft JhengHei" panose="020B0604030504040204" pitchFamily="34" charset="-120"/>
-                <a:ea typeface="Microsoft JhengHei" panose="020B0604030504040204" pitchFamily="34" charset="-120"/>
-              </a:rPr>
-              <a:t> </a:t>
-            </a:r>
-            <a:r>
-              <a:rPr lang="zh-CN" altLang="en-US" sz="5400" b="1" dirty="0" smtClean="0">
-                <a:solidFill>
-                  <a:srgbClr val="002060"/>
-                </a:solidFill>
-                <a:latin typeface="Microsoft JhengHei" panose="020B0604030504040204" pitchFamily="34" charset="-120"/>
-                <a:ea typeface="Microsoft JhengHei" panose="020B0604030504040204" pitchFamily="34" charset="-120"/>
-              </a:rPr>
-              <a:t>耶</a:t>
-            </a:r>
-            <a:r>
-              <a:rPr lang="zh-CN" altLang="en-US" sz="5400" b="1" dirty="0">
-                <a:solidFill>
-                  <a:srgbClr val="002060"/>
-                </a:solidFill>
-                <a:latin typeface="Microsoft JhengHei" panose="020B0604030504040204" pitchFamily="34" charset="-120"/>
-                <a:ea typeface="Microsoft JhengHei" panose="020B0604030504040204" pitchFamily="34" charset="-120"/>
-              </a:rPr>
-              <a:t>穌不改變</a:t>
-            </a:r>
-            <a:endParaRPr lang="vi-VN" sz="5400" b="1" dirty="0">
-              <a:solidFill>
-                <a:srgbClr val="002060"/>
-              </a:solidFill>
-              <a:ea typeface="Microsoft JhengHei" panose="020B0604030504040204" pitchFamily="34" charset="-120"/>
+              <a:effectLst/>
+              <a:latin typeface="Microsoft JhengHei" pitchFamily="34" charset="-120"/>
+              <a:ea typeface="Microsoft JhengHei" pitchFamily="34" charset="-120"/>
             </a:endParaRPr>
           </a:p>
         </p:txBody>
@@ -4187,13 +4784,20 @@
     </p:spTree>
     <p:extLst>
       <p:ext uri="{BB962C8B-B14F-4D97-AF65-F5344CB8AC3E}">
-        <p14:creationId xmlns:p14="http://schemas.microsoft.com/office/powerpoint/2010/main" xmlns="" val="1244575561"/>
+        <p14:creationId xmlns:p14="http://schemas.microsoft.com/office/powerpoint/2010/main" val="4125867971"/>
       </p:ext>
     </p:extLst>
   </p:cSld>
   <p:clrMapOvr>
     <a:masterClrMapping/>
   </p:clrMapOvr>
+  <p:timing>
+    <p:tnLst>
+      <p:par>
+        <p:cTn id="1" dur="indefinite" restart="never" nodeType="tmRoot"/>
+      </p:par>
+    </p:tnLst>
+  </p:timing>
 </p:sld>
 </file>
 
@@ -4216,217 +4820,104 @@
       </p:grpSpPr>
       <p:sp>
         <p:nvSpPr>
-          <p:cNvPr id="2" name="Title 1"/>
-          <p:cNvSpPr>
-            <a:spLocks noGrp="1"/>
-          </p:cNvSpPr>
-          <p:nvPr>
-            <p:ph type="title"/>
-          </p:nvPr>
-        </p:nvSpPr>
-        <p:spPr/>
-        <p:txBody>
-          <a:bodyPr>
+          <p:cNvPr id="5" name="內容版面配置區 4"/>
+          <p:cNvSpPr>
+            <a:spLocks noGrp="1"/>
+          </p:cNvSpPr>
+          <p:nvPr>
+            <p:ph idx="1"/>
+          </p:nvPr>
+        </p:nvSpPr>
+        <p:spPr>
+          <a:xfrm>
+            <a:off x="0" y="2084851"/>
+            <a:ext cx="12192000" cy="2404863"/>
+          </a:xfrm>
+        </p:spPr>
+        <p:txBody>
+          <a:bodyPr anchor="ctr">
             <a:normAutofit/>
           </a:bodyPr>
           <a:lstStyle/>
           <a:p>
-            <a:r>
-              <a:rPr lang="zh-CN" altLang="en-US" sz="4800" b="1" dirty="0" smtClean="0">
-                <a:solidFill>
-                  <a:srgbClr val="002060"/>
-                </a:solidFill>
-                <a:latin typeface="Microsoft JhengHei" panose="020B0604030504040204" pitchFamily="34" charset="-120"/>
-                <a:ea typeface="Microsoft JhengHei" panose="020B0604030504040204" pitchFamily="34" charset="-120"/>
+            <a:pPr marL="0" indent="0" algn="ctr">
+              <a:buNone/>
+            </a:pPr>
+            <a:r>
+              <a:rPr lang="zh-CN" altLang="en-US" sz="6400" b="1" dirty="0">
+                <a:solidFill>
+                  <a:srgbClr val="660033"/>
+                </a:solidFill>
+                <a:effectLst/>
+                <a:latin typeface="Microsoft JhengHei" pitchFamily="34" charset="-120"/>
+                <a:ea typeface="Microsoft JhengHei" pitchFamily="34" charset="-120"/>
               </a:rPr>
-              <a:t>昨日今日直到永遠</a:t>
-            </a:r>
-            <a:endParaRPr lang="vi-VN" sz="4800" b="1" dirty="0">
+              <a:t>耶穌不改變  耶穌不改變</a:t>
+            </a:r>
+            <a:endParaRPr lang="en-US" altLang="zh-CN" sz="6400" b="1" dirty="0">
               <a:solidFill>
-                <a:srgbClr val="002060"/>
+                <a:srgbClr val="660033"/>
               </a:solidFill>
-              <a:ea typeface="Microsoft JhengHei" panose="020B0604030504040204" pitchFamily="34" charset="-120"/>
+              <a:effectLst/>
+              <a:latin typeface="Microsoft JhengHei" pitchFamily="34" charset="-120"/>
+              <a:ea typeface="Microsoft JhengHei" pitchFamily="34" charset="-120"/>
             </a:endParaRPr>
           </a:p>
-        </p:txBody>
-      </p:sp>
-      <p:sp>
-        <p:nvSpPr>
-          <p:cNvPr id="3" name="Content Placeholder 2"/>
-          <p:cNvSpPr>
-            <a:spLocks noGrp="1"/>
-          </p:cNvSpPr>
-          <p:nvPr>
-            <p:ph idx="1"/>
-          </p:nvPr>
-        </p:nvSpPr>
-        <p:spPr/>
-        <p:txBody>
-          <a:bodyPr>
-            <a:normAutofit/>
-          </a:bodyPr>
-          <a:lstStyle/>
           <a:p>
             <a:pPr marL="0" indent="0" algn="ctr">
               <a:buNone/>
             </a:pPr>
             <a:r>
-              <a:rPr lang="zh-CN" altLang="en-US" sz="5400" b="1" dirty="0" smtClean="0">
-                <a:solidFill>
-                  <a:srgbClr val="002060"/>
-                </a:solidFill>
-                <a:ea typeface="Microsoft JhengHei" panose="020B0604030504040204" pitchFamily="34" charset="-120"/>
+              <a:rPr lang="zh-CN" altLang="en-US" sz="6400" b="1" dirty="0">
+                <a:solidFill>
+                  <a:srgbClr val="660033"/>
+                </a:solidFill>
+                <a:effectLst/>
+                <a:latin typeface="Microsoft JhengHei" pitchFamily="34" charset="-120"/>
+                <a:ea typeface="Microsoft JhengHei" pitchFamily="34" charset="-120"/>
               </a:rPr>
-              <a:t>主會伸手顯出大能  醫治痛苦人</a:t>
-            </a:r>
-            <a:endParaRPr lang="en-US" altLang="zh-CN" sz="5400" b="1" dirty="0" smtClean="0">
+              <a:t>天地萬物都</a:t>
+            </a:r>
+            <a:r>
+              <a:rPr lang="zh-CN" altLang="en-US" sz="6400" b="1" dirty="0" smtClean="0">
+                <a:solidFill>
+                  <a:srgbClr val="660033"/>
+                </a:solidFill>
+                <a:effectLst/>
+                <a:latin typeface="Microsoft JhengHei" pitchFamily="34" charset="-120"/>
+                <a:ea typeface="Microsoft JhengHei" pitchFamily="34" charset="-120"/>
+              </a:rPr>
+              <a:t>可廢壞</a:t>
+            </a:r>
+            <a:r>
+              <a:rPr lang="en-US" altLang="zh-CN" sz="6400" b="1" dirty="0" smtClean="0">
+                <a:solidFill>
+                  <a:srgbClr val="660033"/>
+                </a:solidFill>
+                <a:effectLst/>
+                <a:latin typeface="Microsoft JhengHei" pitchFamily="34" charset="-120"/>
+                <a:ea typeface="Microsoft JhengHei" pitchFamily="34" charset="-120"/>
+              </a:rPr>
+              <a:t>  </a:t>
+            </a:r>
+            <a:r>
+              <a:rPr lang="zh-CN" altLang="en-US" sz="6400" b="1" dirty="0">
+                <a:solidFill>
+                  <a:srgbClr val="660033"/>
+                </a:solidFill>
+                <a:effectLst/>
+                <a:latin typeface="Microsoft JhengHei" pitchFamily="34" charset="-120"/>
+                <a:ea typeface="Microsoft JhengHei" pitchFamily="34" charset="-120"/>
+              </a:rPr>
+              <a:t>耶穌不改變</a:t>
+            </a:r>
+            <a:endParaRPr lang="vi-VN" sz="6400" b="1" dirty="0">
               <a:solidFill>
-                <a:srgbClr val="002060"/>
+                <a:srgbClr val="660033"/>
               </a:solidFill>
-              <a:ea typeface="Microsoft JhengHei" panose="020B0604030504040204" pitchFamily="34" charset="-120"/>
-            </a:endParaRPr>
-          </a:p>
-          <a:p>
-            <a:pPr marL="0" indent="0" algn="ctr">
-              <a:buNone/>
-            </a:pPr>
-            <a:r>
-              <a:rPr lang="zh-CN" altLang="en-US" sz="5400" b="1" dirty="0" smtClean="0">
-                <a:solidFill>
-                  <a:srgbClr val="002060"/>
-                </a:solidFill>
-                <a:ea typeface="Microsoft JhengHei" panose="020B0604030504040204" pitchFamily="34" charset="-120"/>
-              </a:rPr>
-              <a:t>今我諸般疾病憂傷  皆聽主命令</a:t>
-            </a:r>
-            <a:endParaRPr lang="en-US" altLang="zh-CN" sz="5400" b="1" dirty="0" smtClean="0">
-              <a:solidFill>
-                <a:srgbClr val="002060"/>
-              </a:solidFill>
-              <a:ea typeface="Microsoft JhengHei" panose="020B0604030504040204" pitchFamily="34" charset="-120"/>
-            </a:endParaRPr>
-          </a:p>
-          <a:p>
-            <a:pPr marL="0" indent="0" algn="ctr">
-              <a:buNone/>
-            </a:pPr>
-            <a:r>
-              <a:rPr lang="zh-CN" altLang="en-US" sz="5400" b="1" dirty="0">
-                <a:solidFill>
-                  <a:srgbClr val="002060"/>
-                </a:solidFill>
-                <a:ea typeface="Microsoft JhengHei" panose="020B0604030504040204" pitchFamily="34" charset="-120"/>
-              </a:rPr>
-              <a:t>當</a:t>
-            </a:r>
-            <a:r>
-              <a:rPr lang="zh-CN" altLang="en-US" sz="5400" b="1" dirty="0" smtClean="0">
-                <a:solidFill>
-                  <a:srgbClr val="002060"/>
-                </a:solidFill>
-                <a:ea typeface="Microsoft JhengHei" panose="020B0604030504040204" pitchFamily="34" charset="-120"/>
-              </a:rPr>
-              <a:t>日婦人一摸</a:t>
-            </a:r>
-            <a:r>
-              <a:rPr lang="zh-CN" altLang="en-US" sz="5400" b="1" dirty="0">
-                <a:solidFill>
-                  <a:srgbClr val="002060"/>
-                </a:solidFill>
-                <a:ea typeface="Microsoft JhengHei" panose="020B0604030504040204" pitchFamily="34" charset="-120"/>
-              </a:rPr>
-              <a:t>主衣  即時</a:t>
-            </a:r>
-            <a:r>
-              <a:rPr lang="zh-CN" altLang="en-US" sz="5400" b="1" dirty="0" smtClean="0">
-                <a:solidFill>
-                  <a:srgbClr val="002060"/>
-                </a:solidFill>
-                <a:ea typeface="Microsoft JhengHei" panose="020B0604030504040204" pitchFamily="34" charset="-120"/>
-              </a:rPr>
-              <a:t>得醫痊</a:t>
-            </a:r>
-            <a:endParaRPr lang="en-US" altLang="zh-CN" sz="5400" b="1" dirty="0" smtClean="0">
-              <a:solidFill>
-                <a:srgbClr val="002060"/>
-              </a:solidFill>
-              <a:ea typeface="Microsoft JhengHei" panose="020B0604030504040204" pitchFamily="34" charset="-120"/>
-            </a:endParaRPr>
-          </a:p>
-          <a:p>
-            <a:pPr marL="0" indent="0" algn="ctr">
-              <a:buNone/>
-            </a:pPr>
-            <a:r>
-              <a:rPr lang="zh-CN" altLang="en-US" sz="5400" b="1" dirty="0">
-                <a:solidFill>
-                  <a:srgbClr val="002060"/>
-                </a:solidFill>
-                <a:ea typeface="Microsoft JhengHei" panose="020B0604030504040204" pitchFamily="34" charset="-120"/>
-              </a:rPr>
-              <a:t>今</a:t>
-            </a:r>
-            <a:r>
-              <a:rPr lang="zh-CN" altLang="en-US" sz="5400" b="1" dirty="0" smtClean="0">
-                <a:solidFill>
-                  <a:srgbClr val="002060"/>
-                </a:solidFill>
-                <a:ea typeface="Microsoft JhengHei" panose="020B0604030504040204" pitchFamily="34" charset="-120"/>
-              </a:rPr>
-              <a:t>日因信接主恩典  主仍醫</a:t>
-            </a:r>
-            <a:r>
-              <a:rPr lang="zh-CN" altLang="en-US" sz="5400" b="1" dirty="0">
-                <a:solidFill>
-                  <a:srgbClr val="002060"/>
-                </a:solidFill>
-                <a:ea typeface="Microsoft JhengHei" panose="020B0604030504040204" pitchFamily="34" charset="-120"/>
-              </a:rPr>
-              <a:t>完全</a:t>
-            </a:r>
-            <a:endParaRPr lang="vi-VN" sz="5400" b="1" dirty="0">
-              <a:solidFill>
-                <a:srgbClr val="002060"/>
-              </a:solidFill>
-              <a:ea typeface="Microsoft JhengHei" panose="020B0604030504040204" pitchFamily="34" charset="-120"/>
-            </a:endParaRPr>
-          </a:p>
-        </p:txBody>
-      </p:sp>
-      <p:sp>
-        <p:nvSpPr>
-          <p:cNvPr id="4" name="TextBox 3"/>
-          <p:cNvSpPr txBox="1"/>
-          <p:nvPr/>
-        </p:nvSpPr>
-        <p:spPr>
-          <a:xfrm>
-            <a:off x="251460" y="1680211"/>
-            <a:ext cx="960120" cy="923330"/>
-          </a:xfrm>
-          <a:prstGeom prst="rect">
-            <a:avLst/>
-          </a:prstGeom>
-          <a:noFill/>
-        </p:spPr>
-        <p:txBody>
-          <a:bodyPr wrap="square" rtlCol="0">
-            <a:spAutoFit/>
-          </a:bodyPr>
-          <a:lstStyle/>
-          <a:p>
-            <a:r>
-              <a:rPr lang="en-US" sz="5400" b="1" dirty="0" smtClean="0">
-                <a:solidFill>
-                  <a:srgbClr val="002060"/>
-                </a:solidFill>
-              </a:rPr>
-              <a:t>3.</a:t>
-            </a:r>
-            <a:endParaRPr lang="vi-VN" sz="5400" b="1" dirty="0">
-              <a:solidFill>
-                <a:srgbClr val="002060"/>
-              </a:solidFill>
+              <a:effectLst/>
+              <a:latin typeface="Microsoft JhengHei" pitchFamily="34" charset="-120"/>
+              <a:ea typeface="Microsoft JhengHei" pitchFamily="34" charset="-120"/>
             </a:endParaRPr>
           </a:p>
         </p:txBody>
@@ -4434,13 +4925,20 @@
     </p:spTree>
     <p:extLst>
       <p:ext uri="{BB962C8B-B14F-4D97-AF65-F5344CB8AC3E}">
-        <p14:creationId xmlns:p14="http://schemas.microsoft.com/office/powerpoint/2010/main" xmlns="" val="1736509074"/>
+        <p14:creationId xmlns:p14="http://schemas.microsoft.com/office/powerpoint/2010/main" val="2008713925"/>
       </p:ext>
     </p:extLst>
   </p:cSld>
   <p:clrMapOvr>
     <a:masterClrMapping/>
   </p:clrMapOvr>
+  <p:timing>
+    <p:tnLst>
+      <p:par>
+        <p:cTn id="1" dur="indefinite" restart="never" nodeType="tmRoot"/>
+      </p:par>
+    </p:tnLst>
+  </p:timing>
 </p:sld>
 </file>
 
@@ -4463,276 +4961,112 @@
       </p:grpSpPr>
       <p:sp>
         <p:nvSpPr>
-          <p:cNvPr id="2" name="Title 1"/>
-          <p:cNvSpPr>
-            <a:spLocks noGrp="1"/>
-          </p:cNvSpPr>
-          <p:nvPr>
-            <p:ph type="title"/>
-          </p:nvPr>
-        </p:nvSpPr>
-        <p:spPr/>
-        <p:txBody>
-          <a:bodyPr>
+          <p:cNvPr id="5" name="內容版面配置區 4"/>
+          <p:cNvSpPr>
+            <a:spLocks noGrp="1"/>
+          </p:cNvSpPr>
+          <p:nvPr>
+            <p:ph idx="1"/>
+          </p:nvPr>
+        </p:nvSpPr>
+        <p:spPr>
+          <a:xfrm>
+            <a:off x="0" y="2084851"/>
+            <a:ext cx="12192000" cy="2404863"/>
+          </a:xfrm>
+        </p:spPr>
+        <p:txBody>
+          <a:bodyPr anchor="ctr">
             <a:normAutofit/>
           </a:bodyPr>
           <a:lstStyle/>
           <a:p>
-            <a:r>
-              <a:rPr lang="zh-CN" altLang="en-US" sz="4800" b="1" dirty="0" smtClean="0">
-                <a:solidFill>
-                  <a:srgbClr val="002060"/>
-                </a:solidFill>
-                <a:latin typeface="Microsoft JhengHei" panose="020B0604030504040204" pitchFamily="34" charset="-120"/>
-                <a:ea typeface="Microsoft JhengHei" panose="020B0604030504040204" pitchFamily="34" charset="-120"/>
+            <a:pPr marL="0" indent="0" algn="ctr">
+              <a:buNone/>
+            </a:pPr>
+            <a:r>
+              <a:rPr lang="zh-CN" altLang="en-US" sz="6400" b="1" dirty="0">
+                <a:solidFill>
+                  <a:srgbClr val="660033"/>
+                </a:solidFill>
+                <a:effectLst/>
+                <a:latin typeface="Microsoft JhengHei" pitchFamily="34" charset="-120"/>
+                <a:ea typeface="Microsoft JhengHei" pitchFamily="34" charset="-120"/>
               </a:rPr>
-              <a:t>昨日今日直到永遠</a:t>
+              <a:t>救主耶穌罪人良友  尋找喪失者</a:t>
+            </a:r>
+            <a:endParaRPr lang="en-US" altLang="zh-CN" sz="6400" b="1" dirty="0">
+              <a:solidFill>
+                <a:srgbClr val="660033"/>
+              </a:solidFill>
+              <a:effectLst/>
+              <a:latin typeface="Microsoft JhengHei" pitchFamily="34" charset="-120"/>
+              <a:ea typeface="Microsoft JhengHei" pitchFamily="34" charset="-120"/>
+            </a:endParaRPr>
+          </a:p>
+          <a:p>
+            <a:pPr marL="0" indent="0" algn="ctr">
+              <a:buNone/>
+            </a:pPr>
+            <a:r>
+              <a:rPr lang="zh-CN" altLang="en-US" sz="6400" b="1" dirty="0">
+                <a:solidFill>
+                  <a:srgbClr val="660033"/>
+                </a:solidFill>
+                <a:effectLst/>
+                <a:latin typeface="Microsoft JhengHei" pitchFamily="34" charset="-120"/>
+                <a:ea typeface="Microsoft JhengHei" pitchFamily="34" charset="-120"/>
+              </a:rPr>
+              <a:t>罪人請來俯伏主前  認罪必得赦</a:t>
+            </a:r>
+            <a:endParaRPr lang="vi-VN" sz="6400" b="1" dirty="0">
+              <a:solidFill>
+                <a:srgbClr val="660033"/>
+              </a:solidFill>
+              <a:effectLst/>
+              <a:latin typeface="Microsoft JhengHei" pitchFamily="34" charset="-120"/>
+              <a:ea typeface="Microsoft JhengHei" pitchFamily="34" charset="-120"/>
+            </a:endParaRPr>
+          </a:p>
+        </p:txBody>
+      </p:sp>
+      <p:sp>
+        <p:nvSpPr>
+          <p:cNvPr id="3" name="TextBox 2"/>
+          <p:cNvSpPr txBox="1"/>
+          <p:nvPr/>
+        </p:nvSpPr>
+        <p:spPr>
+          <a:xfrm>
+            <a:off x="0" y="5061182"/>
+            <a:ext cx="12192000" cy="830997"/>
+          </a:xfrm>
+          <a:prstGeom prst="rect">
+            <a:avLst/>
+          </a:prstGeom>
+          <a:noFill/>
+        </p:spPr>
+        <p:txBody>
+          <a:bodyPr wrap="square" rtlCol="0">
+            <a:spAutoFit/>
+          </a:bodyPr>
+          <a:lstStyle/>
+          <a:p>
+            <a:pPr algn="ctr"/>
+            <a:r>
+              <a:rPr lang="en-US" sz="4800" b="1" dirty="0">
+                <a:solidFill>
+                  <a:srgbClr val="660033"/>
+                </a:solidFill>
+                <a:effectLst/>
+              </a:rPr>
+              <a:t>( 2 )</a:t>
             </a:r>
             <a:endParaRPr lang="vi-VN" sz="4800" b="1" dirty="0">
               <a:solidFill>
-                <a:srgbClr val="002060"/>
+                <a:srgbClr val="660033"/>
               </a:solidFill>
-              <a:ea typeface="Microsoft JhengHei" panose="020B0604030504040204" pitchFamily="34" charset="-120"/>
-            </a:endParaRPr>
-          </a:p>
-        </p:txBody>
-      </p:sp>
-      <p:sp>
-        <p:nvSpPr>
-          <p:cNvPr id="3" name="Content Placeholder 2"/>
-          <p:cNvSpPr>
-            <a:spLocks noGrp="1"/>
-          </p:cNvSpPr>
-          <p:nvPr>
-            <p:ph idx="1"/>
-          </p:nvPr>
-        </p:nvSpPr>
-        <p:spPr>
-          <a:xfrm>
-            <a:off x="609600" y="1600201"/>
-            <a:ext cx="10972800" cy="5257799"/>
-          </a:xfrm>
-        </p:spPr>
-        <p:txBody>
-          <a:bodyPr>
-            <a:normAutofit/>
-          </a:bodyPr>
-          <a:lstStyle/>
-          <a:p>
-            <a:pPr marL="0" indent="0" algn="ctr">
-              <a:buNone/>
-            </a:pPr>
-            <a:r>
-              <a:rPr lang="zh-CN" altLang="en-US" sz="5400" b="1" dirty="0">
-                <a:solidFill>
-                  <a:srgbClr val="002060"/>
-                </a:solidFill>
-                <a:latin typeface="Microsoft JhengHei" panose="020B0604030504040204" pitchFamily="34" charset="-120"/>
-                <a:ea typeface="Microsoft JhengHei" panose="020B0604030504040204" pitchFamily="34" charset="-120"/>
-              </a:rPr>
-              <a:t>昨日今日直到永</a:t>
-            </a:r>
-            <a:r>
-              <a:rPr lang="zh-CN" altLang="en-US" sz="5400" b="1" dirty="0" smtClean="0">
-                <a:solidFill>
-                  <a:srgbClr val="002060"/>
-                </a:solidFill>
-                <a:latin typeface="Microsoft JhengHei" panose="020B0604030504040204" pitchFamily="34" charset="-120"/>
-                <a:ea typeface="Microsoft JhengHei" panose="020B0604030504040204" pitchFamily="34" charset="-120"/>
-              </a:rPr>
-              <a:t>遠  耶</a:t>
-            </a:r>
-            <a:r>
-              <a:rPr lang="zh-CN" altLang="en-US" sz="5400" b="1" dirty="0">
-                <a:solidFill>
-                  <a:srgbClr val="002060"/>
-                </a:solidFill>
-                <a:latin typeface="Microsoft JhengHei" panose="020B0604030504040204" pitchFamily="34" charset="-120"/>
-                <a:ea typeface="Microsoft JhengHei" panose="020B0604030504040204" pitchFamily="34" charset="-120"/>
-              </a:rPr>
-              <a:t>穌不改</a:t>
-            </a:r>
-            <a:r>
-              <a:rPr lang="zh-CN" altLang="en-US" sz="5400" b="1" dirty="0" smtClean="0">
-                <a:solidFill>
-                  <a:srgbClr val="002060"/>
-                </a:solidFill>
-                <a:latin typeface="Microsoft JhengHei" panose="020B0604030504040204" pitchFamily="34" charset="-120"/>
-                <a:ea typeface="Microsoft JhengHei" panose="020B0604030504040204" pitchFamily="34" charset="-120"/>
-              </a:rPr>
-              <a:t>變</a:t>
-            </a:r>
-            <a:endParaRPr lang="en-US" altLang="zh-CN" sz="5400" b="1" dirty="0" smtClean="0">
-              <a:solidFill>
-                <a:srgbClr val="002060"/>
-              </a:solidFill>
-              <a:latin typeface="Microsoft JhengHei" panose="020B0604030504040204" pitchFamily="34" charset="-120"/>
-              <a:ea typeface="Microsoft JhengHei" panose="020B0604030504040204" pitchFamily="34" charset="-120"/>
-            </a:endParaRPr>
-          </a:p>
-          <a:p>
-            <a:pPr marL="0" indent="0" algn="ctr">
-              <a:buNone/>
-            </a:pPr>
-            <a:r>
-              <a:rPr lang="zh-CN" altLang="en-US" sz="5400" b="1" dirty="0">
-                <a:solidFill>
-                  <a:srgbClr val="002060"/>
-                </a:solidFill>
-                <a:latin typeface="Microsoft JhengHei" panose="020B0604030504040204" pitchFamily="34" charset="-120"/>
-                <a:ea typeface="Microsoft JhengHei" panose="020B0604030504040204" pitchFamily="34" charset="-120"/>
-              </a:rPr>
-              <a:t>父</a:t>
-            </a:r>
-            <a:r>
-              <a:rPr lang="zh-CN" altLang="en-US" sz="5400" b="1" dirty="0" smtClean="0">
-                <a:solidFill>
-                  <a:srgbClr val="002060"/>
-                </a:solidFill>
-                <a:latin typeface="Microsoft JhengHei" panose="020B0604030504040204" pitchFamily="34" charset="-120"/>
-                <a:ea typeface="Microsoft JhengHei" panose="020B0604030504040204" pitchFamily="34" charset="-120"/>
-              </a:rPr>
-              <a:t>母兄弟都能離開  耶</a:t>
-            </a:r>
-            <a:r>
-              <a:rPr lang="zh-CN" altLang="en-US" sz="5400" b="1" dirty="0">
-                <a:solidFill>
-                  <a:srgbClr val="002060"/>
-                </a:solidFill>
-                <a:latin typeface="Microsoft JhengHei" panose="020B0604030504040204" pitchFamily="34" charset="-120"/>
-                <a:ea typeface="Microsoft JhengHei" panose="020B0604030504040204" pitchFamily="34" charset="-120"/>
-              </a:rPr>
-              <a:t>穌不改</a:t>
-            </a:r>
-            <a:r>
-              <a:rPr lang="zh-CN" altLang="en-US" sz="5400" b="1" dirty="0" smtClean="0">
-                <a:solidFill>
-                  <a:srgbClr val="002060"/>
-                </a:solidFill>
-                <a:latin typeface="Microsoft JhengHei" panose="020B0604030504040204" pitchFamily="34" charset="-120"/>
-                <a:ea typeface="Microsoft JhengHei" panose="020B0604030504040204" pitchFamily="34" charset="-120"/>
-              </a:rPr>
-              <a:t>變</a:t>
-            </a:r>
-            <a:endParaRPr lang="en-US" altLang="zh-CN" sz="5400" b="1" dirty="0" smtClean="0">
-              <a:solidFill>
-                <a:srgbClr val="002060"/>
-              </a:solidFill>
-              <a:latin typeface="Microsoft JhengHei" panose="020B0604030504040204" pitchFamily="34" charset="-120"/>
-              <a:ea typeface="Microsoft JhengHei" panose="020B0604030504040204" pitchFamily="34" charset="-120"/>
-            </a:endParaRPr>
-          </a:p>
-          <a:p>
-            <a:pPr marL="0" indent="0" algn="ctr">
-              <a:buNone/>
-            </a:pPr>
-            <a:r>
-              <a:rPr lang="zh-CN" altLang="en-US" sz="5400" b="1" dirty="0">
-                <a:solidFill>
-                  <a:srgbClr val="002060"/>
-                </a:solidFill>
-                <a:latin typeface="Microsoft JhengHei" panose="020B0604030504040204" pitchFamily="34" charset="-120"/>
-                <a:ea typeface="Microsoft JhengHei" panose="020B0604030504040204" pitchFamily="34" charset="-120"/>
-              </a:rPr>
-              <a:t>耶穌不改</a:t>
-            </a:r>
-            <a:r>
-              <a:rPr lang="zh-CN" altLang="en-US" sz="5400" b="1" dirty="0" smtClean="0">
-                <a:solidFill>
-                  <a:srgbClr val="002060"/>
-                </a:solidFill>
-                <a:latin typeface="Microsoft JhengHei" panose="020B0604030504040204" pitchFamily="34" charset="-120"/>
-                <a:ea typeface="Microsoft JhengHei" panose="020B0604030504040204" pitchFamily="34" charset="-120"/>
-              </a:rPr>
-              <a:t>變  耶</a:t>
-            </a:r>
-            <a:r>
-              <a:rPr lang="zh-CN" altLang="en-US" sz="5400" b="1" dirty="0">
-                <a:solidFill>
-                  <a:srgbClr val="002060"/>
-                </a:solidFill>
-                <a:latin typeface="Microsoft JhengHei" panose="020B0604030504040204" pitchFamily="34" charset="-120"/>
-                <a:ea typeface="Microsoft JhengHei" panose="020B0604030504040204" pitchFamily="34" charset="-120"/>
-              </a:rPr>
-              <a:t>穌不改</a:t>
-            </a:r>
-            <a:r>
-              <a:rPr lang="zh-CN" altLang="en-US" sz="5400" b="1" dirty="0" smtClean="0">
-                <a:solidFill>
-                  <a:srgbClr val="002060"/>
-                </a:solidFill>
-                <a:latin typeface="Microsoft JhengHei" panose="020B0604030504040204" pitchFamily="34" charset="-120"/>
-                <a:ea typeface="Microsoft JhengHei" panose="020B0604030504040204" pitchFamily="34" charset="-120"/>
-              </a:rPr>
-              <a:t>變</a:t>
-            </a:r>
-            <a:endParaRPr lang="en-US" altLang="zh-CN" sz="5400" b="1" dirty="0" smtClean="0">
-              <a:solidFill>
-                <a:srgbClr val="002060"/>
-              </a:solidFill>
-              <a:latin typeface="Microsoft JhengHei" panose="020B0604030504040204" pitchFamily="34" charset="-120"/>
-              <a:ea typeface="Microsoft JhengHei" panose="020B0604030504040204" pitchFamily="34" charset="-120"/>
-            </a:endParaRPr>
-          </a:p>
-          <a:p>
-            <a:pPr marL="0" indent="0" algn="ctr">
-              <a:buNone/>
-            </a:pPr>
-            <a:r>
-              <a:rPr lang="zh-CN" altLang="en-US" sz="5400" b="1" dirty="0" smtClean="0">
-                <a:solidFill>
-                  <a:srgbClr val="002060"/>
-                </a:solidFill>
-                <a:latin typeface="Microsoft JhengHei" panose="020B0604030504040204" pitchFamily="34" charset="-120"/>
-                <a:ea typeface="Microsoft JhengHei" panose="020B0604030504040204" pitchFamily="34" charset="-120"/>
-              </a:rPr>
-              <a:t>天地萬物都可發壞</a:t>
-            </a:r>
-            <a:r>
-              <a:rPr lang="en-US" altLang="zh-CN" sz="5400" b="1" dirty="0">
-                <a:solidFill>
-                  <a:srgbClr val="002060"/>
-                </a:solidFill>
-                <a:latin typeface="Microsoft JhengHei" panose="020B0604030504040204" pitchFamily="34" charset="-120"/>
-                <a:ea typeface="Microsoft JhengHei" panose="020B0604030504040204" pitchFamily="34" charset="-120"/>
-              </a:rPr>
-              <a:t> </a:t>
-            </a:r>
-            <a:r>
-              <a:rPr lang="en-US" altLang="zh-CN" sz="5400" b="1" dirty="0" smtClean="0">
-                <a:solidFill>
-                  <a:srgbClr val="002060"/>
-                </a:solidFill>
-                <a:latin typeface="Microsoft JhengHei" panose="020B0604030504040204" pitchFamily="34" charset="-120"/>
-                <a:ea typeface="Microsoft JhengHei" panose="020B0604030504040204" pitchFamily="34" charset="-120"/>
-              </a:rPr>
-              <a:t> </a:t>
-            </a:r>
-            <a:r>
-              <a:rPr lang="zh-CN" altLang="en-US" sz="5400" b="1" dirty="0" smtClean="0">
-                <a:solidFill>
-                  <a:srgbClr val="002060"/>
-                </a:solidFill>
-                <a:latin typeface="Microsoft JhengHei" panose="020B0604030504040204" pitchFamily="34" charset="-120"/>
-                <a:ea typeface="Microsoft JhengHei" panose="020B0604030504040204" pitchFamily="34" charset="-120"/>
-              </a:rPr>
-              <a:t>耶</a:t>
-            </a:r>
-            <a:r>
-              <a:rPr lang="zh-CN" altLang="en-US" sz="5400" b="1" dirty="0">
-                <a:solidFill>
-                  <a:srgbClr val="002060"/>
-                </a:solidFill>
-                <a:latin typeface="Microsoft JhengHei" panose="020B0604030504040204" pitchFamily="34" charset="-120"/>
-                <a:ea typeface="Microsoft JhengHei" panose="020B0604030504040204" pitchFamily="34" charset="-120"/>
-              </a:rPr>
-              <a:t>穌不改變</a:t>
-            </a:r>
-            <a:endParaRPr lang="vi-VN" sz="5400" b="1" dirty="0">
-              <a:solidFill>
-                <a:srgbClr val="002060"/>
-              </a:solidFill>
-              <a:ea typeface="Microsoft JhengHei" panose="020B0604030504040204" pitchFamily="34" charset="-120"/>
+              <a:effectLst/>
             </a:endParaRPr>
           </a:p>
         </p:txBody>
@@ -4740,13 +5074,20 @@
     </p:spTree>
     <p:extLst>
       <p:ext uri="{BB962C8B-B14F-4D97-AF65-F5344CB8AC3E}">
-        <p14:creationId xmlns:p14="http://schemas.microsoft.com/office/powerpoint/2010/main" xmlns="" val="2033843566"/>
+        <p14:creationId xmlns:p14="http://schemas.microsoft.com/office/powerpoint/2010/main" val="1625863429"/>
       </p:ext>
     </p:extLst>
   </p:cSld>
   <p:clrMapOvr>
     <a:masterClrMapping/>
   </p:clrMapOvr>
+  <p:timing>
+    <p:tnLst>
+      <p:par>
+        <p:cTn id="1" dur="indefinite" restart="never" nodeType="tmRoot"/>
+      </p:par>
+    </p:tnLst>
+  </p:timing>
 </p:sld>
 </file>
 
@@ -4769,166 +5110,85 @@
       </p:grpSpPr>
       <p:sp>
         <p:nvSpPr>
-          <p:cNvPr id="2" name="Title 1"/>
-          <p:cNvSpPr>
-            <a:spLocks noGrp="1"/>
-          </p:cNvSpPr>
-          <p:nvPr>
-            <p:ph type="title"/>
-          </p:nvPr>
-        </p:nvSpPr>
-        <p:spPr/>
-        <p:txBody>
-          <a:bodyPr>
+          <p:cNvPr id="5" name="內容版面配置區 4"/>
+          <p:cNvSpPr>
+            <a:spLocks noGrp="1"/>
+          </p:cNvSpPr>
+          <p:nvPr>
+            <p:ph idx="1"/>
+          </p:nvPr>
+        </p:nvSpPr>
+        <p:spPr>
+          <a:xfrm>
+            <a:off x="0" y="2084851"/>
+            <a:ext cx="12192000" cy="2404863"/>
+          </a:xfrm>
+        </p:spPr>
+        <p:txBody>
+          <a:bodyPr anchor="ctr">
             <a:normAutofit/>
           </a:bodyPr>
           <a:lstStyle/>
           <a:p>
-            <a:r>
-              <a:rPr lang="zh-CN" altLang="en-US" sz="4800" b="1" dirty="0" smtClean="0">
-                <a:solidFill>
-                  <a:srgbClr val="002060"/>
-                </a:solidFill>
-                <a:latin typeface="Microsoft JhengHei" panose="020B0604030504040204" pitchFamily="34" charset="-120"/>
-                <a:ea typeface="Microsoft JhengHei" panose="020B0604030504040204" pitchFamily="34" charset="-120"/>
+            <a:pPr marL="0" indent="0" algn="ctr">
+              <a:buNone/>
+            </a:pPr>
+            <a:r>
+              <a:rPr lang="zh-CN" altLang="en-US" sz="6400" b="1" dirty="0">
+                <a:solidFill>
+                  <a:srgbClr val="660033"/>
+                </a:solidFill>
+                <a:effectLst/>
+                <a:latin typeface="Microsoft JhengHei" pitchFamily="34" charset="-120"/>
+                <a:ea typeface="Microsoft JhengHei" pitchFamily="34" charset="-120"/>
               </a:rPr>
-              <a:t>昨日今日直到永遠</a:t>
-            </a:r>
-            <a:endParaRPr lang="vi-VN" sz="4800" b="1" dirty="0">
+              <a:t>以往主權顯在今天  主言有安慰</a:t>
+            </a:r>
+            <a:endParaRPr lang="en-US" altLang="zh-CN" sz="6400" b="1" dirty="0">
               <a:solidFill>
-                <a:srgbClr val="002060"/>
+                <a:srgbClr val="660033"/>
               </a:solidFill>
-              <a:ea typeface="Microsoft JhengHei" panose="020B0604030504040204" pitchFamily="34" charset="-120"/>
+              <a:effectLst/>
+              <a:latin typeface="Microsoft JhengHei" pitchFamily="34" charset="-120"/>
+              <a:ea typeface="Microsoft JhengHei" pitchFamily="34" charset="-120"/>
             </a:endParaRPr>
           </a:p>
-        </p:txBody>
-      </p:sp>
-      <p:sp>
-        <p:nvSpPr>
-          <p:cNvPr id="3" name="Content Placeholder 2"/>
-          <p:cNvSpPr>
-            <a:spLocks noGrp="1"/>
-          </p:cNvSpPr>
-          <p:nvPr>
-            <p:ph idx="1"/>
-          </p:nvPr>
-        </p:nvSpPr>
-        <p:spPr/>
-        <p:txBody>
-          <a:bodyPr>
-            <a:normAutofit/>
-          </a:bodyPr>
-          <a:lstStyle/>
           <a:p>
             <a:pPr marL="0" indent="0" algn="ctr">
               <a:buNone/>
             </a:pPr>
             <a:r>
-              <a:rPr lang="zh-CN" altLang="en-US" sz="5400" b="1" dirty="0">
-                <a:solidFill>
-                  <a:srgbClr val="002060"/>
-                </a:solidFill>
-                <a:ea typeface="Microsoft JhengHei" panose="020B0604030504040204" pitchFamily="34" charset="-120"/>
+              <a:rPr lang="zh-CN" altLang="en-US" sz="6400" b="1" dirty="0">
+                <a:solidFill>
+                  <a:srgbClr val="660033"/>
+                </a:solidFill>
+                <a:effectLst/>
+                <a:latin typeface="Microsoft JhengHei" pitchFamily="34" charset="-120"/>
+                <a:ea typeface="Microsoft JhengHei" pitchFamily="34" charset="-120"/>
               </a:rPr>
-              <a:t>主嘗走在以馬</a:t>
-            </a:r>
-            <a:r>
-              <a:rPr lang="zh-CN" altLang="en-US" sz="5400" b="1" dirty="0" smtClean="0">
-                <a:solidFill>
-                  <a:srgbClr val="002060"/>
-                </a:solidFill>
-                <a:ea typeface="Microsoft JhengHei" panose="020B0604030504040204" pitchFamily="34" charset="-120"/>
-              </a:rPr>
-              <a:t>忤路  同走有門徒</a:t>
-            </a:r>
-            <a:endParaRPr lang="en-US" altLang="zh-CN" sz="5400" b="1" dirty="0" smtClean="0">
+              <a:t>我也不定你的過犯  不要再犯罪</a:t>
+            </a:r>
+            <a:endParaRPr lang="vi-VN" sz="6400" b="1" dirty="0">
               <a:solidFill>
-                <a:srgbClr val="002060"/>
+                <a:srgbClr val="660033"/>
               </a:solidFill>
-              <a:ea typeface="Microsoft JhengHei" panose="020B0604030504040204" pitchFamily="34" charset="-120"/>
+              <a:effectLst/>
+              <a:latin typeface="Microsoft JhengHei" pitchFamily="34" charset="-120"/>
+              <a:ea typeface="Microsoft JhengHei" pitchFamily="34" charset="-120"/>
             </a:endParaRPr>
           </a:p>
-          <a:p>
-            <a:pPr marL="0" indent="0" algn="ctr">
-              <a:buNone/>
-            </a:pPr>
-            <a:r>
-              <a:rPr lang="zh-CN" altLang="en-US" sz="5400" b="1" dirty="0" smtClean="0">
-                <a:solidFill>
-                  <a:srgbClr val="002060"/>
-                </a:solidFill>
-                <a:ea typeface="Microsoft JhengHei" panose="020B0604030504040204" pitchFamily="34" charset="-120"/>
-              </a:rPr>
-              <a:t>今主與我一生走路  不離我一步</a:t>
-            </a:r>
-            <a:endParaRPr lang="en-US" altLang="zh-CN" sz="5400" b="1" dirty="0" smtClean="0">
-              <a:solidFill>
-                <a:srgbClr val="002060"/>
-              </a:solidFill>
-              <a:ea typeface="Microsoft JhengHei" panose="020B0604030504040204" pitchFamily="34" charset="-120"/>
-            </a:endParaRPr>
-          </a:p>
-          <a:p>
-            <a:pPr marL="0" indent="0" algn="ctr">
-              <a:buNone/>
-            </a:pPr>
-            <a:r>
-              <a:rPr lang="zh-CN" altLang="en-US" sz="5400" b="1" dirty="0">
-                <a:solidFill>
-                  <a:srgbClr val="002060"/>
-                </a:solidFill>
-                <a:ea typeface="Microsoft JhengHei" panose="020B0604030504040204" pitchFamily="34" charset="-120"/>
-              </a:rPr>
-              <a:t>不</a:t>
-            </a:r>
-            <a:r>
-              <a:rPr lang="zh-CN" altLang="en-US" sz="5400" b="1" dirty="0" smtClean="0">
-                <a:solidFill>
-                  <a:srgbClr val="002060"/>
-                </a:solidFill>
-                <a:ea typeface="Microsoft JhengHei" panose="020B0604030504040204" pitchFamily="34" charset="-120"/>
-              </a:rPr>
-              <a:t>久我將再見主面  願此日快現</a:t>
-            </a:r>
-            <a:endParaRPr lang="en-US" altLang="zh-CN" sz="5400" b="1" dirty="0" smtClean="0">
-              <a:solidFill>
-                <a:srgbClr val="002060"/>
-              </a:solidFill>
-              <a:ea typeface="Microsoft JhengHei" panose="020B0604030504040204" pitchFamily="34" charset="-120"/>
-            </a:endParaRPr>
-          </a:p>
-          <a:p>
-            <a:pPr marL="0" indent="0" algn="ctr">
-              <a:buNone/>
-            </a:pPr>
-            <a:r>
-              <a:rPr lang="zh-CN" altLang="en-US" sz="5400" b="1" dirty="0" smtClean="0">
-                <a:solidFill>
-                  <a:srgbClr val="002060"/>
-                </a:solidFill>
-                <a:ea typeface="Microsoft JhengHei" panose="020B0604030504040204" pitchFamily="34" charset="-120"/>
-              </a:rPr>
-              <a:t>然而耶穌仍是不變  無異在當年</a:t>
-            </a:r>
-            <a:endParaRPr lang="vi-VN" sz="5400" b="1" dirty="0">
-              <a:solidFill>
-                <a:srgbClr val="002060"/>
-              </a:solidFill>
-              <a:ea typeface="Microsoft JhengHei" panose="020B0604030504040204" pitchFamily="34" charset="-120"/>
-            </a:endParaRPr>
-          </a:p>
-        </p:txBody>
-      </p:sp>
-      <p:sp>
-        <p:nvSpPr>
-          <p:cNvPr id="4" name="TextBox 3"/>
+        </p:txBody>
+      </p:sp>
+      <p:sp>
+        <p:nvSpPr>
+          <p:cNvPr id="3" name="TextBox 2"/>
           <p:cNvSpPr txBox="1"/>
           <p:nvPr/>
         </p:nvSpPr>
         <p:spPr>
           <a:xfrm>
-            <a:off x="251460" y="1680211"/>
-            <a:ext cx="960120" cy="923330"/>
+            <a:off x="0" y="5061182"/>
+            <a:ext cx="12192000" cy="830997"/>
           </a:xfrm>
           <a:prstGeom prst="rect">
             <a:avLst/>
@@ -4941,26 +5201,21 @@
           </a:bodyPr>
           <a:lstStyle/>
           <a:p>
-            <a:r>
-              <a:rPr lang="en-US" sz="5400" b="1" dirty="0">
-                <a:solidFill>
-                  <a:srgbClr val="002060"/>
-                </a:solidFill>
+            <a:pPr algn="ctr"/>
+            <a:r>
+              <a:rPr lang="en-US" sz="4800" b="1" dirty="0">
+                <a:solidFill>
+                  <a:srgbClr val="660033"/>
+                </a:solidFill>
+                <a:effectLst/>
               </a:rPr>
-              <a:t>4</a:t>
-            </a:r>
-            <a:r>
-              <a:rPr lang="en-US" sz="5400" b="1" dirty="0" smtClean="0">
-                <a:solidFill>
-                  <a:srgbClr val="002060"/>
-                </a:solidFill>
-              </a:rPr>
-              <a:t>.</a:t>
-            </a:r>
-            <a:endParaRPr lang="vi-VN" sz="5400" b="1" dirty="0">
+              <a:t>( 2 )</a:t>
+            </a:r>
+            <a:endParaRPr lang="vi-VN" sz="4800" b="1" dirty="0">
               <a:solidFill>
-                <a:srgbClr val="002060"/>
+                <a:srgbClr val="660033"/>
               </a:solidFill>
+              <a:effectLst/>
             </a:endParaRPr>
           </a:p>
         </p:txBody>
@@ -4968,13 +5223,20 @@
     </p:spTree>
     <p:extLst>
       <p:ext uri="{BB962C8B-B14F-4D97-AF65-F5344CB8AC3E}">
-        <p14:creationId xmlns:p14="http://schemas.microsoft.com/office/powerpoint/2010/main" xmlns="" val="1396588236"/>
+        <p14:creationId xmlns:p14="http://schemas.microsoft.com/office/powerpoint/2010/main" val="3496932162"/>
       </p:ext>
     </p:extLst>
   </p:cSld>
   <p:clrMapOvr>
     <a:masterClrMapping/>
   </p:clrMapOvr>
+  <p:timing>
+    <p:tnLst>
+      <p:par>
+        <p:cTn id="1" dur="indefinite" restart="never" nodeType="tmRoot"/>
+      </p:par>
+    </p:tnLst>
+  </p:timing>
 </p:sld>
 </file>
 
@@ -4997,276 +5259,71 @@
       </p:grpSpPr>
       <p:sp>
         <p:nvSpPr>
-          <p:cNvPr id="2" name="Title 1"/>
-          <p:cNvSpPr>
-            <a:spLocks noGrp="1"/>
-          </p:cNvSpPr>
-          <p:nvPr>
-            <p:ph type="title"/>
-          </p:nvPr>
-        </p:nvSpPr>
-        <p:spPr/>
-        <p:txBody>
-          <a:bodyPr>
+          <p:cNvPr id="5" name="內容版面配置區 4"/>
+          <p:cNvSpPr>
+            <a:spLocks noGrp="1"/>
+          </p:cNvSpPr>
+          <p:nvPr>
+            <p:ph idx="1"/>
+          </p:nvPr>
+        </p:nvSpPr>
+        <p:spPr>
+          <a:xfrm>
+            <a:off x="0" y="2084851"/>
+            <a:ext cx="12192000" cy="2404863"/>
+          </a:xfrm>
+        </p:spPr>
+        <p:txBody>
+          <a:bodyPr anchor="ctr">
             <a:normAutofit/>
           </a:bodyPr>
           <a:lstStyle/>
           <a:p>
-            <a:r>
-              <a:rPr lang="zh-CN" altLang="en-US" sz="4800" b="1" dirty="0" smtClean="0">
-                <a:solidFill>
-                  <a:srgbClr val="002060"/>
-                </a:solidFill>
-                <a:latin typeface="Microsoft JhengHei" panose="020B0604030504040204" pitchFamily="34" charset="-120"/>
-                <a:ea typeface="Microsoft JhengHei" panose="020B0604030504040204" pitchFamily="34" charset="-120"/>
+            <a:pPr marL="0" indent="0" algn="ctr">
+              <a:buNone/>
+            </a:pPr>
+            <a:r>
+              <a:rPr lang="zh-CN" altLang="en-US" sz="6400" b="1" dirty="0">
+                <a:solidFill>
+                  <a:srgbClr val="660033"/>
+                </a:solidFill>
+                <a:effectLst/>
+                <a:latin typeface="Microsoft JhengHei" pitchFamily="34" charset="-120"/>
+                <a:ea typeface="Microsoft JhengHei" pitchFamily="34" charset="-120"/>
               </a:rPr>
-              <a:t>昨日今日直到永遠</a:t>
-            </a:r>
-            <a:endParaRPr lang="vi-VN" sz="4800" b="1" dirty="0">
+              <a:t>昨日今日直到永遠  耶穌不改變</a:t>
+            </a:r>
+            <a:endParaRPr lang="en-US" altLang="zh-CN" sz="6400" b="1" dirty="0">
               <a:solidFill>
-                <a:srgbClr val="002060"/>
+                <a:srgbClr val="660033"/>
               </a:solidFill>
-              <a:ea typeface="Microsoft JhengHei" panose="020B0604030504040204" pitchFamily="34" charset="-120"/>
+              <a:effectLst/>
+              <a:latin typeface="Microsoft JhengHei" pitchFamily="34" charset="-120"/>
+              <a:ea typeface="Microsoft JhengHei" pitchFamily="34" charset="-120"/>
             </a:endParaRPr>
           </a:p>
-        </p:txBody>
-      </p:sp>
-      <p:sp>
-        <p:nvSpPr>
-          <p:cNvPr id="3" name="Content Placeholder 2"/>
-          <p:cNvSpPr>
-            <a:spLocks noGrp="1"/>
-          </p:cNvSpPr>
-          <p:nvPr>
-            <p:ph idx="1"/>
-          </p:nvPr>
-        </p:nvSpPr>
-        <p:spPr>
-          <a:xfrm>
-            <a:off x="609600" y="1600201"/>
-            <a:ext cx="10972800" cy="5257799"/>
-          </a:xfrm>
-        </p:spPr>
-        <p:txBody>
-          <a:bodyPr>
-            <a:normAutofit/>
-          </a:bodyPr>
-          <a:lstStyle/>
           <a:p>
             <a:pPr marL="0" indent="0" algn="ctr">
               <a:buNone/>
             </a:pPr>
             <a:r>
-              <a:rPr lang="zh-CN" altLang="en-US" sz="5400" b="1" dirty="0">
-                <a:solidFill>
-                  <a:srgbClr val="002060"/>
-                </a:solidFill>
-                <a:latin typeface="Microsoft JhengHei" panose="020B0604030504040204" pitchFamily="34" charset="-120"/>
-                <a:ea typeface="Microsoft JhengHei" panose="020B0604030504040204" pitchFamily="34" charset="-120"/>
+              <a:rPr lang="zh-CN" altLang="en-US" sz="6400" b="1" dirty="0">
+                <a:solidFill>
+                  <a:srgbClr val="660033"/>
+                </a:solidFill>
+                <a:effectLst/>
+                <a:latin typeface="Microsoft JhengHei" pitchFamily="34" charset="-120"/>
+                <a:ea typeface="Microsoft JhengHei" pitchFamily="34" charset="-120"/>
               </a:rPr>
-              <a:t>昨日今日直到永</a:t>
-            </a:r>
-            <a:r>
-              <a:rPr lang="zh-CN" altLang="en-US" sz="5400" b="1" dirty="0" smtClean="0">
-                <a:solidFill>
-                  <a:srgbClr val="002060"/>
-                </a:solidFill>
-                <a:latin typeface="Microsoft JhengHei" panose="020B0604030504040204" pitchFamily="34" charset="-120"/>
-                <a:ea typeface="Microsoft JhengHei" panose="020B0604030504040204" pitchFamily="34" charset="-120"/>
-              </a:rPr>
-              <a:t>遠  耶</a:t>
-            </a:r>
-            <a:r>
-              <a:rPr lang="zh-CN" altLang="en-US" sz="5400" b="1" dirty="0">
-                <a:solidFill>
-                  <a:srgbClr val="002060"/>
-                </a:solidFill>
-                <a:latin typeface="Microsoft JhengHei" panose="020B0604030504040204" pitchFamily="34" charset="-120"/>
-                <a:ea typeface="Microsoft JhengHei" panose="020B0604030504040204" pitchFamily="34" charset="-120"/>
-              </a:rPr>
-              <a:t>穌不改</a:t>
-            </a:r>
-            <a:r>
-              <a:rPr lang="zh-CN" altLang="en-US" sz="5400" b="1" dirty="0" smtClean="0">
-                <a:solidFill>
-                  <a:srgbClr val="002060"/>
-                </a:solidFill>
-                <a:latin typeface="Microsoft JhengHei" panose="020B0604030504040204" pitchFamily="34" charset="-120"/>
-                <a:ea typeface="Microsoft JhengHei" panose="020B0604030504040204" pitchFamily="34" charset="-120"/>
-              </a:rPr>
-              <a:t>變</a:t>
-            </a:r>
-            <a:endParaRPr lang="en-US" altLang="zh-CN" sz="5400" b="1" dirty="0" smtClean="0">
+              <a:t>父母兄弟都能離開  耶穌不改變</a:t>
+            </a:r>
+            <a:endParaRPr lang="en-US" altLang="zh-CN" sz="6400" b="1" dirty="0">
               <a:solidFill>
-                <a:srgbClr val="002060"/>
+                <a:srgbClr val="660033"/>
               </a:solidFill>
-              <a:latin typeface="Microsoft JhengHei" panose="020B0604030504040204" pitchFamily="34" charset="-120"/>
-              <a:ea typeface="Microsoft JhengHei" panose="020B0604030504040204" pitchFamily="34" charset="-120"/>
-            </a:endParaRPr>
-          </a:p>
-          <a:p>
-            <a:pPr marL="0" indent="0" algn="ctr">
-              <a:buNone/>
-            </a:pPr>
-            <a:r>
-              <a:rPr lang="zh-CN" altLang="en-US" sz="5400" b="1" dirty="0">
-                <a:solidFill>
-                  <a:srgbClr val="002060"/>
-                </a:solidFill>
-                <a:latin typeface="Microsoft JhengHei" panose="020B0604030504040204" pitchFamily="34" charset="-120"/>
-                <a:ea typeface="Microsoft JhengHei" panose="020B0604030504040204" pitchFamily="34" charset="-120"/>
-              </a:rPr>
-              <a:t>父</a:t>
-            </a:r>
-            <a:r>
-              <a:rPr lang="zh-CN" altLang="en-US" sz="5400" b="1" dirty="0" smtClean="0">
-                <a:solidFill>
-                  <a:srgbClr val="002060"/>
-                </a:solidFill>
-                <a:latin typeface="Microsoft JhengHei" panose="020B0604030504040204" pitchFamily="34" charset="-120"/>
-                <a:ea typeface="Microsoft JhengHei" panose="020B0604030504040204" pitchFamily="34" charset="-120"/>
-              </a:rPr>
-              <a:t>母兄弟都能離開  耶</a:t>
-            </a:r>
-            <a:r>
-              <a:rPr lang="zh-CN" altLang="en-US" sz="5400" b="1" dirty="0">
-                <a:solidFill>
-                  <a:srgbClr val="002060"/>
-                </a:solidFill>
-                <a:latin typeface="Microsoft JhengHei" panose="020B0604030504040204" pitchFamily="34" charset="-120"/>
-                <a:ea typeface="Microsoft JhengHei" panose="020B0604030504040204" pitchFamily="34" charset="-120"/>
-              </a:rPr>
-              <a:t>穌不改</a:t>
-            </a:r>
-            <a:r>
-              <a:rPr lang="zh-CN" altLang="en-US" sz="5400" b="1" dirty="0" smtClean="0">
-                <a:solidFill>
-                  <a:srgbClr val="002060"/>
-                </a:solidFill>
-                <a:latin typeface="Microsoft JhengHei" panose="020B0604030504040204" pitchFamily="34" charset="-120"/>
-                <a:ea typeface="Microsoft JhengHei" panose="020B0604030504040204" pitchFamily="34" charset="-120"/>
-              </a:rPr>
-              <a:t>變</a:t>
-            </a:r>
-            <a:endParaRPr lang="en-US" altLang="zh-CN" sz="5400" b="1" dirty="0" smtClean="0">
-              <a:solidFill>
-                <a:srgbClr val="002060"/>
-              </a:solidFill>
-              <a:latin typeface="Microsoft JhengHei" panose="020B0604030504040204" pitchFamily="34" charset="-120"/>
-              <a:ea typeface="Microsoft JhengHei" panose="020B0604030504040204" pitchFamily="34" charset="-120"/>
-            </a:endParaRPr>
-          </a:p>
-          <a:p>
-            <a:pPr marL="0" indent="0" algn="ctr">
-              <a:buNone/>
-            </a:pPr>
-            <a:r>
-              <a:rPr lang="zh-CN" altLang="en-US" sz="5400" b="1" dirty="0">
-                <a:solidFill>
-                  <a:srgbClr val="002060"/>
-                </a:solidFill>
-                <a:latin typeface="Microsoft JhengHei" panose="020B0604030504040204" pitchFamily="34" charset="-120"/>
-                <a:ea typeface="Microsoft JhengHei" panose="020B0604030504040204" pitchFamily="34" charset="-120"/>
-              </a:rPr>
-              <a:t>耶穌不改</a:t>
-            </a:r>
-            <a:r>
-              <a:rPr lang="zh-CN" altLang="en-US" sz="5400" b="1" dirty="0" smtClean="0">
-                <a:solidFill>
-                  <a:srgbClr val="002060"/>
-                </a:solidFill>
-                <a:latin typeface="Microsoft JhengHei" panose="020B0604030504040204" pitchFamily="34" charset="-120"/>
-                <a:ea typeface="Microsoft JhengHei" panose="020B0604030504040204" pitchFamily="34" charset="-120"/>
-              </a:rPr>
-              <a:t>變  耶</a:t>
-            </a:r>
-            <a:r>
-              <a:rPr lang="zh-CN" altLang="en-US" sz="5400" b="1" dirty="0">
-                <a:solidFill>
-                  <a:srgbClr val="002060"/>
-                </a:solidFill>
-                <a:latin typeface="Microsoft JhengHei" panose="020B0604030504040204" pitchFamily="34" charset="-120"/>
-                <a:ea typeface="Microsoft JhengHei" panose="020B0604030504040204" pitchFamily="34" charset="-120"/>
-              </a:rPr>
-              <a:t>穌不改</a:t>
-            </a:r>
-            <a:r>
-              <a:rPr lang="zh-CN" altLang="en-US" sz="5400" b="1" dirty="0" smtClean="0">
-                <a:solidFill>
-                  <a:srgbClr val="002060"/>
-                </a:solidFill>
-                <a:latin typeface="Microsoft JhengHei" panose="020B0604030504040204" pitchFamily="34" charset="-120"/>
-                <a:ea typeface="Microsoft JhengHei" panose="020B0604030504040204" pitchFamily="34" charset="-120"/>
-              </a:rPr>
-              <a:t>變</a:t>
-            </a:r>
-            <a:endParaRPr lang="en-US" altLang="zh-CN" sz="5400" b="1" dirty="0" smtClean="0">
-              <a:solidFill>
-                <a:srgbClr val="002060"/>
-              </a:solidFill>
-              <a:latin typeface="Microsoft JhengHei" panose="020B0604030504040204" pitchFamily="34" charset="-120"/>
-              <a:ea typeface="Microsoft JhengHei" panose="020B0604030504040204" pitchFamily="34" charset="-120"/>
-            </a:endParaRPr>
-          </a:p>
-          <a:p>
-            <a:pPr marL="0" indent="0" algn="ctr">
-              <a:buNone/>
-            </a:pPr>
-            <a:r>
-              <a:rPr lang="zh-CN" altLang="en-US" sz="5400" b="1" dirty="0" smtClean="0">
-                <a:solidFill>
-                  <a:srgbClr val="002060"/>
-                </a:solidFill>
-                <a:latin typeface="Microsoft JhengHei" panose="020B0604030504040204" pitchFamily="34" charset="-120"/>
-                <a:ea typeface="Microsoft JhengHei" panose="020B0604030504040204" pitchFamily="34" charset="-120"/>
-              </a:rPr>
-              <a:t>天地萬物都可發壞</a:t>
-            </a:r>
-            <a:r>
-              <a:rPr lang="en-US" altLang="zh-CN" sz="5400" b="1" dirty="0">
-                <a:solidFill>
-                  <a:srgbClr val="002060"/>
-                </a:solidFill>
-                <a:latin typeface="Microsoft JhengHei" panose="020B0604030504040204" pitchFamily="34" charset="-120"/>
-                <a:ea typeface="Microsoft JhengHei" panose="020B0604030504040204" pitchFamily="34" charset="-120"/>
-              </a:rPr>
-              <a:t> </a:t>
-            </a:r>
-            <a:r>
-              <a:rPr lang="en-US" altLang="zh-CN" sz="5400" b="1" dirty="0" smtClean="0">
-                <a:solidFill>
-                  <a:srgbClr val="002060"/>
-                </a:solidFill>
-                <a:latin typeface="Microsoft JhengHei" panose="020B0604030504040204" pitchFamily="34" charset="-120"/>
-                <a:ea typeface="Microsoft JhengHei" panose="020B0604030504040204" pitchFamily="34" charset="-120"/>
-              </a:rPr>
-              <a:t> </a:t>
-            </a:r>
-            <a:r>
-              <a:rPr lang="zh-CN" altLang="en-US" sz="5400" b="1" dirty="0" smtClean="0">
-                <a:solidFill>
-                  <a:srgbClr val="002060"/>
-                </a:solidFill>
-                <a:latin typeface="Microsoft JhengHei" panose="020B0604030504040204" pitchFamily="34" charset="-120"/>
-                <a:ea typeface="Microsoft JhengHei" panose="020B0604030504040204" pitchFamily="34" charset="-120"/>
-              </a:rPr>
-              <a:t>耶</a:t>
-            </a:r>
-            <a:r>
-              <a:rPr lang="zh-CN" altLang="en-US" sz="5400" b="1" dirty="0">
-                <a:solidFill>
-                  <a:srgbClr val="002060"/>
-                </a:solidFill>
-                <a:latin typeface="Microsoft JhengHei" panose="020B0604030504040204" pitchFamily="34" charset="-120"/>
-                <a:ea typeface="Microsoft JhengHei" panose="020B0604030504040204" pitchFamily="34" charset="-120"/>
-              </a:rPr>
-              <a:t>穌不改變</a:t>
-            </a:r>
-            <a:endParaRPr lang="vi-VN" sz="5400" b="1" dirty="0">
-              <a:solidFill>
-                <a:srgbClr val="002060"/>
-              </a:solidFill>
-              <a:ea typeface="Microsoft JhengHei" panose="020B0604030504040204" pitchFamily="34" charset="-120"/>
+              <a:effectLst/>
+              <a:latin typeface="Microsoft JhengHei" pitchFamily="34" charset="-120"/>
+              <a:ea typeface="Microsoft JhengHei" pitchFamily="34" charset="-120"/>
             </a:endParaRPr>
           </a:p>
         </p:txBody>
@@ -5274,13 +5331,160 @@
     </p:spTree>
     <p:extLst>
       <p:ext uri="{BB962C8B-B14F-4D97-AF65-F5344CB8AC3E}">
-        <p14:creationId xmlns:p14="http://schemas.microsoft.com/office/powerpoint/2010/main" xmlns="" val="1391814759"/>
+        <p14:creationId xmlns:p14="http://schemas.microsoft.com/office/powerpoint/2010/main" val="381852978"/>
       </p:ext>
     </p:extLst>
   </p:cSld>
   <p:clrMapOvr>
     <a:masterClrMapping/>
   </p:clrMapOvr>
+  <p:timing>
+    <p:tnLst>
+      <p:par>
+        <p:cTn id="1" dur="indefinite" restart="never" nodeType="tmRoot"/>
+      </p:par>
+    </p:tnLst>
+  </p:timing>
+</p:sld>
+</file>
+
+<file path=ppt/slides/slide9.xml><?xml version="1.0" encoding="utf-8"?>
+<p:sld xmlns:a="http://schemas.openxmlformats.org/drawingml/2006/main" xmlns:r="http://schemas.openxmlformats.org/officeDocument/2006/relationships" xmlns:p="http://schemas.openxmlformats.org/presentationml/2006/main">
+  <p:cSld>
+    <p:spTree>
+      <p:nvGrpSpPr>
+        <p:cNvPr id="1" name=""/>
+        <p:cNvGrpSpPr/>
+        <p:nvPr/>
+      </p:nvGrpSpPr>
+      <p:grpSpPr>
+        <a:xfrm>
+          <a:off x="0" y="0"/>
+          <a:ext cx="0" cy="0"/>
+          <a:chOff x="0" y="0"/>
+          <a:chExt cx="0" cy="0"/>
+        </a:xfrm>
+      </p:grpSpPr>
+      <p:sp>
+        <p:nvSpPr>
+          <p:cNvPr id="5" name="內容版面配置區 4"/>
+          <p:cNvSpPr>
+            <a:spLocks noGrp="1"/>
+          </p:cNvSpPr>
+          <p:nvPr>
+            <p:ph idx="1"/>
+          </p:nvPr>
+        </p:nvSpPr>
+        <p:spPr>
+          <a:xfrm>
+            <a:off x="0" y="2084851"/>
+            <a:ext cx="12192000" cy="2404863"/>
+          </a:xfrm>
+        </p:spPr>
+        <p:txBody>
+          <a:bodyPr anchor="ctr">
+            <a:normAutofit/>
+          </a:bodyPr>
+          <a:lstStyle/>
+          <a:p>
+            <a:pPr marL="0" indent="0" algn="ctr">
+              <a:buNone/>
+            </a:pPr>
+            <a:r>
+              <a:rPr lang="zh-CN" altLang="en-US" sz="6400" b="1" dirty="0">
+                <a:solidFill>
+                  <a:srgbClr val="660033"/>
+                </a:solidFill>
+                <a:effectLst/>
+                <a:latin typeface="Microsoft JhengHei" pitchFamily="34" charset="-120"/>
+                <a:ea typeface="Microsoft JhengHei" pitchFamily="34" charset="-120"/>
+              </a:rPr>
+              <a:t>耶穌不改變  耶穌不改變</a:t>
+            </a:r>
+            <a:endParaRPr lang="en-US" altLang="zh-CN" sz="6400" b="1" dirty="0">
+              <a:solidFill>
+                <a:srgbClr val="660033"/>
+              </a:solidFill>
+              <a:effectLst/>
+              <a:latin typeface="Microsoft JhengHei" pitchFamily="34" charset="-120"/>
+              <a:ea typeface="Microsoft JhengHei" pitchFamily="34" charset="-120"/>
+            </a:endParaRPr>
+          </a:p>
+          <a:p>
+            <a:pPr marL="0" indent="0" algn="ctr">
+              <a:buNone/>
+            </a:pPr>
+            <a:r>
+              <a:rPr lang="zh-CN" altLang="en-US" sz="6400" b="1" dirty="0">
+                <a:solidFill>
+                  <a:srgbClr val="660033"/>
+                </a:solidFill>
+                <a:effectLst/>
+                <a:latin typeface="Microsoft JhengHei" pitchFamily="34" charset="-120"/>
+                <a:ea typeface="Microsoft JhengHei" pitchFamily="34" charset="-120"/>
+              </a:rPr>
+              <a:t>天地萬物都</a:t>
+            </a:r>
+            <a:r>
+              <a:rPr lang="zh-CN" altLang="en-US" sz="6400" b="1" dirty="0">
+                <a:solidFill>
+                  <a:srgbClr val="660033"/>
+                </a:solidFill>
+                <a:latin typeface="Microsoft JhengHei" pitchFamily="34" charset="-120"/>
+                <a:ea typeface="Microsoft JhengHei" pitchFamily="34" charset="-120"/>
+              </a:rPr>
+              <a:t>可廢壞</a:t>
+            </a:r>
+            <a:r>
+              <a:rPr lang="en-US" altLang="zh-CN" sz="6400" b="1" dirty="0" smtClean="0">
+                <a:solidFill>
+                  <a:srgbClr val="660033"/>
+                </a:solidFill>
+                <a:effectLst/>
+                <a:latin typeface="Microsoft JhengHei" pitchFamily="34" charset="-120"/>
+                <a:ea typeface="Microsoft JhengHei" pitchFamily="34" charset="-120"/>
+              </a:rPr>
+              <a:t>  </a:t>
+            </a:r>
+            <a:r>
+              <a:rPr lang="zh-CN" altLang="en-US" sz="6400" b="1" dirty="0">
+                <a:solidFill>
+                  <a:srgbClr val="660033"/>
+                </a:solidFill>
+                <a:effectLst/>
+                <a:latin typeface="Microsoft JhengHei" pitchFamily="34" charset="-120"/>
+                <a:ea typeface="Microsoft JhengHei" pitchFamily="34" charset="-120"/>
+              </a:rPr>
+              <a:t>耶穌不改變</a:t>
+            </a:r>
+            <a:endParaRPr lang="vi-VN" sz="6400" b="1" dirty="0">
+              <a:solidFill>
+                <a:srgbClr val="660033"/>
+              </a:solidFill>
+              <a:effectLst/>
+              <a:latin typeface="Microsoft JhengHei" pitchFamily="34" charset="-120"/>
+              <a:ea typeface="Microsoft JhengHei" pitchFamily="34" charset="-120"/>
+            </a:endParaRPr>
+          </a:p>
+        </p:txBody>
+      </p:sp>
+    </p:spTree>
+    <p:extLst>
+      <p:ext uri="{BB962C8B-B14F-4D97-AF65-F5344CB8AC3E}">
+        <p14:creationId xmlns:p14="http://schemas.microsoft.com/office/powerpoint/2010/main" val="2851307576"/>
+      </p:ext>
+    </p:extLst>
+  </p:cSld>
+  <p:clrMapOvr>
+    <a:masterClrMapping/>
+  </p:clrMapOvr>
+  <p:timing>
+    <p:tnLst>
+      <p:par>
+        <p:cTn id="1" dur="indefinite" restart="never" nodeType="tmRoot"/>
+      </p:par>
+    </p:tnLst>
+  </p:timing>
 </p:sld>
 </file>
 
@@ -5566,7 +5770,7 @@
   <a:extraClrSchemeLst/>
   <a:extLst>
     <a:ext uri="{05A4C25C-085E-4340-85A3-A5531E510DB2}">
-      <thm15:themeFamily xmlns:thm15="http://schemas.microsoft.com/office/thememl/2012/main" xmlns="" name="Theme1" id="{AFC7C034-021A-479F-A5B0-F4AE2AC2A6F8}" vid="{E4B01A5C-7C0B-4AB8-8973-047186F18E30}"/>
+      <thm15:themeFamily xmlns:thm15="http://schemas.microsoft.com/office/thememl/2012/main" name="Theme1" id="{AFC7C034-021A-479F-A5B0-F4AE2AC2A6F8}" vid="{E4B01A5C-7C0B-4AB8-8973-047186F18E30}"/>
     </a:ext>
   </a:extLst>
 </a:theme>
